--- a/documents/展示ppt.pptx
+++ b/documents/展示ppt.pptx
@@ -12,12 +12,11 @@
     <p:sldId id="261" r:id="rId7"/>
     <p:sldId id="285" r:id="rId8"/>
     <p:sldId id="288" r:id="rId9"/>
-    <p:sldId id="287" r:id="rId10"/>
-    <p:sldId id="263" r:id="rId11"/>
-    <p:sldId id="268" r:id="rId12"/>
-    <p:sldId id="279" r:id="rId13"/>
-    <p:sldId id="280" r:id="rId14"/>
-    <p:sldId id="271" r:id="rId15"/>
+    <p:sldId id="263" r:id="rId10"/>
+    <p:sldId id="268" r:id="rId11"/>
+    <p:sldId id="279" r:id="rId12"/>
+    <p:sldId id="280" r:id="rId13"/>
+    <p:sldId id="271" r:id="rId14"/>
   </p:sldIdLst>
   <p:sldSz cx="12192000" cy="6858000"/>
   <p:notesSz cx="6858000" cy="9144000"/>
@@ -4228,8 +4227,8 @@
         </p:nvSpPr>
         <p:spPr>
           <a:xfrm>
-            <a:off x="4855277" y="2717079"/>
-            <a:ext cx="6067058" cy="2306955"/>
+            <a:off x="4746057" y="2637069"/>
+            <a:ext cx="6067058" cy="2584450"/>
           </a:xfrm>
           <a:prstGeom prst="rect">
             <a:avLst/>
@@ -4247,7 +4246,7 @@
               </a:lnSpc>
             </a:pPr>
             <a:r>
-              <a:rPr lang="zh-CN" altLang="en-GB" sz="1600" kern="0" dirty="0">
+              <a:rPr lang="zh-CN" altLang="en-GB" kern="0" dirty="0">
                 <a:solidFill>
                   <a:schemeClr val="tx1">
                     <a:lumMod val="50000"/>
@@ -4257,9 +4256,9 @@
                 <a:latin typeface="微软雅黑 Light" panose="020B0502040204020203" pitchFamily="34" charset="-122"/>
                 <a:ea typeface="微软雅黑 Light" panose="020B0502040204020203" pitchFamily="34" charset="-122"/>
               </a:rPr>
-              <a:t>兔佬太强了太强了太强了</a:t>
+              <a:t>此次实训，给我的收获很多。最为重要的便是对一个项目开发过程的大体了解以及团队合作的重要性。当然，同时通过此次也发现了自身不足的一些地方，感觉自己自身技术层面上与其他同学相差较多，在代码层面对团队的贡献比较少，我会尽力在以后的生活中加以改正，努力学习专业知识，提高自身技术</a:t>
             </a:r>
-            <a:endParaRPr lang="zh-CN" altLang="en-GB" sz="1600" kern="0" dirty="0">
+            <a:endParaRPr lang="zh-CN" altLang="en-GB" kern="0" dirty="0">
               <a:solidFill>
                 <a:schemeClr val="tx1">
                   <a:lumMod val="50000"/>
@@ -4270,157 +4269,40 @@
               <a:ea typeface="微软雅黑 Light" panose="020B0502040204020203" pitchFamily="34" charset="-122"/>
             </a:endParaRPr>
           </a:p>
-          <a:p>
-            <a:pPr>
-              <a:lnSpc>
-                <a:spcPct val="150000"/>
-              </a:lnSpc>
-            </a:pPr>
+        </p:txBody>
+      </p:sp>
+      <p:sp>
+        <p:nvSpPr>
+          <p:cNvPr id="3" name="文本框 2"/>
+          <p:cNvSpPr txBox="1"/>
+          <p:nvPr/>
+        </p:nvSpPr>
+        <p:spPr>
+          <a:xfrm>
+            <a:off x="1247140" y="4626610"/>
+            <a:ext cx="3830955" cy="768350"/>
+          </a:xfrm>
+          <a:prstGeom prst="rect">
+            <a:avLst/>
+          </a:prstGeom>
+          <a:noFill/>
+        </p:spPr>
+        <p:txBody>
+          <a:bodyPr wrap="square" rtlCol="0">
+            <a:spAutoFit/>
+          </a:bodyPr>
+          <a:p>
             <a:r>
-              <a:rPr lang="zh-CN" altLang="en-GB" sz="1600" kern="0" dirty="0">
-                <a:solidFill>
-                  <a:schemeClr val="tx1">
-                    <a:lumMod val="50000"/>
-                    <a:lumOff val="50000"/>
-                  </a:schemeClr>
-                </a:solidFill>
-                <a:latin typeface="微软雅黑 Light" panose="020B0502040204020203" pitchFamily="34" charset="-122"/>
-                <a:ea typeface="微软雅黑 Light" panose="020B0502040204020203" pitchFamily="34" charset="-122"/>
-              </a:rPr>
-              <a:t>随意发挥</a:t>
+              <a:rPr lang="en-US" altLang="zh-CN" sz="4400"/>
+              <a:t>Heya30</a:t>
             </a:r>
-            <a:r>
-              <a:rPr lang="en-US" altLang="zh-CN" sz="1600" kern="0" dirty="0">
-                <a:solidFill>
-                  <a:schemeClr val="tx1">
-                    <a:lumMod val="50000"/>
-                    <a:lumOff val="50000"/>
-                  </a:schemeClr>
-                </a:solidFill>
-                <a:latin typeface="微软雅黑 Light" panose="020B0502040204020203" pitchFamily="34" charset="-122"/>
-                <a:ea typeface="微软雅黑 Light" panose="020B0502040204020203" pitchFamily="34" charset="-122"/>
-              </a:rPr>
-              <a:t>……</a:t>
-            </a:r>
-            <a:endParaRPr lang="zh-CN" altLang="en-GB" sz="1600" kern="0" dirty="0">
-              <a:solidFill>
-                <a:schemeClr val="tx1">
-                  <a:lumMod val="50000"/>
-                  <a:lumOff val="50000"/>
-                </a:schemeClr>
-              </a:solidFill>
-              <a:latin typeface="微软雅黑 Light" panose="020B0502040204020203" pitchFamily="34" charset="-122"/>
-              <a:ea typeface="微软雅黑 Light" panose="020B0502040204020203" pitchFamily="34" charset="-122"/>
-            </a:endParaRPr>
-          </a:p>
-          <a:p>
-            <a:pPr>
-              <a:lnSpc>
-                <a:spcPct val="150000"/>
-              </a:lnSpc>
-            </a:pPr>
-            <a:r>
-              <a:rPr lang="zh-CN" altLang="en-GB" sz="1600" kern="0" dirty="0">
-                <a:solidFill>
-                  <a:schemeClr val="tx1">
-                    <a:lumMod val="50000"/>
-                    <a:lumOff val="50000"/>
-                  </a:schemeClr>
-                </a:solidFill>
-                <a:latin typeface="微软雅黑 Light" panose="020B0502040204020203" pitchFamily="34" charset="-122"/>
-                <a:ea typeface="微软雅黑 Light" panose="020B0502040204020203" pitchFamily="34" charset="-122"/>
-              </a:rPr>
-              <a:t>作为整个团队的</a:t>
-            </a:r>
-            <a:r>
-              <a:rPr lang="en-US" altLang="zh-CN" sz="1600" kern="0" dirty="0">
-                <a:solidFill>
-                  <a:schemeClr val="tx1">
-                    <a:lumMod val="50000"/>
-                    <a:lumOff val="50000"/>
-                  </a:schemeClr>
-                </a:solidFill>
-                <a:latin typeface="微软雅黑 Light" panose="020B0502040204020203" pitchFamily="34" charset="-122"/>
-                <a:ea typeface="微软雅黑 Light" panose="020B0502040204020203" pitchFamily="34" charset="-122"/>
-              </a:rPr>
-              <a:t>CTO</a:t>
-            </a:r>
-            <a:endParaRPr lang="en-US" altLang="zh-CN" sz="1600" kern="0" dirty="0">
-              <a:solidFill>
-                <a:schemeClr val="tx1">
-                  <a:lumMod val="50000"/>
-                  <a:lumOff val="50000"/>
-                </a:schemeClr>
-              </a:solidFill>
-              <a:latin typeface="微软雅黑 Light" panose="020B0502040204020203" pitchFamily="34" charset="-122"/>
-              <a:ea typeface="微软雅黑 Light" panose="020B0502040204020203" pitchFamily="34" charset="-122"/>
-            </a:endParaRPr>
-          </a:p>
-          <a:p>
-            <a:pPr>
-              <a:lnSpc>
-                <a:spcPct val="150000"/>
-              </a:lnSpc>
-            </a:pPr>
-            <a:r>
-              <a:rPr lang="zh-CN" altLang="en-US" sz="1600" kern="0" dirty="0">
-                <a:solidFill>
-                  <a:schemeClr val="tx1">
-                    <a:lumMod val="50000"/>
-                    <a:lumOff val="50000"/>
-                  </a:schemeClr>
-                </a:solidFill>
-                <a:latin typeface="微软雅黑 Light" panose="020B0502040204020203" pitchFamily="34" charset="-122"/>
-                <a:ea typeface="微软雅黑 Light" panose="020B0502040204020203" pitchFamily="34" charset="-122"/>
-              </a:rPr>
-              <a:t>兔子表示：</a:t>
-            </a:r>
-            <a:endParaRPr lang="zh-CN" altLang="en-US" sz="1600" kern="0" dirty="0">
-              <a:solidFill>
-                <a:schemeClr val="tx1">
-                  <a:lumMod val="50000"/>
-                  <a:lumOff val="50000"/>
-                </a:schemeClr>
-              </a:solidFill>
-              <a:latin typeface="微软雅黑 Light" panose="020B0502040204020203" pitchFamily="34" charset="-122"/>
-              <a:ea typeface="微软雅黑 Light" panose="020B0502040204020203" pitchFamily="34" charset="-122"/>
-            </a:endParaRPr>
-          </a:p>
-          <a:p>
-            <a:pPr>
-              <a:lnSpc>
-                <a:spcPct val="150000"/>
-              </a:lnSpc>
-            </a:pPr>
-            <a:r>
-              <a:rPr lang="zh-CN" altLang="en-US" sz="1600" kern="0" dirty="0">
-                <a:solidFill>
-                  <a:schemeClr val="tx1">
-                    <a:lumMod val="50000"/>
-                    <a:lumOff val="50000"/>
-                  </a:schemeClr>
-                </a:solidFill>
-                <a:latin typeface="微软雅黑 Light" panose="020B0502040204020203" pitchFamily="34" charset="-122"/>
-                <a:ea typeface="微软雅黑 Light" panose="020B0502040204020203" pitchFamily="34" charset="-122"/>
-              </a:rPr>
-              <a:t>       这个项目呢，有点过于简单，写着有点无聊，摸鱼间隙抽空写了写，勉勉强强还可吧</a:t>
-            </a:r>
-            <a:endParaRPr lang="zh-CN" altLang="en-US" sz="1600" kern="0" dirty="0">
-              <a:solidFill>
-                <a:schemeClr val="tx1">
-                  <a:lumMod val="50000"/>
-                  <a:lumOff val="50000"/>
-                </a:schemeClr>
-              </a:solidFill>
-              <a:latin typeface="微软雅黑 Light" panose="020B0502040204020203" pitchFamily="34" charset="-122"/>
-              <a:ea typeface="微软雅黑 Light" panose="020B0502040204020203" pitchFamily="34" charset="-122"/>
-            </a:endParaRPr>
+            <a:endParaRPr lang="en-US" altLang="zh-CN" sz="4400"/>
           </a:p>
         </p:txBody>
       </p:sp>
       <p:pic>
         <p:nvPicPr>
-          <p:cNvPr id="2" name="图片 1"/>
+          <p:cNvPr id="4" name="图片 3"/>
           <p:cNvPicPr>
             <a:picLocks noChangeAspect="1"/>
           </p:cNvPicPr>
@@ -4434,48 +4316,26 @@
         </p:blipFill>
         <p:spPr>
           <a:xfrm>
-            <a:off x="1259205" y="752475"/>
-            <a:ext cx="3048000" cy="3048000"/>
+            <a:off x="1054100" y="1438275"/>
+            <a:ext cx="2795905" cy="2795905"/>
           </a:xfrm>
           <a:prstGeom prst="rect">
             <a:avLst/>
           </a:prstGeom>
         </p:spPr>
       </p:pic>
-      <p:sp>
-        <p:nvSpPr>
-          <p:cNvPr id="3" name="文本框 2"/>
-          <p:cNvSpPr txBox="1"/>
-          <p:nvPr/>
-        </p:nvSpPr>
-        <p:spPr>
-          <a:xfrm>
-            <a:off x="1446530" y="4210685"/>
-            <a:ext cx="3830955" cy="768350"/>
-          </a:xfrm>
-          <a:prstGeom prst="rect">
-            <a:avLst/>
-          </a:prstGeom>
-          <a:noFill/>
-        </p:spPr>
-        <p:txBody>
-          <a:bodyPr wrap="square" rtlCol="0">
-            <a:spAutoFit/>
-          </a:bodyPr>
-          <a:p>
-            <a:r>
-              <a:rPr lang="en-US" altLang="zh-CN" sz="4400"/>
-              <a:t>Rabbit</a:t>
-            </a:r>
-            <a:endParaRPr lang="en-US" altLang="zh-CN" sz="4400"/>
-          </a:p>
-        </p:txBody>
-      </p:sp>
     </p:spTree>
   </p:cSld>
   <p:clrMapOvr>
     <a:masterClrMapping/>
   </p:clrMapOvr>
+  <p:timing>
+    <p:tnLst>
+      <p:par>
+        <p:cTn id="1" dur="indefinite" restart="never" nodeType="tmRoot"/>
+      </p:par>
+    </p:tnLst>
+  </p:timing>
 </p:sld>
 </file>
 
@@ -4859,498 +4719,6 @@
         </p:nvSpPr>
         <p:spPr>
           <a:xfrm>
-            <a:off x="4746057" y="2637069"/>
-            <a:ext cx="6067058" cy="2584450"/>
-          </a:xfrm>
-          <a:prstGeom prst="rect">
-            <a:avLst/>
-          </a:prstGeom>
-        </p:spPr>
-        <p:txBody>
-          <a:bodyPr wrap="square">
-            <a:spAutoFit/>
-          </a:bodyPr>
-          <a:lstStyle/>
-          <a:p>
-            <a:pPr>
-              <a:lnSpc>
-                <a:spcPct val="150000"/>
-              </a:lnSpc>
-            </a:pPr>
-            <a:r>
-              <a:rPr lang="zh-CN" altLang="en-GB" kern="0" dirty="0">
-                <a:solidFill>
-                  <a:schemeClr val="tx1">
-                    <a:lumMod val="50000"/>
-                    <a:lumOff val="50000"/>
-                  </a:schemeClr>
-                </a:solidFill>
-                <a:latin typeface="微软雅黑 Light" panose="020B0502040204020203" pitchFamily="34" charset="-122"/>
-                <a:ea typeface="微软雅黑 Light" panose="020B0502040204020203" pitchFamily="34" charset="-122"/>
-              </a:rPr>
-              <a:t>此次实训，给我的收获很多。最为重要的便是对一个项目开发过程的大体了解以及团队合作的重要性。当然，同时通过此次也发现了自身不足的一些地方，感觉自己自身技术层面上与其他同学相差较多，在代码层面对团队的贡献比较少，我会尽力在以后的生活中加以改正，努力学习专业知识，提高自身技术</a:t>
-            </a:r>
-            <a:endParaRPr lang="zh-CN" altLang="en-GB" kern="0" dirty="0">
-              <a:solidFill>
-                <a:schemeClr val="tx1">
-                  <a:lumMod val="50000"/>
-                  <a:lumOff val="50000"/>
-                </a:schemeClr>
-              </a:solidFill>
-              <a:latin typeface="微软雅黑 Light" panose="020B0502040204020203" pitchFamily="34" charset="-122"/>
-              <a:ea typeface="微软雅黑 Light" panose="020B0502040204020203" pitchFamily="34" charset="-122"/>
-            </a:endParaRPr>
-          </a:p>
-        </p:txBody>
-      </p:sp>
-      <p:sp>
-        <p:nvSpPr>
-          <p:cNvPr id="3" name="文本框 2"/>
-          <p:cNvSpPr txBox="1"/>
-          <p:nvPr/>
-        </p:nvSpPr>
-        <p:spPr>
-          <a:xfrm>
-            <a:off x="1247140" y="4626610"/>
-            <a:ext cx="3830955" cy="768350"/>
-          </a:xfrm>
-          <a:prstGeom prst="rect">
-            <a:avLst/>
-          </a:prstGeom>
-          <a:noFill/>
-        </p:spPr>
-        <p:txBody>
-          <a:bodyPr wrap="square" rtlCol="0">
-            <a:spAutoFit/>
-          </a:bodyPr>
-          <a:p>
-            <a:r>
-              <a:rPr lang="en-US" altLang="zh-CN" sz="4400"/>
-              <a:t>Heya30</a:t>
-            </a:r>
-            <a:endParaRPr lang="en-US" altLang="zh-CN" sz="4400"/>
-          </a:p>
-        </p:txBody>
-      </p:sp>
-      <p:pic>
-        <p:nvPicPr>
-          <p:cNvPr id="4" name="图片 3"/>
-          <p:cNvPicPr>
-            <a:picLocks noChangeAspect="1"/>
-          </p:cNvPicPr>
-          <p:nvPr/>
-        </p:nvPicPr>
-        <p:blipFill>
-          <a:blip r:embed="rId1"/>
-          <a:stretch>
-            <a:fillRect/>
-          </a:stretch>
-        </p:blipFill>
-        <p:spPr>
-          <a:xfrm>
-            <a:off x="1054100" y="1438275"/>
-            <a:ext cx="2795905" cy="2795905"/>
-          </a:xfrm>
-          <a:prstGeom prst="rect">
-            <a:avLst/>
-          </a:prstGeom>
-        </p:spPr>
-      </p:pic>
-    </p:spTree>
-  </p:cSld>
-  <p:clrMapOvr>
-    <a:masterClrMapping/>
-  </p:clrMapOvr>
-  <p:timing>
-    <p:tnLst>
-      <p:par>
-        <p:cTn id="1" dur="indefinite" restart="never" nodeType="tmRoot"/>
-      </p:par>
-    </p:tnLst>
-  </p:timing>
-</p:sld>
-</file>
-
-<file path=ppt/slides/slide12.xml><?xml version="1.0" encoding="utf-8"?>
-<p:sld xmlns:a="http://schemas.openxmlformats.org/drawingml/2006/main" xmlns:r="http://schemas.openxmlformats.org/officeDocument/2006/relationships" xmlns:p="http://schemas.openxmlformats.org/presentationml/2006/main">
-  <p:cSld>
-    <p:spTree>
-      <p:nvGrpSpPr>
-        <p:cNvPr id="1" name=""/>
-        <p:cNvGrpSpPr/>
-        <p:nvPr/>
-      </p:nvGrpSpPr>
-      <p:grpSpPr>
-        <a:xfrm>
-          <a:off x="0" y="0"/>
-          <a:ext cx="0" cy="0"/>
-          <a:chOff x="0" y="0"/>
-          <a:chExt cx="0" cy="0"/>
-        </a:xfrm>
-      </p:grpSpPr>
-      <p:grpSp>
-        <p:nvGrpSpPr>
-          <p:cNvPr id="14" name="组合 13"/>
-          <p:cNvGrpSpPr/>
-          <p:nvPr/>
-        </p:nvGrpSpPr>
-        <p:grpSpPr>
-          <a:xfrm>
-            <a:off x="4746058" y="924785"/>
-            <a:ext cx="3051175" cy="1471677"/>
-            <a:chOff x="1919748" y="2727894"/>
-            <a:chExt cx="3051175" cy="1471677"/>
-          </a:xfrm>
-        </p:grpSpPr>
-        <p:grpSp>
-          <p:nvGrpSpPr>
-            <p:cNvPr id="15" name="组合 14"/>
-            <p:cNvGrpSpPr/>
-            <p:nvPr/>
-          </p:nvGrpSpPr>
-          <p:grpSpPr>
-            <a:xfrm rot="16200000">
-              <a:off x="2709497" y="1938145"/>
-              <a:ext cx="1471677" cy="3051175"/>
-              <a:chOff x="3727785" y="1618357"/>
-              <a:chExt cx="1471677" cy="3051175"/>
-            </a:xfrm>
-          </p:grpSpPr>
-          <p:sp>
-            <p:nvSpPr>
-              <p:cNvPr id="17" name="矩形 16"/>
-              <p:cNvSpPr/>
-              <p:nvPr/>
-            </p:nvSpPr>
-            <p:spPr>
-              <a:xfrm>
-                <a:off x="3727785" y="1618357"/>
-                <a:ext cx="1106170" cy="3051175"/>
-              </a:xfrm>
-              <a:prstGeom prst="rect">
-                <a:avLst/>
-              </a:prstGeom>
-            </p:spPr>
-            <p:txBody>
-              <a:bodyPr vert="eaVert" wrap="square" anchor="ctr">
-                <a:spAutoFit/>
-              </a:bodyPr>
-              <a:lstStyle/>
-              <a:p>
-                <a:pPr algn="dist">
-                  <a:lnSpc>
-                    <a:spcPct val="150000"/>
-                  </a:lnSpc>
-                </a:pPr>
-                <a:r>
-                  <a:rPr lang="en-US" altLang="zh-CN" sz="4000" b="1" kern="100" dirty="0">
-                    <a:solidFill>
-                      <a:srgbClr val="FF3F3F"/>
-                    </a:solidFill>
-                    <a:latin typeface="微软雅黑" panose="020B0503020204020204" pitchFamily="34" charset="-122"/>
-                    <a:ea typeface="微软雅黑" panose="020B0503020204020204" pitchFamily="34" charset="-122"/>
-                    <a:cs typeface="Times New Roman" panose="02020603050405020304" pitchFamily="18" charset="0"/>
-                  </a:rPr>
-                  <a:t>We say……</a:t>
-                </a:r>
-                <a:endParaRPr lang="zh-CN" altLang="en-US" sz="4000" b="1" kern="100" dirty="0">
-                  <a:solidFill>
-                    <a:srgbClr val="FF3F3F"/>
-                  </a:solidFill>
-                  <a:latin typeface="微软雅黑" panose="020B0503020204020204" pitchFamily="34" charset="-122"/>
-                  <a:ea typeface="微软雅黑" panose="020B0503020204020204" pitchFamily="34" charset="-122"/>
-                  <a:cs typeface="Times New Roman" panose="02020603050405020304" pitchFamily="18" charset="0"/>
-                </a:endParaRPr>
-              </a:p>
-            </p:txBody>
-          </p:sp>
-          <p:sp>
-            <p:nvSpPr>
-              <p:cNvPr id="19" name="矩形 18"/>
-              <p:cNvSpPr/>
-              <p:nvPr/>
-            </p:nvSpPr>
-            <p:spPr>
-              <a:xfrm>
-                <a:off x="4460798" y="1618357"/>
-                <a:ext cx="738664" cy="2697939"/>
-              </a:xfrm>
-              <a:prstGeom prst="rect">
-                <a:avLst/>
-              </a:prstGeom>
-            </p:spPr>
-            <p:txBody>
-              <a:bodyPr vert="eaVert" wrap="square">
-                <a:spAutoFit/>
-              </a:bodyPr>
-              <a:lstStyle/>
-              <a:p>
-                <a:r>
-                  <a:rPr lang="en-US" altLang="zh-CN" sz="3600" kern="100" dirty="0">
-                    <a:latin typeface="微软雅黑 Light" panose="020B0502040204020203" pitchFamily="34" charset="-122"/>
-                    <a:ea typeface="微软雅黑 Light" panose="020B0502040204020203" pitchFamily="34" charset="-122"/>
-                    <a:cs typeface="Times New Roman" panose="02020603050405020304" pitchFamily="18" charset="0"/>
-                  </a:rPr>
-                  <a:t>introduction</a:t>
-                </a:r>
-                <a:endParaRPr lang="zh-CN" altLang="en-US" sz="3600" dirty="0">
-                  <a:latin typeface="微软雅黑 Light" panose="020B0502040204020203" pitchFamily="34" charset="-122"/>
-                  <a:ea typeface="微软雅黑 Light" panose="020B0502040204020203" pitchFamily="34" charset="-122"/>
-                </a:endParaRPr>
-              </a:p>
-            </p:txBody>
-          </p:sp>
-        </p:grpSp>
-        <p:cxnSp>
-          <p:nvCxnSpPr>
-            <p:cNvPr id="16" name="直接连接符 15"/>
-            <p:cNvCxnSpPr/>
-            <p:nvPr/>
-          </p:nvCxnSpPr>
-          <p:spPr>
-            <a:xfrm>
-              <a:off x="2028825" y="4079875"/>
-              <a:ext cx="2432627" cy="0"/>
-            </a:xfrm>
-            <a:prstGeom prst="line">
-              <a:avLst/>
-            </a:prstGeom>
-            <a:ln>
-              <a:solidFill>
-                <a:schemeClr val="tx1"/>
-              </a:solidFill>
-            </a:ln>
-          </p:spPr>
-          <p:style>
-            <a:lnRef idx="1">
-              <a:schemeClr val="accent1"/>
-            </a:lnRef>
-            <a:fillRef idx="0">
-              <a:schemeClr val="accent1"/>
-            </a:fillRef>
-            <a:effectRef idx="0">
-              <a:schemeClr val="accent1"/>
-            </a:effectRef>
-            <a:fontRef idx="minor">
-              <a:schemeClr val="tx1"/>
-            </a:fontRef>
-          </p:style>
-        </p:cxnSp>
-      </p:grpSp>
-      <p:grpSp>
-        <p:nvGrpSpPr>
-          <p:cNvPr id="21" name="组合 20"/>
-          <p:cNvGrpSpPr/>
-          <p:nvPr/>
-        </p:nvGrpSpPr>
-        <p:grpSpPr>
-          <a:xfrm>
-            <a:off x="0" y="1118950"/>
-            <a:ext cx="1054100" cy="744733"/>
-            <a:chOff x="11137900" y="860547"/>
-            <a:chExt cx="1054100" cy="744733"/>
-          </a:xfrm>
-          <a:solidFill>
-            <a:schemeClr val="tx1"/>
-          </a:solidFill>
-        </p:grpSpPr>
-        <p:sp>
-          <p:nvSpPr>
-            <p:cNvPr id="22" name="矩形 21"/>
-            <p:cNvSpPr/>
-            <p:nvPr/>
-          </p:nvSpPr>
-          <p:spPr>
-            <a:xfrm>
-              <a:off x="11137900" y="860547"/>
-              <a:ext cx="1054100" cy="106604"/>
-            </a:xfrm>
-            <a:prstGeom prst="rect">
-              <a:avLst/>
-            </a:prstGeom>
-            <a:grpFill/>
-            <a:ln>
-              <a:noFill/>
-            </a:ln>
-          </p:spPr>
-          <p:style>
-            <a:lnRef idx="2">
-              <a:schemeClr val="accent1">
-                <a:shade val="50000"/>
-              </a:schemeClr>
-            </a:lnRef>
-            <a:fillRef idx="1">
-              <a:schemeClr val="accent1"/>
-            </a:fillRef>
-            <a:effectRef idx="0">
-              <a:schemeClr val="accent1"/>
-            </a:effectRef>
-            <a:fontRef idx="minor">
-              <a:schemeClr val="lt1"/>
-            </a:fontRef>
-          </p:style>
-          <p:txBody>
-            <a:bodyPr rtlCol="0" anchor="ctr"/>
-            <a:lstStyle/>
-            <a:p>
-              <a:pPr algn="ctr"/>
-              <a:endParaRPr lang="zh-CN" altLang="en-US">
-                <a:latin typeface="微软雅黑 Light" panose="020B0502040204020203" pitchFamily="34" charset="-122"/>
-                <a:ea typeface="微软雅黑 Light" panose="020B0502040204020203" pitchFamily="34" charset="-122"/>
-              </a:endParaRPr>
-            </a:p>
-          </p:txBody>
-        </p:sp>
-        <p:sp>
-          <p:nvSpPr>
-            <p:cNvPr id="23" name="矩形 22"/>
-            <p:cNvSpPr/>
-            <p:nvPr/>
-          </p:nvSpPr>
-          <p:spPr>
-            <a:xfrm>
-              <a:off x="11137900" y="1073256"/>
-              <a:ext cx="1054100" cy="106604"/>
-            </a:xfrm>
-            <a:prstGeom prst="rect">
-              <a:avLst/>
-            </a:prstGeom>
-            <a:grpFill/>
-            <a:ln>
-              <a:noFill/>
-            </a:ln>
-          </p:spPr>
-          <p:style>
-            <a:lnRef idx="2">
-              <a:schemeClr val="accent1">
-                <a:shade val="50000"/>
-              </a:schemeClr>
-            </a:lnRef>
-            <a:fillRef idx="1">
-              <a:schemeClr val="accent1"/>
-            </a:fillRef>
-            <a:effectRef idx="0">
-              <a:schemeClr val="accent1"/>
-            </a:effectRef>
-            <a:fontRef idx="minor">
-              <a:schemeClr val="lt1"/>
-            </a:fontRef>
-          </p:style>
-          <p:txBody>
-            <a:bodyPr rtlCol="0" anchor="ctr"/>
-            <a:lstStyle/>
-            <a:p>
-              <a:pPr algn="ctr"/>
-              <a:endParaRPr lang="zh-CN" altLang="en-US">
-                <a:latin typeface="微软雅黑 Light" panose="020B0502040204020203" pitchFamily="34" charset="-122"/>
-                <a:ea typeface="微软雅黑 Light" panose="020B0502040204020203" pitchFamily="34" charset="-122"/>
-              </a:endParaRPr>
-            </a:p>
-          </p:txBody>
-        </p:sp>
-        <p:sp>
-          <p:nvSpPr>
-            <p:cNvPr id="24" name="矩形 23"/>
-            <p:cNvSpPr/>
-            <p:nvPr/>
-          </p:nvSpPr>
-          <p:spPr>
-            <a:xfrm>
-              <a:off x="11137900" y="1285966"/>
-              <a:ext cx="1054100" cy="106604"/>
-            </a:xfrm>
-            <a:prstGeom prst="rect">
-              <a:avLst/>
-            </a:prstGeom>
-            <a:grpFill/>
-            <a:ln>
-              <a:noFill/>
-            </a:ln>
-          </p:spPr>
-          <p:style>
-            <a:lnRef idx="2">
-              <a:schemeClr val="accent1">
-                <a:shade val="50000"/>
-              </a:schemeClr>
-            </a:lnRef>
-            <a:fillRef idx="1">
-              <a:schemeClr val="accent1"/>
-            </a:fillRef>
-            <a:effectRef idx="0">
-              <a:schemeClr val="accent1"/>
-            </a:effectRef>
-            <a:fontRef idx="minor">
-              <a:schemeClr val="lt1"/>
-            </a:fontRef>
-          </p:style>
-          <p:txBody>
-            <a:bodyPr rtlCol="0" anchor="ctr"/>
-            <a:lstStyle/>
-            <a:p>
-              <a:pPr algn="ctr"/>
-              <a:endParaRPr lang="zh-CN" altLang="en-US">
-                <a:latin typeface="微软雅黑 Light" panose="020B0502040204020203" pitchFamily="34" charset="-122"/>
-                <a:ea typeface="微软雅黑 Light" panose="020B0502040204020203" pitchFamily="34" charset="-122"/>
-              </a:endParaRPr>
-            </a:p>
-          </p:txBody>
-        </p:sp>
-        <p:sp>
-          <p:nvSpPr>
-            <p:cNvPr id="25" name="矩形 24"/>
-            <p:cNvSpPr/>
-            <p:nvPr/>
-          </p:nvSpPr>
-          <p:spPr>
-            <a:xfrm>
-              <a:off x="11137900" y="1498676"/>
-              <a:ext cx="1054100" cy="106604"/>
-            </a:xfrm>
-            <a:prstGeom prst="rect">
-              <a:avLst/>
-            </a:prstGeom>
-            <a:grpFill/>
-            <a:ln>
-              <a:noFill/>
-            </a:ln>
-          </p:spPr>
-          <p:style>
-            <a:lnRef idx="2">
-              <a:schemeClr val="accent1">
-                <a:shade val="50000"/>
-              </a:schemeClr>
-            </a:lnRef>
-            <a:fillRef idx="1">
-              <a:schemeClr val="accent1"/>
-            </a:fillRef>
-            <a:effectRef idx="0">
-              <a:schemeClr val="accent1"/>
-            </a:effectRef>
-            <a:fontRef idx="minor">
-              <a:schemeClr val="lt1"/>
-            </a:fontRef>
-          </p:style>
-          <p:txBody>
-            <a:bodyPr rtlCol="0" anchor="ctr"/>
-            <a:lstStyle/>
-            <a:p>
-              <a:pPr algn="ctr"/>
-              <a:endParaRPr lang="zh-CN" altLang="en-US">
-                <a:latin typeface="微软雅黑 Light" panose="020B0502040204020203" pitchFamily="34" charset="-122"/>
-                <a:ea typeface="微软雅黑 Light" panose="020B0502040204020203" pitchFamily="34" charset="-122"/>
-              </a:endParaRPr>
-            </a:p>
-          </p:txBody>
-        </p:sp>
-      </p:grpSp>
-      <p:sp>
-        <p:nvSpPr>
-          <p:cNvPr id="26" name="正文"/>
-          <p:cNvSpPr/>
-          <p:nvPr/>
-        </p:nvSpPr>
-        <p:spPr>
-          <a:xfrm>
             <a:off x="4855210" y="2717165"/>
             <a:ext cx="6385560" cy="2999740"/>
           </a:xfrm>
@@ -5456,7 +4824,7 @@
 </p:sld>
 </file>
 
-<file path=ppt/slides/slide13.xml><?xml version="1.0" encoding="utf-8"?>
+<file path=ppt/slides/slide12.xml><?xml version="1.0" encoding="utf-8"?>
 <p:sld xmlns:a="http://schemas.openxmlformats.org/drawingml/2006/main" xmlns:r="http://schemas.openxmlformats.org/officeDocument/2006/relationships" xmlns:p="http://schemas.openxmlformats.org/presentationml/2006/main">
   <p:cSld>
     <p:spTree>
@@ -8785,7 +8153,7 @@
       </p:sp>
       <p:pic>
         <p:nvPicPr>
-          <p:cNvPr id="-2147482612" name="图片 -2147482613"/>
+          <p:cNvPr id="2" name="图片 -2147482613"/>
           <p:cNvPicPr>
             <a:picLocks noChangeAspect="1"/>
           </p:cNvPicPr>
@@ -9026,8 +8394,8 @@
         </p:nvSpPr>
         <p:spPr>
           <a:xfrm>
-            <a:off x="1376368" y="534647"/>
-            <a:ext cx="3676661" cy="1077218"/>
+            <a:off x="1193488" y="755627"/>
+            <a:ext cx="3676661" cy="583565"/>
           </a:xfrm>
           <a:prstGeom prst="rect">
             <a:avLst/>
@@ -9045,38 +8413,7 @@
                 <a:latin typeface="华文细黑" panose="02010600040101010101" pitchFamily="2" charset="-122"/>
                 <a:ea typeface="华文细黑" panose="02010600040101010101" pitchFamily="2" charset="-122"/>
               </a:rPr>
-              <a:t>Add </a:t>
-            </a:r>
-            <a:r>
-              <a:rPr lang="en-US" altLang="zh-CN" sz="3200" i="1" dirty="0" err="1">
-                <a:latin typeface="华文细黑" panose="02010600040101010101" pitchFamily="2" charset="-122"/>
-                <a:ea typeface="华文细黑" panose="02010600040101010101" pitchFamily="2" charset="-122"/>
-              </a:rPr>
-              <a:t>sth</a:t>
-            </a:r>
-            <a:r>
-              <a:rPr lang="en-US" altLang="zh-CN" sz="3200" i="1" dirty="0">
-                <a:latin typeface="华文细黑" panose="02010600040101010101" pitchFamily="2" charset="-122"/>
-                <a:ea typeface="华文细黑" panose="02010600040101010101" pitchFamily="2" charset="-122"/>
-              </a:rPr>
-              <a:t> here and </a:t>
-            </a:r>
-            <a:r>
-              <a:rPr lang="en-US" altLang="zh-CN" sz="3200" b="1" i="1" dirty="0">
-                <a:solidFill>
-                  <a:srgbClr val="FF3F3F"/>
-                </a:solidFill>
-                <a:latin typeface="微软雅黑" panose="020B0503020204020204" pitchFamily="34" charset="-122"/>
-                <a:ea typeface="微软雅黑" panose="020B0503020204020204" pitchFamily="34" charset="-122"/>
-              </a:rPr>
-              <a:t>make it </a:t>
-            </a:r>
-            <a:r>
-              <a:rPr lang="en-US" altLang="zh-CN" sz="3200" i="1" dirty="0">
-                <a:latin typeface="华文细黑" panose="02010600040101010101" pitchFamily="2" charset="-122"/>
-                <a:ea typeface="华文细黑" panose="02010600040101010101" pitchFamily="2" charset="-122"/>
-              </a:rPr>
-              <a:t>like this</a:t>
+              <a:t>Our ideas……</a:t>
             </a:r>
             <a:endParaRPr lang="en-US" altLang="zh-CN" sz="3200" i="1" dirty="0">
               <a:latin typeface="华文细黑" panose="02010600040101010101" pitchFamily="2" charset="-122"/>
@@ -9403,7 +8740,7 @@
                 <a:ea typeface="微软雅黑 Light" panose="020B0502040204020203" pitchFamily="34" charset="-122"/>
                 <a:cs typeface="Arial Unicode MS" pitchFamily="34" charset="-122"/>
               </a:rPr>
-              <a:t>桌面便签</a:t>
+              <a:t>积分</a:t>
             </a:r>
             <a:endParaRPr lang="zh-CN" altLang="en-US" sz="3600" kern="0" dirty="0">
               <a:latin typeface="微软雅黑 Light" panose="020B0502040204020203" pitchFamily="34" charset="-122"/>
@@ -9422,7 +8759,7 @@
         <p:spPr>
           <a:xfrm>
             <a:off x="1396644" y="4083725"/>
-            <a:ext cx="4388011" cy="1994713"/>
+            <a:ext cx="4388011" cy="1383665"/>
           </a:xfrm>
           <a:prstGeom prst="rect">
             <a:avLst/>
@@ -9440,7 +8777,7 @@
               </a:lnSpc>
             </a:pPr>
             <a:r>
-              <a:rPr lang="en-GB" altLang="zh-CN" sz="1400" kern="0" dirty="0">
+              <a:rPr lang="zh-CN" altLang="en-GB" sz="1400" kern="0" dirty="0">
                 <a:solidFill>
                   <a:schemeClr val="tx1">
                     <a:lumMod val="50000"/>
@@ -9450,893 +8787,26 @@
                 <a:latin typeface="微软雅黑 Light" panose="020B0502040204020203" pitchFamily="34" charset="-122"/>
                 <a:ea typeface="微软雅黑 Light" panose="020B0502040204020203" pitchFamily="34" charset="-122"/>
               </a:rPr>
-              <a:t>Lorem ipsum </a:t>
+              <a:t>完成目标可以获得积分，放弃目标需要消耗积分。积累积分可以达成成就，通过积分鼓励用户坚持完成目标。</a:t>
             </a:r>
-            <a:r>
-              <a:rPr lang="en-GB" altLang="zh-CN" sz="1400" kern="0" dirty="0" err="1">
-                <a:solidFill>
-                  <a:schemeClr val="tx1">
-                    <a:lumMod val="50000"/>
-                    <a:lumOff val="50000"/>
-                  </a:schemeClr>
-                </a:solidFill>
-                <a:latin typeface="微软雅黑 Light" panose="020B0502040204020203" pitchFamily="34" charset="-122"/>
-                <a:ea typeface="微软雅黑 Light" panose="020B0502040204020203" pitchFamily="34" charset="-122"/>
-              </a:rPr>
-              <a:t>dolor</a:t>
-            </a:r>
-            <a:r>
-              <a:rPr lang="en-GB" altLang="zh-CN" sz="1400" kern="0" dirty="0">
-                <a:solidFill>
-                  <a:schemeClr val="tx1">
-                    <a:lumMod val="50000"/>
-                    <a:lumOff val="50000"/>
-                  </a:schemeClr>
-                </a:solidFill>
-                <a:latin typeface="微软雅黑 Light" panose="020B0502040204020203" pitchFamily="34" charset="-122"/>
-                <a:ea typeface="微软雅黑 Light" panose="020B0502040204020203" pitchFamily="34" charset="-122"/>
-              </a:rPr>
-              <a:t> sit </a:t>
-            </a:r>
-            <a:r>
-              <a:rPr lang="en-GB" altLang="zh-CN" sz="1400" kern="0" dirty="0" err="1">
-                <a:solidFill>
-                  <a:schemeClr val="tx1">
-                    <a:lumMod val="50000"/>
-                    <a:lumOff val="50000"/>
-                  </a:schemeClr>
-                </a:solidFill>
-                <a:latin typeface="微软雅黑 Light" panose="020B0502040204020203" pitchFamily="34" charset="-122"/>
-                <a:ea typeface="微软雅黑 Light" panose="020B0502040204020203" pitchFamily="34" charset="-122"/>
-              </a:rPr>
-              <a:t>amet</a:t>
-            </a:r>
-            <a:r>
-              <a:rPr lang="en-GB" altLang="zh-CN" sz="1400" kern="0" dirty="0">
-                <a:solidFill>
-                  <a:schemeClr val="tx1">
-                    <a:lumMod val="50000"/>
-                    <a:lumOff val="50000"/>
-                  </a:schemeClr>
-                </a:solidFill>
-                <a:latin typeface="微软雅黑 Light" panose="020B0502040204020203" pitchFamily="34" charset="-122"/>
-                <a:ea typeface="微软雅黑 Light" panose="020B0502040204020203" pitchFamily="34" charset="-122"/>
-              </a:rPr>
-              <a:t>, </a:t>
-            </a:r>
-            <a:r>
-              <a:rPr lang="en-GB" altLang="zh-CN" sz="1400" kern="0" dirty="0" err="1">
-                <a:solidFill>
-                  <a:schemeClr val="tx1">
-                    <a:lumMod val="50000"/>
-                    <a:lumOff val="50000"/>
-                  </a:schemeClr>
-                </a:solidFill>
-                <a:latin typeface="微软雅黑 Light" panose="020B0502040204020203" pitchFamily="34" charset="-122"/>
-                <a:ea typeface="微软雅黑 Light" panose="020B0502040204020203" pitchFamily="34" charset="-122"/>
-              </a:rPr>
-              <a:t>consectetuer</a:t>
-            </a:r>
-            <a:r>
-              <a:rPr lang="en-GB" altLang="zh-CN" sz="1400" kern="0" dirty="0">
-                <a:solidFill>
-                  <a:schemeClr val="tx1">
-                    <a:lumMod val="50000"/>
-                    <a:lumOff val="50000"/>
-                  </a:schemeClr>
-                </a:solidFill>
-                <a:latin typeface="微软雅黑 Light" panose="020B0502040204020203" pitchFamily="34" charset="-122"/>
-                <a:ea typeface="微软雅黑 Light" panose="020B0502040204020203" pitchFamily="34" charset="-122"/>
-              </a:rPr>
-              <a:t> </a:t>
-            </a:r>
-            <a:r>
-              <a:rPr lang="en-GB" altLang="zh-CN" sz="1400" kern="0" dirty="0" err="1">
-                <a:solidFill>
-                  <a:schemeClr val="tx1">
-                    <a:lumMod val="50000"/>
-                    <a:lumOff val="50000"/>
-                  </a:schemeClr>
-                </a:solidFill>
-                <a:latin typeface="微软雅黑 Light" panose="020B0502040204020203" pitchFamily="34" charset="-122"/>
-                <a:ea typeface="微软雅黑 Light" panose="020B0502040204020203" pitchFamily="34" charset="-122"/>
-              </a:rPr>
-              <a:t>adipiscing</a:t>
-            </a:r>
-            <a:r>
-              <a:rPr lang="en-GB" altLang="zh-CN" sz="1400" kern="0" dirty="0">
-                <a:solidFill>
-                  <a:schemeClr val="tx1">
-                    <a:lumMod val="50000"/>
-                    <a:lumOff val="50000"/>
-                  </a:schemeClr>
-                </a:solidFill>
-                <a:latin typeface="微软雅黑 Light" panose="020B0502040204020203" pitchFamily="34" charset="-122"/>
-                <a:ea typeface="微软雅黑 Light" panose="020B0502040204020203" pitchFamily="34" charset="-122"/>
-              </a:rPr>
-              <a:t> </a:t>
-            </a:r>
-            <a:r>
-              <a:rPr lang="en-GB" altLang="zh-CN" sz="1400" kern="0" dirty="0" err="1">
-                <a:solidFill>
-                  <a:schemeClr val="tx1">
-                    <a:lumMod val="50000"/>
-                    <a:lumOff val="50000"/>
-                  </a:schemeClr>
-                </a:solidFill>
-                <a:latin typeface="微软雅黑 Light" panose="020B0502040204020203" pitchFamily="34" charset="-122"/>
-                <a:ea typeface="微软雅黑 Light" panose="020B0502040204020203" pitchFamily="34" charset="-122"/>
-              </a:rPr>
-              <a:t>elit</a:t>
-            </a:r>
-            <a:r>
-              <a:rPr lang="en-GB" altLang="zh-CN" sz="1400" kern="0" dirty="0">
-                <a:solidFill>
-                  <a:schemeClr val="tx1">
-                    <a:lumMod val="50000"/>
-                    <a:lumOff val="50000"/>
-                  </a:schemeClr>
-                </a:solidFill>
-                <a:latin typeface="微软雅黑 Light" panose="020B0502040204020203" pitchFamily="34" charset="-122"/>
-                <a:ea typeface="微软雅黑 Light" panose="020B0502040204020203" pitchFamily="34" charset="-122"/>
-              </a:rPr>
-              <a:t>, </a:t>
-            </a:r>
-            <a:r>
-              <a:rPr lang="en-GB" altLang="zh-CN" sz="1400" kern="0" dirty="0" err="1">
-                <a:solidFill>
-                  <a:schemeClr val="tx1">
-                    <a:lumMod val="50000"/>
-                    <a:lumOff val="50000"/>
-                  </a:schemeClr>
-                </a:solidFill>
-                <a:latin typeface="微软雅黑 Light" panose="020B0502040204020203" pitchFamily="34" charset="-122"/>
-                <a:ea typeface="微软雅黑 Light" panose="020B0502040204020203" pitchFamily="34" charset="-122"/>
-              </a:rPr>
-              <a:t>sed</a:t>
-            </a:r>
-            <a:r>
-              <a:rPr lang="en-GB" altLang="zh-CN" sz="1400" kern="0" dirty="0">
-                <a:solidFill>
-                  <a:schemeClr val="tx1">
-                    <a:lumMod val="50000"/>
-                    <a:lumOff val="50000"/>
-                  </a:schemeClr>
-                </a:solidFill>
-                <a:latin typeface="微软雅黑 Light" panose="020B0502040204020203" pitchFamily="34" charset="-122"/>
-                <a:ea typeface="微软雅黑 Light" panose="020B0502040204020203" pitchFamily="34" charset="-122"/>
-              </a:rPr>
-              <a:t> </a:t>
-            </a:r>
-            <a:r>
-              <a:rPr lang="en-GB" altLang="zh-CN" sz="1400" kern="0" dirty="0" err="1">
-                <a:solidFill>
-                  <a:schemeClr val="tx1">
-                    <a:lumMod val="50000"/>
-                    <a:lumOff val="50000"/>
-                  </a:schemeClr>
-                </a:solidFill>
-                <a:latin typeface="微软雅黑 Light" panose="020B0502040204020203" pitchFamily="34" charset="-122"/>
-                <a:ea typeface="微软雅黑 Light" panose="020B0502040204020203" pitchFamily="34" charset="-122"/>
-              </a:rPr>
-              <a:t>diam</a:t>
-            </a:r>
-            <a:r>
-              <a:rPr lang="en-GB" altLang="zh-CN" sz="1400" kern="0" dirty="0">
-                <a:solidFill>
-                  <a:schemeClr val="tx1">
-                    <a:lumMod val="50000"/>
-                    <a:lumOff val="50000"/>
-                  </a:schemeClr>
-                </a:solidFill>
-                <a:latin typeface="微软雅黑 Light" panose="020B0502040204020203" pitchFamily="34" charset="-122"/>
-                <a:ea typeface="微软雅黑 Light" panose="020B0502040204020203" pitchFamily="34" charset="-122"/>
-              </a:rPr>
-              <a:t> </a:t>
-            </a:r>
-            <a:r>
-              <a:rPr lang="en-GB" altLang="zh-CN" sz="1400" kern="0" dirty="0" err="1">
-                <a:solidFill>
-                  <a:schemeClr val="tx1">
-                    <a:lumMod val="50000"/>
-                    <a:lumOff val="50000"/>
-                  </a:schemeClr>
-                </a:solidFill>
-                <a:latin typeface="微软雅黑 Light" panose="020B0502040204020203" pitchFamily="34" charset="-122"/>
-                <a:ea typeface="微软雅黑 Light" panose="020B0502040204020203" pitchFamily="34" charset="-122"/>
-              </a:rPr>
-              <a:t>nonummy</a:t>
-            </a:r>
-            <a:r>
-              <a:rPr lang="en-GB" altLang="zh-CN" sz="1400" kern="0" dirty="0">
-                <a:solidFill>
-                  <a:schemeClr val="tx1">
-                    <a:lumMod val="50000"/>
-                    <a:lumOff val="50000"/>
-                  </a:schemeClr>
-                </a:solidFill>
-                <a:latin typeface="微软雅黑 Light" panose="020B0502040204020203" pitchFamily="34" charset="-122"/>
-                <a:ea typeface="微软雅黑 Light" panose="020B0502040204020203" pitchFamily="34" charset="-122"/>
-              </a:rPr>
-              <a:t> </a:t>
-            </a:r>
-            <a:r>
-              <a:rPr lang="en-GB" altLang="zh-CN" sz="1400" kern="0" dirty="0" err="1">
-                <a:solidFill>
-                  <a:schemeClr val="tx1">
-                    <a:lumMod val="50000"/>
-                    <a:lumOff val="50000"/>
-                  </a:schemeClr>
-                </a:solidFill>
-                <a:latin typeface="微软雅黑 Light" panose="020B0502040204020203" pitchFamily="34" charset="-122"/>
-                <a:ea typeface="微软雅黑 Light" panose="020B0502040204020203" pitchFamily="34" charset="-122"/>
-              </a:rPr>
-              <a:t>nibh</a:t>
-            </a:r>
-            <a:r>
-              <a:rPr lang="en-GB" altLang="zh-CN" sz="1400" kern="0" dirty="0">
-                <a:solidFill>
-                  <a:schemeClr val="tx1">
-                    <a:lumMod val="50000"/>
-                    <a:lumOff val="50000"/>
-                  </a:schemeClr>
-                </a:solidFill>
-                <a:latin typeface="微软雅黑 Light" panose="020B0502040204020203" pitchFamily="34" charset="-122"/>
-                <a:ea typeface="微软雅黑 Light" panose="020B0502040204020203" pitchFamily="34" charset="-122"/>
-              </a:rPr>
-              <a:t> </a:t>
-            </a:r>
-            <a:r>
-              <a:rPr lang="en-GB" altLang="zh-CN" sz="1400" kern="0" dirty="0" err="1">
-                <a:solidFill>
-                  <a:schemeClr val="tx1">
-                    <a:lumMod val="50000"/>
-                    <a:lumOff val="50000"/>
-                  </a:schemeClr>
-                </a:solidFill>
-                <a:latin typeface="微软雅黑 Light" panose="020B0502040204020203" pitchFamily="34" charset="-122"/>
-                <a:ea typeface="微软雅黑 Light" panose="020B0502040204020203" pitchFamily="34" charset="-122"/>
-              </a:rPr>
-              <a:t>euismod</a:t>
-            </a:r>
-            <a:r>
-              <a:rPr lang="en-GB" altLang="zh-CN" sz="1400" kern="0" dirty="0">
-                <a:solidFill>
-                  <a:schemeClr val="tx1">
-                    <a:lumMod val="50000"/>
-                    <a:lumOff val="50000"/>
-                  </a:schemeClr>
-                </a:solidFill>
-                <a:latin typeface="微软雅黑 Light" panose="020B0502040204020203" pitchFamily="34" charset="-122"/>
-                <a:ea typeface="微软雅黑 Light" panose="020B0502040204020203" pitchFamily="34" charset="-122"/>
-              </a:rPr>
-              <a:t> </a:t>
-            </a:r>
-            <a:r>
-              <a:rPr lang="en-GB" altLang="zh-CN" sz="1400" kern="0" dirty="0" err="1">
-                <a:solidFill>
-                  <a:schemeClr val="tx1">
-                    <a:lumMod val="50000"/>
-                    <a:lumOff val="50000"/>
-                  </a:schemeClr>
-                </a:solidFill>
-                <a:latin typeface="微软雅黑 Light" panose="020B0502040204020203" pitchFamily="34" charset="-122"/>
-                <a:ea typeface="微软雅黑 Light" panose="020B0502040204020203" pitchFamily="34" charset="-122"/>
-              </a:rPr>
-              <a:t>tincidunt</a:t>
-            </a:r>
-            <a:r>
-              <a:rPr lang="en-GB" altLang="zh-CN" sz="1400" kern="0" dirty="0">
-                <a:solidFill>
-                  <a:schemeClr val="tx1">
-                    <a:lumMod val="50000"/>
-                    <a:lumOff val="50000"/>
-                  </a:schemeClr>
-                </a:solidFill>
-                <a:latin typeface="微软雅黑 Light" panose="020B0502040204020203" pitchFamily="34" charset="-122"/>
-                <a:ea typeface="微软雅黑 Light" panose="020B0502040204020203" pitchFamily="34" charset="-122"/>
-              </a:rPr>
-              <a:t> </a:t>
-            </a:r>
-            <a:r>
-              <a:rPr lang="en-GB" altLang="zh-CN" sz="1400" kern="0" dirty="0" err="1">
-                <a:solidFill>
-                  <a:schemeClr val="tx1">
-                    <a:lumMod val="50000"/>
-                    <a:lumOff val="50000"/>
-                  </a:schemeClr>
-                </a:solidFill>
-                <a:latin typeface="微软雅黑 Light" panose="020B0502040204020203" pitchFamily="34" charset="-122"/>
-                <a:ea typeface="微软雅黑 Light" panose="020B0502040204020203" pitchFamily="34" charset="-122"/>
-              </a:rPr>
-              <a:t>ut</a:t>
-            </a:r>
-            <a:r>
-              <a:rPr lang="en-GB" altLang="zh-CN" sz="1400" kern="0" dirty="0">
-                <a:solidFill>
-                  <a:schemeClr val="tx1">
-                    <a:lumMod val="50000"/>
-                    <a:lumOff val="50000"/>
-                  </a:schemeClr>
-                </a:solidFill>
-                <a:latin typeface="微软雅黑 Light" panose="020B0502040204020203" pitchFamily="34" charset="-122"/>
-                <a:ea typeface="微软雅黑 Light" panose="020B0502040204020203" pitchFamily="34" charset="-122"/>
-              </a:rPr>
-              <a:t> </a:t>
-            </a:r>
-            <a:r>
-              <a:rPr lang="en-GB" altLang="zh-CN" sz="1400" kern="0" dirty="0" err="1">
-                <a:solidFill>
-                  <a:schemeClr val="tx1">
-                    <a:lumMod val="50000"/>
-                    <a:lumOff val="50000"/>
-                  </a:schemeClr>
-                </a:solidFill>
-                <a:latin typeface="微软雅黑 Light" panose="020B0502040204020203" pitchFamily="34" charset="-122"/>
-                <a:ea typeface="微软雅黑 Light" panose="020B0502040204020203" pitchFamily="34" charset="-122"/>
-              </a:rPr>
-              <a:t>laoreet</a:t>
-            </a:r>
-            <a:r>
-              <a:rPr lang="en-GB" altLang="zh-CN" sz="1400" kern="0" dirty="0">
-                <a:solidFill>
-                  <a:schemeClr val="tx1">
-                    <a:lumMod val="50000"/>
-                    <a:lumOff val="50000"/>
-                  </a:schemeClr>
-                </a:solidFill>
-                <a:latin typeface="微软雅黑 Light" panose="020B0502040204020203" pitchFamily="34" charset="-122"/>
-                <a:ea typeface="微软雅黑 Light" panose="020B0502040204020203" pitchFamily="34" charset="-122"/>
-              </a:rPr>
-              <a:t> </a:t>
-            </a:r>
-            <a:r>
-              <a:rPr lang="en-GB" altLang="zh-CN" sz="1400" kern="0" dirty="0" err="1">
-                <a:solidFill>
-                  <a:schemeClr val="tx1">
-                    <a:lumMod val="50000"/>
-                    <a:lumOff val="50000"/>
-                  </a:schemeClr>
-                </a:solidFill>
-                <a:latin typeface="微软雅黑 Light" panose="020B0502040204020203" pitchFamily="34" charset="-122"/>
-                <a:ea typeface="微软雅黑 Light" panose="020B0502040204020203" pitchFamily="34" charset="-122"/>
-              </a:rPr>
-              <a:t>dolore</a:t>
-            </a:r>
-            <a:r>
-              <a:rPr lang="en-GB" altLang="zh-CN" sz="1400" kern="0" dirty="0">
-                <a:solidFill>
-                  <a:schemeClr val="tx1">
-                    <a:lumMod val="50000"/>
-                    <a:lumOff val="50000"/>
-                  </a:schemeClr>
-                </a:solidFill>
-                <a:latin typeface="微软雅黑 Light" panose="020B0502040204020203" pitchFamily="34" charset="-122"/>
-                <a:ea typeface="微软雅黑 Light" panose="020B0502040204020203" pitchFamily="34" charset="-122"/>
-              </a:rPr>
-              <a:t> magna </a:t>
-            </a:r>
-            <a:r>
-              <a:rPr lang="en-GB" altLang="zh-CN" sz="1400" kern="0" dirty="0" err="1">
-                <a:solidFill>
-                  <a:schemeClr val="tx1">
-                    <a:lumMod val="50000"/>
-                    <a:lumOff val="50000"/>
-                  </a:schemeClr>
-                </a:solidFill>
-                <a:latin typeface="微软雅黑 Light" panose="020B0502040204020203" pitchFamily="34" charset="-122"/>
-                <a:ea typeface="微软雅黑 Light" panose="020B0502040204020203" pitchFamily="34" charset="-122"/>
-              </a:rPr>
-              <a:t>aliquam</a:t>
-            </a:r>
-            <a:r>
-              <a:rPr lang="en-GB" altLang="zh-CN" sz="1400" kern="0" dirty="0">
-                <a:solidFill>
-                  <a:schemeClr val="tx1">
-                    <a:lumMod val="50000"/>
-                    <a:lumOff val="50000"/>
-                  </a:schemeClr>
-                </a:solidFill>
-                <a:latin typeface="微软雅黑 Light" panose="020B0502040204020203" pitchFamily="34" charset="-122"/>
-                <a:ea typeface="微软雅黑 Light" panose="020B0502040204020203" pitchFamily="34" charset="-122"/>
-              </a:rPr>
-              <a:t> </a:t>
-            </a:r>
-            <a:r>
-              <a:rPr lang="en-GB" altLang="zh-CN" sz="1400" kern="0" dirty="0" err="1">
-                <a:solidFill>
-                  <a:schemeClr val="tx1">
-                    <a:lumMod val="50000"/>
-                    <a:lumOff val="50000"/>
-                  </a:schemeClr>
-                </a:solidFill>
-                <a:latin typeface="微软雅黑 Light" panose="020B0502040204020203" pitchFamily="34" charset="-122"/>
-                <a:ea typeface="微软雅黑 Light" panose="020B0502040204020203" pitchFamily="34" charset="-122"/>
-              </a:rPr>
-              <a:t>erat</a:t>
-            </a:r>
-            <a:r>
-              <a:rPr lang="en-GB" altLang="zh-CN" sz="1400" kern="0" dirty="0">
-                <a:solidFill>
-                  <a:schemeClr val="tx1">
-                    <a:lumMod val="50000"/>
-                    <a:lumOff val="50000"/>
-                  </a:schemeClr>
-                </a:solidFill>
-                <a:latin typeface="微软雅黑 Light" panose="020B0502040204020203" pitchFamily="34" charset="-122"/>
-                <a:ea typeface="微软雅黑 Light" panose="020B0502040204020203" pitchFamily="34" charset="-122"/>
-              </a:rPr>
-              <a:t> </a:t>
-            </a:r>
-            <a:r>
-              <a:rPr lang="en-GB" altLang="zh-CN" sz="1400" kern="0" dirty="0" err="1">
-                <a:solidFill>
-                  <a:schemeClr val="tx1">
-                    <a:lumMod val="50000"/>
-                    <a:lumOff val="50000"/>
-                  </a:schemeClr>
-                </a:solidFill>
-                <a:latin typeface="微软雅黑 Light" panose="020B0502040204020203" pitchFamily="34" charset="-122"/>
-                <a:ea typeface="微软雅黑 Light" panose="020B0502040204020203" pitchFamily="34" charset="-122"/>
-              </a:rPr>
-              <a:t>volutpat</a:t>
-            </a:r>
-            <a:r>
-              <a:rPr lang="en-GB" altLang="zh-CN" sz="1400" kern="0" dirty="0">
-                <a:solidFill>
-                  <a:schemeClr val="tx1">
-                    <a:lumMod val="50000"/>
-                    <a:lumOff val="50000"/>
-                  </a:schemeClr>
-                </a:solidFill>
-                <a:latin typeface="微软雅黑 Light" panose="020B0502040204020203" pitchFamily="34" charset="-122"/>
-                <a:ea typeface="微软雅黑 Light" panose="020B0502040204020203" pitchFamily="34" charset="-122"/>
-              </a:rPr>
-              <a:t>. </a:t>
-            </a:r>
-            <a:r>
-              <a:rPr lang="en-GB" altLang="zh-CN" sz="1400" kern="0" dirty="0" err="1">
-                <a:solidFill>
-                  <a:schemeClr val="tx1">
-                    <a:lumMod val="50000"/>
-                    <a:lumOff val="50000"/>
-                  </a:schemeClr>
-                </a:solidFill>
-                <a:latin typeface="微软雅黑 Light" panose="020B0502040204020203" pitchFamily="34" charset="-122"/>
-                <a:ea typeface="微软雅黑 Light" panose="020B0502040204020203" pitchFamily="34" charset="-122"/>
-              </a:rPr>
-              <a:t>Ut</a:t>
-            </a:r>
-            <a:r>
-              <a:rPr lang="en-GB" altLang="zh-CN" sz="1400" kern="0" dirty="0">
-                <a:solidFill>
-                  <a:schemeClr val="tx1">
-                    <a:lumMod val="50000"/>
-                    <a:lumOff val="50000"/>
-                  </a:schemeClr>
-                </a:solidFill>
-                <a:latin typeface="微软雅黑 Light" panose="020B0502040204020203" pitchFamily="34" charset="-122"/>
-                <a:ea typeface="微软雅黑 Light" panose="020B0502040204020203" pitchFamily="34" charset="-122"/>
-              </a:rPr>
-              <a:t> </a:t>
-            </a:r>
-            <a:r>
-              <a:rPr lang="en-GB" altLang="zh-CN" sz="1400" kern="0" dirty="0" err="1">
-                <a:solidFill>
-                  <a:schemeClr val="tx1">
-                    <a:lumMod val="50000"/>
-                    <a:lumOff val="50000"/>
-                  </a:schemeClr>
-                </a:solidFill>
-                <a:latin typeface="微软雅黑 Light" panose="020B0502040204020203" pitchFamily="34" charset="-122"/>
-                <a:ea typeface="微软雅黑 Light" panose="020B0502040204020203" pitchFamily="34" charset="-122"/>
-              </a:rPr>
-              <a:t>wisi</a:t>
-            </a:r>
-            <a:r>
-              <a:rPr lang="en-GB" altLang="zh-CN" sz="1400" kern="0" dirty="0">
-                <a:solidFill>
-                  <a:schemeClr val="tx1">
-                    <a:lumMod val="50000"/>
-                    <a:lumOff val="50000"/>
-                  </a:schemeClr>
-                </a:solidFill>
-                <a:latin typeface="微软雅黑 Light" panose="020B0502040204020203" pitchFamily="34" charset="-122"/>
-                <a:ea typeface="微软雅黑 Light" panose="020B0502040204020203" pitchFamily="34" charset="-122"/>
-              </a:rPr>
-              <a:t> </a:t>
-            </a:r>
-            <a:r>
-              <a:rPr lang="en-GB" altLang="zh-CN" sz="1400" kern="0" dirty="0" err="1">
-                <a:solidFill>
-                  <a:schemeClr val="tx1">
-                    <a:lumMod val="50000"/>
-                    <a:lumOff val="50000"/>
-                  </a:schemeClr>
-                </a:solidFill>
-                <a:latin typeface="微软雅黑 Light" panose="020B0502040204020203" pitchFamily="34" charset="-122"/>
-                <a:ea typeface="微软雅黑 Light" panose="020B0502040204020203" pitchFamily="34" charset="-122"/>
-              </a:rPr>
-              <a:t>enim</a:t>
-            </a:r>
-            <a:r>
-              <a:rPr lang="en-GB" altLang="zh-CN" sz="1400" kern="0" dirty="0">
-                <a:solidFill>
-                  <a:schemeClr val="tx1">
-                    <a:lumMod val="50000"/>
-                    <a:lumOff val="50000"/>
-                  </a:schemeClr>
-                </a:solidFill>
-                <a:latin typeface="微软雅黑 Light" panose="020B0502040204020203" pitchFamily="34" charset="-122"/>
-                <a:ea typeface="微软雅黑 Light" panose="020B0502040204020203" pitchFamily="34" charset="-122"/>
-              </a:rPr>
-              <a:t> ad minim </a:t>
-            </a:r>
-            <a:r>
-              <a:rPr lang="en-GB" altLang="zh-CN" sz="1400" kern="0" dirty="0" err="1">
-                <a:solidFill>
-                  <a:schemeClr val="tx1">
-                    <a:lumMod val="50000"/>
-                    <a:lumOff val="50000"/>
-                  </a:schemeClr>
-                </a:solidFill>
-                <a:latin typeface="微软雅黑 Light" panose="020B0502040204020203" pitchFamily="34" charset="-122"/>
-                <a:ea typeface="微软雅黑 Light" panose="020B0502040204020203" pitchFamily="34" charset="-122"/>
-              </a:rPr>
-              <a:t>veniam</a:t>
-            </a:r>
-            <a:r>
-              <a:rPr lang="en-GB" altLang="zh-CN" sz="1400" kern="0" dirty="0">
-                <a:solidFill>
-                  <a:schemeClr val="tx1">
-                    <a:lumMod val="50000"/>
-                    <a:lumOff val="50000"/>
-                  </a:schemeClr>
-                </a:solidFill>
-                <a:latin typeface="微软雅黑 Light" panose="020B0502040204020203" pitchFamily="34" charset="-122"/>
-                <a:ea typeface="微软雅黑 Light" panose="020B0502040204020203" pitchFamily="34" charset="-122"/>
-              </a:rPr>
-              <a:t>, </a:t>
-            </a:r>
-            <a:r>
-              <a:rPr lang="en-GB" altLang="zh-CN" sz="1400" kern="0" dirty="0" err="1">
-                <a:solidFill>
-                  <a:schemeClr val="tx1">
-                    <a:lumMod val="50000"/>
-                    <a:lumOff val="50000"/>
-                  </a:schemeClr>
-                </a:solidFill>
-                <a:latin typeface="微软雅黑 Light" panose="020B0502040204020203" pitchFamily="34" charset="-122"/>
-                <a:ea typeface="微软雅黑 Light" panose="020B0502040204020203" pitchFamily="34" charset="-122"/>
-              </a:rPr>
-              <a:t>quis</a:t>
-            </a:r>
-            <a:r>
-              <a:rPr lang="en-GB" altLang="zh-CN" sz="1400" kern="0" dirty="0">
-                <a:solidFill>
-                  <a:schemeClr val="tx1">
-                    <a:lumMod val="50000"/>
-                    <a:lumOff val="50000"/>
-                  </a:schemeClr>
-                </a:solidFill>
-                <a:latin typeface="微软雅黑 Light" panose="020B0502040204020203" pitchFamily="34" charset="-122"/>
-                <a:ea typeface="微软雅黑 Light" panose="020B0502040204020203" pitchFamily="34" charset="-122"/>
-              </a:rPr>
-              <a:t> </a:t>
-            </a:r>
-            <a:r>
-              <a:rPr lang="en-GB" altLang="zh-CN" sz="1400" kern="0" dirty="0" err="1">
-                <a:solidFill>
-                  <a:schemeClr val="tx1">
-                    <a:lumMod val="50000"/>
-                    <a:lumOff val="50000"/>
-                  </a:schemeClr>
-                </a:solidFill>
-                <a:latin typeface="微软雅黑 Light" panose="020B0502040204020203" pitchFamily="34" charset="-122"/>
-                <a:ea typeface="微软雅黑 Light" panose="020B0502040204020203" pitchFamily="34" charset="-122"/>
-              </a:rPr>
-              <a:t>nostrud</a:t>
-            </a:r>
-            <a:r>
-              <a:rPr lang="en-GB" altLang="zh-CN" sz="1400" kern="0" dirty="0">
-                <a:solidFill>
-                  <a:schemeClr val="tx1">
-                    <a:lumMod val="50000"/>
-                    <a:lumOff val="50000"/>
-                  </a:schemeClr>
-                </a:solidFill>
-                <a:latin typeface="微软雅黑 Light" panose="020B0502040204020203" pitchFamily="34" charset="-122"/>
-                <a:ea typeface="微软雅黑 Light" panose="020B0502040204020203" pitchFamily="34" charset="-122"/>
-              </a:rPr>
-              <a:t> </a:t>
-            </a:r>
-            <a:r>
-              <a:rPr lang="en-GB" altLang="zh-CN" sz="1400" kern="0" dirty="0" err="1">
-                <a:solidFill>
-                  <a:schemeClr val="tx1">
-                    <a:lumMod val="50000"/>
-                    <a:lumOff val="50000"/>
-                  </a:schemeClr>
-                </a:solidFill>
-                <a:latin typeface="微软雅黑 Light" panose="020B0502040204020203" pitchFamily="34" charset="-122"/>
-                <a:ea typeface="微软雅黑 Light" panose="020B0502040204020203" pitchFamily="34" charset="-122"/>
-              </a:rPr>
-              <a:t>exerci</a:t>
-            </a:r>
-            <a:r>
-              <a:rPr lang="en-GB" altLang="zh-CN" sz="1400" kern="0" dirty="0">
-                <a:solidFill>
-                  <a:schemeClr val="tx1">
-                    <a:lumMod val="50000"/>
-                    <a:lumOff val="50000"/>
-                  </a:schemeClr>
-                </a:solidFill>
-                <a:latin typeface="微软雅黑 Light" panose="020B0502040204020203" pitchFamily="34" charset="-122"/>
-                <a:ea typeface="微软雅黑 Light" panose="020B0502040204020203" pitchFamily="34" charset="-122"/>
-              </a:rPr>
-              <a:t> </a:t>
-            </a:r>
-            <a:r>
-              <a:rPr lang="en-GB" altLang="zh-CN" sz="1400" kern="0" dirty="0" err="1">
-                <a:solidFill>
-                  <a:schemeClr val="tx1">
-                    <a:lumMod val="50000"/>
-                    <a:lumOff val="50000"/>
-                  </a:schemeClr>
-                </a:solidFill>
-                <a:latin typeface="微软雅黑 Light" panose="020B0502040204020203" pitchFamily="34" charset="-122"/>
-                <a:ea typeface="微软雅黑 Light" panose="020B0502040204020203" pitchFamily="34" charset="-122"/>
-              </a:rPr>
-              <a:t>tation</a:t>
-            </a:r>
-            <a:r>
-              <a:rPr lang="en-GB" altLang="zh-CN" sz="1400" kern="0" dirty="0">
-                <a:solidFill>
-                  <a:schemeClr val="tx1">
-                    <a:lumMod val="50000"/>
-                    <a:lumOff val="50000"/>
-                  </a:schemeClr>
-                </a:solidFill>
-                <a:latin typeface="微软雅黑 Light" panose="020B0502040204020203" pitchFamily="34" charset="-122"/>
-                <a:ea typeface="微软雅黑 Light" panose="020B0502040204020203" pitchFamily="34" charset="-122"/>
-              </a:rPr>
-              <a:t> </a:t>
-            </a:r>
-            <a:r>
-              <a:rPr lang="en-GB" altLang="zh-CN" sz="1400" kern="0" dirty="0" err="1">
-                <a:solidFill>
-                  <a:schemeClr val="tx1">
-                    <a:lumMod val="50000"/>
-                    <a:lumOff val="50000"/>
-                  </a:schemeClr>
-                </a:solidFill>
-                <a:latin typeface="微软雅黑 Light" panose="020B0502040204020203" pitchFamily="34" charset="-122"/>
-                <a:ea typeface="微软雅黑 Light" panose="020B0502040204020203" pitchFamily="34" charset="-122"/>
-              </a:rPr>
-              <a:t>ullamcorper</a:t>
-            </a:r>
-            <a:r>
-              <a:rPr lang="en-GB" altLang="zh-CN" sz="1400" kern="0" dirty="0">
-                <a:solidFill>
-                  <a:schemeClr val="tx1">
-                    <a:lumMod val="50000"/>
-                    <a:lumOff val="50000"/>
-                  </a:schemeClr>
-                </a:solidFill>
-                <a:latin typeface="微软雅黑 Light" panose="020B0502040204020203" pitchFamily="34" charset="-122"/>
-                <a:ea typeface="微软雅黑 Light" panose="020B0502040204020203" pitchFamily="34" charset="-122"/>
-              </a:rPr>
-              <a:t> </a:t>
-            </a:r>
-            <a:r>
-              <a:rPr lang="en-GB" altLang="zh-CN" sz="1400" kern="0" dirty="0" err="1">
-                <a:solidFill>
-                  <a:schemeClr val="tx1">
-                    <a:lumMod val="50000"/>
-                    <a:lumOff val="50000"/>
-                  </a:schemeClr>
-                </a:solidFill>
-                <a:latin typeface="微软雅黑 Light" panose="020B0502040204020203" pitchFamily="34" charset="-122"/>
-                <a:ea typeface="微软雅黑 Light" panose="020B0502040204020203" pitchFamily="34" charset="-122"/>
-              </a:rPr>
-              <a:t>suscipit</a:t>
-            </a:r>
-            <a:r>
-              <a:rPr lang="en-GB" altLang="zh-CN" sz="1400" kern="0" dirty="0">
-                <a:solidFill>
-                  <a:schemeClr val="tx1">
-                    <a:lumMod val="50000"/>
-                    <a:lumOff val="50000"/>
-                  </a:schemeClr>
-                </a:solidFill>
-                <a:latin typeface="微软雅黑 Light" panose="020B0502040204020203" pitchFamily="34" charset="-122"/>
-                <a:ea typeface="微软雅黑 Light" panose="020B0502040204020203" pitchFamily="34" charset="-122"/>
-              </a:rPr>
-              <a:t> </a:t>
-            </a:r>
-            <a:r>
-              <a:rPr lang="en-GB" altLang="zh-CN" sz="1400" kern="0" dirty="0" err="1">
-                <a:solidFill>
-                  <a:schemeClr val="tx1">
-                    <a:lumMod val="50000"/>
-                    <a:lumOff val="50000"/>
-                  </a:schemeClr>
-                </a:solidFill>
-                <a:latin typeface="微软雅黑 Light" panose="020B0502040204020203" pitchFamily="34" charset="-122"/>
-                <a:ea typeface="微软雅黑 Light" panose="020B0502040204020203" pitchFamily="34" charset="-122"/>
-              </a:rPr>
-              <a:t>lobortis</a:t>
-            </a:r>
-            <a:r>
-              <a:rPr lang="en-GB" altLang="zh-CN" sz="1400" kern="0" dirty="0">
-                <a:solidFill>
-                  <a:schemeClr val="tx1">
-                    <a:lumMod val="50000"/>
-                    <a:lumOff val="50000"/>
-                  </a:schemeClr>
-                </a:solidFill>
-                <a:latin typeface="微软雅黑 Light" panose="020B0502040204020203" pitchFamily="34" charset="-122"/>
-                <a:ea typeface="微软雅黑 Light" panose="020B0502040204020203" pitchFamily="34" charset="-122"/>
-              </a:rPr>
-              <a:t> </a:t>
-            </a:r>
-            <a:r>
-              <a:rPr lang="en-GB" altLang="zh-CN" sz="1400" kern="0" dirty="0" err="1">
-                <a:solidFill>
-                  <a:schemeClr val="tx1">
-                    <a:lumMod val="50000"/>
-                    <a:lumOff val="50000"/>
-                  </a:schemeClr>
-                </a:solidFill>
-                <a:latin typeface="微软雅黑 Light" panose="020B0502040204020203" pitchFamily="34" charset="-122"/>
-                <a:ea typeface="微软雅黑 Light" panose="020B0502040204020203" pitchFamily="34" charset="-122"/>
-              </a:rPr>
-              <a:t>nisl</a:t>
-            </a:r>
-            <a:r>
-              <a:rPr lang="en-GB" altLang="zh-CN" sz="1400" kern="0" dirty="0">
-                <a:solidFill>
-                  <a:schemeClr val="tx1">
-                    <a:lumMod val="50000"/>
-                    <a:lumOff val="50000"/>
-                  </a:schemeClr>
-                </a:solidFill>
-                <a:latin typeface="微软雅黑 Light" panose="020B0502040204020203" pitchFamily="34" charset="-122"/>
-                <a:ea typeface="微软雅黑 Light" panose="020B0502040204020203" pitchFamily="34" charset="-122"/>
-              </a:rPr>
-              <a:t> </a:t>
-            </a:r>
-            <a:r>
-              <a:rPr lang="en-GB" altLang="zh-CN" sz="1400" kern="0" dirty="0" err="1">
-                <a:solidFill>
-                  <a:schemeClr val="tx1">
-                    <a:lumMod val="50000"/>
-                    <a:lumOff val="50000"/>
-                  </a:schemeClr>
-                </a:solidFill>
-                <a:latin typeface="微软雅黑 Light" panose="020B0502040204020203" pitchFamily="34" charset="-122"/>
-                <a:ea typeface="微软雅黑 Light" panose="020B0502040204020203" pitchFamily="34" charset="-122"/>
-              </a:rPr>
-              <a:t>ut</a:t>
-            </a:r>
-            <a:r>
-              <a:rPr lang="en-GB" altLang="zh-CN" sz="1400" kern="0" dirty="0">
-                <a:solidFill>
-                  <a:schemeClr val="tx1">
-                    <a:lumMod val="50000"/>
-                    <a:lumOff val="50000"/>
-                  </a:schemeClr>
-                </a:solidFill>
-                <a:latin typeface="微软雅黑 Light" panose="020B0502040204020203" pitchFamily="34" charset="-122"/>
-                <a:ea typeface="微软雅黑 Light" panose="020B0502040204020203" pitchFamily="34" charset="-122"/>
-              </a:rPr>
-              <a:t> </a:t>
-            </a:r>
-            <a:r>
-              <a:rPr lang="en-GB" altLang="zh-CN" sz="1400" kern="0" dirty="0" err="1">
-                <a:solidFill>
-                  <a:schemeClr val="tx1">
-                    <a:lumMod val="50000"/>
-                    <a:lumOff val="50000"/>
-                  </a:schemeClr>
-                </a:solidFill>
-                <a:latin typeface="微软雅黑 Light" panose="020B0502040204020203" pitchFamily="34" charset="-122"/>
-                <a:ea typeface="微软雅黑 Light" panose="020B0502040204020203" pitchFamily="34" charset="-122"/>
-              </a:rPr>
-              <a:t>aliquip</a:t>
-            </a:r>
-            <a:r>
-              <a:rPr lang="en-GB" altLang="zh-CN" sz="1400" kern="0" dirty="0">
-                <a:solidFill>
-                  <a:schemeClr val="tx1">
-                    <a:lumMod val="50000"/>
-                    <a:lumOff val="50000"/>
-                  </a:schemeClr>
-                </a:solidFill>
-                <a:latin typeface="微软雅黑 Light" panose="020B0502040204020203" pitchFamily="34" charset="-122"/>
-                <a:ea typeface="微软雅黑 Light" panose="020B0502040204020203" pitchFamily="34" charset="-122"/>
-              </a:rPr>
-              <a:t> ex </a:t>
-            </a:r>
-            <a:r>
-              <a:rPr lang="en-GB" altLang="zh-CN" sz="1400" kern="0" dirty="0" err="1">
-                <a:solidFill>
-                  <a:schemeClr val="tx1">
-                    <a:lumMod val="50000"/>
-                    <a:lumOff val="50000"/>
-                  </a:schemeClr>
-                </a:solidFill>
-                <a:latin typeface="微软雅黑 Light" panose="020B0502040204020203" pitchFamily="34" charset="-122"/>
-                <a:ea typeface="微软雅黑 Light" panose="020B0502040204020203" pitchFamily="34" charset="-122"/>
-              </a:rPr>
-              <a:t>ea</a:t>
-            </a:r>
-            <a:r>
-              <a:rPr lang="en-GB" altLang="zh-CN" sz="1400" kern="0" dirty="0">
-                <a:solidFill>
-                  <a:schemeClr val="tx1">
-                    <a:lumMod val="50000"/>
-                    <a:lumOff val="50000"/>
-                  </a:schemeClr>
-                </a:solidFill>
-                <a:latin typeface="微软雅黑 Light" panose="020B0502040204020203" pitchFamily="34" charset="-122"/>
-                <a:ea typeface="微软雅黑 Light" panose="020B0502040204020203" pitchFamily="34" charset="-122"/>
-              </a:rPr>
-              <a:t> </a:t>
-            </a:r>
-            <a:r>
-              <a:rPr lang="en-GB" altLang="zh-CN" sz="1400" kern="0" dirty="0" err="1">
-                <a:solidFill>
-                  <a:schemeClr val="tx1">
-                    <a:lumMod val="50000"/>
-                    <a:lumOff val="50000"/>
-                  </a:schemeClr>
-                </a:solidFill>
-                <a:latin typeface="微软雅黑 Light" panose="020B0502040204020203" pitchFamily="34" charset="-122"/>
-                <a:ea typeface="微软雅黑 Light" panose="020B0502040204020203" pitchFamily="34" charset="-122"/>
-              </a:rPr>
-              <a:t>commodo</a:t>
-            </a:r>
-            <a:r>
-              <a:rPr lang="en-GB" altLang="zh-CN" sz="1400" kern="0" dirty="0">
-                <a:solidFill>
-                  <a:schemeClr val="tx1">
-                    <a:lumMod val="50000"/>
-                    <a:lumOff val="50000"/>
-                  </a:schemeClr>
-                </a:solidFill>
-                <a:latin typeface="微软雅黑 Light" panose="020B0502040204020203" pitchFamily="34" charset="-122"/>
-                <a:ea typeface="微软雅黑 Light" panose="020B0502040204020203" pitchFamily="34" charset="-122"/>
-              </a:rPr>
-              <a:t> </a:t>
-            </a:r>
-            <a:r>
-              <a:rPr lang="en-GB" altLang="zh-CN" sz="1400" kern="0" dirty="0" err="1">
-                <a:solidFill>
-                  <a:schemeClr val="tx1">
-                    <a:lumMod val="50000"/>
-                    <a:lumOff val="50000"/>
-                  </a:schemeClr>
-                </a:solidFill>
-                <a:latin typeface="微软雅黑 Light" panose="020B0502040204020203" pitchFamily="34" charset="-122"/>
-                <a:ea typeface="微软雅黑 Light" panose="020B0502040204020203" pitchFamily="34" charset="-122"/>
-              </a:rPr>
-              <a:t>consequat</a:t>
-            </a:r>
-            <a:r>
-              <a:rPr lang="en-GB" altLang="zh-CN" sz="1400" kern="0" dirty="0">
-                <a:solidFill>
-                  <a:schemeClr val="tx1">
-                    <a:lumMod val="50000"/>
-                    <a:lumOff val="50000"/>
-                  </a:schemeClr>
-                </a:solidFill>
-                <a:latin typeface="微软雅黑 Light" panose="020B0502040204020203" pitchFamily="34" charset="-122"/>
-                <a:ea typeface="微软雅黑 Light" panose="020B0502040204020203" pitchFamily="34" charset="-122"/>
-              </a:rPr>
-              <a:t>. </a:t>
-            </a:r>
-            <a:endParaRPr lang="en-GB" altLang="zh-CN" sz="1400" kern="0" dirty="0">
+            <a:endParaRPr lang="zh-CN" altLang="en-GB" sz="1400" kern="0" dirty="0">
+              <a:solidFill>
+                <a:schemeClr val="tx1">
+                  <a:lumMod val="50000"/>
+                  <a:lumOff val="50000"/>
+                </a:schemeClr>
+              </a:solidFill>
+              <a:latin typeface="微软雅黑 Light" panose="020B0502040204020203" pitchFamily="34" charset="-122"/>
+              <a:ea typeface="微软雅黑 Light" panose="020B0502040204020203" pitchFamily="34" charset="-122"/>
+            </a:endParaRPr>
+          </a:p>
+          <a:p>
+            <a:pPr>
+              <a:lnSpc>
+                <a:spcPct val="150000"/>
+              </a:lnSpc>
+            </a:pPr>
+            <a:endParaRPr lang="zh-CN" altLang="en-GB" sz="1400" kern="0" dirty="0">
               <a:solidFill>
                 <a:schemeClr val="tx1">
                   <a:lumMod val="50000"/>
@@ -10475,7 +8945,7 @@
         <p:spPr>
           <a:xfrm>
             <a:off x="6527444" y="4083725"/>
-            <a:ext cx="4388011" cy="2031325"/>
+            <a:ext cx="4388011" cy="737235"/>
           </a:xfrm>
           <a:prstGeom prst="rect">
             <a:avLst/>
@@ -10493,7 +8963,7 @@
               </a:lnSpc>
             </a:pPr>
             <a:r>
-              <a:rPr lang="en-GB" altLang="zh-CN" sz="1400" kern="0" dirty="0">
+              <a:rPr lang="zh-CN" altLang="en-GB" sz="1400" kern="0" dirty="0">
                 <a:solidFill>
                   <a:schemeClr val="tx1">
                     <a:lumMod val="50000"/>
@@ -10503,10 +8973,27 @@
                 <a:latin typeface="微软雅黑 Light" panose="020B0502040204020203" pitchFamily="34" charset="-122"/>
                 <a:ea typeface="微软雅黑 Light" panose="020B0502040204020203" pitchFamily="34" charset="-122"/>
               </a:rPr>
-              <a:t>Lorem ipsum </a:t>
+              <a:t>为自己设定一个截止时间！</a:t>
             </a:r>
+            <a:endParaRPr lang="zh-CN" altLang="en-GB" sz="1400" kern="0" dirty="0">
+              <a:solidFill>
+                <a:schemeClr val="tx1">
+                  <a:lumMod val="50000"/>
+                  <a:lumOff val="50000"/>
+                </a:schemeClr>
+              </a:solidFill>
+              <a:latin typeface="微软雅黑 Light" panose="020B0502040204020203" pitchFamily="34" charset="-122"/>
+              <a:ea typeface="微软雅黑 Light" panose="020B0502040204020203" pitchFamily="34" charset="-122"/>
+            </a:endParaRPr>
+          </a:p>
+          <a:p>
+            <a:pPr>
+              <a:lnSpc>
+                <a:spcPct val="150000"/>
+              </a:lnSpc>
+            </a:pPr>
             <a:r>
-              <a:rPr lang="en-GB" altLang="zh-CN" sz="1400" kern="0" dirty="0" err="1">
+              <a:rPr lang="zh-CN" altLang="en-GB" sz="1400" kern="0" dirty="0">
                 <a:solidFill>
                   <a:schemeClr val="tx1">
                     <a:lumMod val="50000"/>
@@ -10516,880 +9003,9 @@
                 <a:latin typeface="微软雅黑 Light" panose="020B0502040204020203" pitchFamily="34" charset="-122"/>
                 <a:ea typeface="微软雅黑 Light" panose="020B0502040204020203" pitchFamily="34" charset="-122"/>
               </a:rPr>
-              <a:t>dolor</a:t>
+              <a:t>直接随时看到剩余天数，珍惜时间，奋斗吧少年</a:t>
             </a:r>
-            <a:r>
-              <a:rPr lang="en-GB" altLang="zh-CN" sz="1400" kern="0" dirty="0">
-                <a:solidFill>
-                  <a:schemeClr val="tx1">
-                    <a:lumMod val="50000"/>
-                    <a:lumOff val="50000"/>
-                  </a:schemeClr>
-                </a:solidFill>
-                <a:latin typeface="微软雅黑 Light" panose="020B0502040204020203" pitchFamily="34" charset="-122"/>
-                <a:ea typeface="微软雅黑 Light" panose="020B0502040204020203" pitchFamily="34" charset="-122"/>
-              </a:rPr>
-              <a:t> sit </a:t>
-            </a:r>
-            <a:r>
-              <a:rPr lang="en-GB" altLang="zh-CN" sz="1400" kern="0" dirty="0" err="1">
-                <a:solidFill>
-                  <a:schemeClr val="tx1">
-                    <a:lumMod val="50000"/>
-                    <a:lumOff val="50000"/>
-                  </a:schemeClr>
-                </a:solidFill>
-                <a:latin typeface="微软雅黑 Light" panose="020B0502040204020203" pitchFamily="34" charset="-122"/>
-                <a:ea typeface="微软雅黑 Light" panose="020B0502040204020203" pitchFamily="34" charset="-122"/>
-              </a:rPr>
-              <a:t>amet</a:t>
-            </a:r>
-            <a:r>
-              <a:rPr lang="en-GB" altLang="zh-CN" sz="1400" kern="0" dirty="0">
-                <a:solidFill>
-                  <a:schemeClr val="tx1">
-                    <a:lumMod val="50000"/>
-                    <a:lumOff val="50000"/>
-                  </a:schemeClr>
-                </a:solidFill>
-                <a:latin typeface="微软雅黑 Light" panose="020B0502040204020203" pitchFamily="34" charset="-122"/>
-                <a:ea typeface="微软雅黑 Light" panose="020B0502040204020203" pitchFamily="34" charset="-122"/>
-              </a:rPr>
-              <a:t>, </a:t>
-            </a:r>
-            <a:r>
-              <a:rPr lang="en-GB" altLang="zh-CN" sz="1400" kern="0" dirty="0" err="1">
-                <a:solidFill>
-                  <a:schemeClr val="tx1">
-                    <a:lumMod val="50000"/>
-                    <a:lumOff val="50000"/>
-                  </a:schemeClr>
-                </a:solidFill>
-                <a:latin typeface="微软雅黑 Light" panose="020B0502040204020203" pitchFamily="34" charset="-122"/>
-                <a:ea typeface="微软雅黑 Light" panose="020B0502040204020203" pitchFamily="34" charset="-122"/>
-              </a:rPr>
-              <a:t>consectetuer</a:t>
-            </a:r>
-            <a:r>
-              <a:rPr lang="en-GB" altLang="zh-CN" sz="1400" kern="0" dirty="0">
-                <a:solidFill>
-                  <a:schemeClr val="tx1">
-                    <a:lumMod val="50000"/>
-                    <a:lumOff val="50000"/>
-                  </a:schemeClr>
-                </a:solidFill>
-                <a:latin typeface="微软雅黑 Light" panose="020B0502040204020203" pitchFamily="34" charset="-122"/>
-                <a:ea typeface="微软雅黑 Light" panose="020B0502040204020203" pitchFamily="34" charset="-122"/>
-              </a:rPr>
-              <a:t> </a:t>
-            </a:r>
-            <a:r>
-              <a:rPr lang="en-GB" altLang="zh-CN" sz="1400" kern="0" dirty="0" err="1">
-                <a:solidFill>
-                  <a:schemeClr val="tx1">
-                    <a:lumMod val="50000"/>
-                    <a:lumOff val="50000"/>
-                  </a:schemeClr>
-                </a:solidFill>
-                <a:latin typeface="微软雅黑 Light" panose="020B0502040204020203" pitchFamily="34" charset="-122"/>
-                <a:ea typeface="微软雅黑 Light" panose="020B0502040204020203" pitchFamily="34" charset="-122"/>
-              </a:rPr>
-              <a:t>adipiscing</a:t>
-            </a:r>
-            <a:r>
-              <a:rPr lang="en-GB" altLang="zh-CN" sz="1400" kern="0" dirty="0">
-                <a:solidFill>
-                  <a:schemeClr val="tx1">
-                    <a:lumMod val="50000"/>
-                    <a:lumOff val="50000"/>
-                  </a:schemeClr>
-                </a:solidFill>
-                <a:latin typeface="微软雅黑 Light" panose="020B0502040204020203" pitchFamily="34" charset="-122"/>
-                <a:ea typeface="微软雅黑 Light" panose="020B0502040204020203" pitchFamily="34" charset="-122"/>
-              </a:rPr>
-              <a:t> </a:t>
-            </a:r>
-            <a:r>
-              <a:rPr lang="en-GB" altLang="zh-CN" sz="1400" kern="0" dirty="0" err="1">
-                <a:solidFill>
-                  <a:schemeClr val="tx1">
-                    <a:lumMod val="50000"/>
-                    <a:lumOff val="50000"/>
-                  </a:schemeClr>
-                </a:solidFill>
-                <a:latin typeface="微软雅黑 Light" panose="020B0502040204020203" pitchFamily="34" charset="-122"/>
-                <a:ea typeface="微软雅黑 Light" panose="020B0502040204020203" pitchFamily="34" charset="-122"/>
-              </a:rPr>
-              <a:t>elit</a:t>
-            </a:r>
-            <a:r>
-              <a:rPr lang="en-GB" altLang="zh-CN" sz="1400" kern="0" dirty="0">
-                <a:solidFill>
-                  <a:schemeClr val="tx1">
-                    <a:lumMod val="50000"/>
-                    <a:lumOff val="50000"/>
-                  </a:schemeClr>
-                </a:solidFill>
-                <a:latin typeface="微软雅黑 Light" panose="020B0502040204020203" pitchFamily="34" charset="-122"/>
-                <a:ea typeface="微软雅黑 Light" panose="020B0502040204020203" pitchFamily="34" charset="-122"/>
-              </a:rPr>
-              <a:t>, </a:t>
-            </a:r>
-            <a:r>
-              <a:rPr lang="en-GB" altLang="zh-CN" sz="1400" kern="0" dirty="0" err="1">
-                <a:solidFill>
-                  <a:schemeClr val="tx1">
-                    <a:lumMod val="50000"/>
-                    <a:lumOff val="50000"/>
-                  </a:schemeClr>
-                </a:solidFill>
-                <a:latin typeface="微软雅黑 Light" panose="020B0502040204020203" pitchFamily="34" charset="-122"/>
-                <a:ea typeface="微软雅黑 Light" panose="020B0502040204020203" pitchFamily="34" charset="-122"/>
-              </a:rPr>
-              <a:t>sed</a:t>
-            </a:r>
-            <a:r>
-              <a:rPr lang="en-GB" altLang="zh-CN" sz="1400" kern="0" dirty="0">
-                <a:solidFill>
-                  <a:schemeClr val="tx1">
-                    <a:lumMod val="50000"/>
-                    <a:lumOff val="50000"/>
-                  </a:schemeClr>
-                </a:solidFill>
-                <a:latin typeface="微软雅黑 Light" panose="020B0502040204020203" pitchFamily="34" charset="-122"/>
-                <a:ea typeface="微软雅黑 Light" panose="020B0502040204020203" pitchFamily="34" charset="-122"/>
-              </a:rPr>
-              <a:t> </a:t>
-            </a:r>
-            <a:r>
-              <a:rPr lang="en-GB" altLang="zh-CN" sz="1400" kern="0" dirty="0" err="1">
-                <a:solidFill>
-                  <a:schemeClr val="tx1">
-                    <a:lumMod val="50000"/>
-                    <a:lumOff val="50000"/>
-                  </a:schemeClr>
-                </a:solidFill>
-                <a:latin typeface="微软雅黑 Light" panose="020B0502040204020203" pitchFamily="34" charset="-122"/>
-                <a:ea typeface="微软雅黑 Light" panose="020B0502040204020203" pitchFamily="34" charset="-122"/>
-              </a:rPr>
-              <a:t>diam</a:t>
-            </a:r>
-            <a:r>
-              <a:rPr lang="en-GB" altLang="zh-CN" sz="1400" kern="0" dirty="0">
-                <a:solidFill>
-                  <a:schemeClr val="tx1">
-                    <a:lumMod val="50000"/>
-                    <a:lumOff val="50000"/>
-                  </a:schemeClr>
-                </a:solidFill>
-                <a:latin typeface="微软雅黑 Light" panose="020B0502040204020203" pitchFamily="34" charset="-122"/>
-                <a:ea typeface="微软雅黑 Light" panose="020B0502040204020203" pitchFamily="34" charset="-122"/>
-              </a:rPr>
-              <a:t> </a:t>
-            </a:r>
-            <a:r>
-              <a:rPr lang="en-GB" altLang="zh-CN" sz="1400" kern="0" dirty="0" err="1">
-                <a:solidFill>
-                  <a:schemeClr val="tx1">
-                    <a:lumMod val="50000"/>
-                    <a:lumOff val="50000"/>
-                  </a:schemeClr>
-                </a:solidFill>
-                <a:latin typeface="微软雅黑 Light" panose="020B0502040204020203" pitchFamily="34" charset="-122"/>
-                <a:ea typeface="微软雅黑 Light" panose="020B0502040204020203" pitchFamily="34" charset="-122"/>
-              </a:rPr>
-              <a:t>nonummy</a:t>
-            </a:r>
-            <a:r>
-              <a:rPr lang="en-GB" altLang="zh-CN" sz="1400" kern="0" dirty="0">
-                <a:solidFill>
-                  <a:schemeClr val="tx1">
-                    <a:lumMod val="50000"/>
-                    <a:lumOff val="50000"/>
-                  </a:schemeClr>
-                </a:solidFill>
-                <a:latin typeface="微软雅黑 Light" panose="020B0502040204020203" pitchFamily="34" charset="-122"/>
-                <a:ea typeface="微软雅黑 Light" panose="020B0502040204020203" pitchFamily="34" charset="-122"/>
-              </a:rPr>
-              <a:t> </a:t>
-            </a:r>
-            <a:r>
-              <a:rPr lang="en-GB" altLang="zh-CN" sz="1400" kern="0" dirty="0" err="1">
-                <a:solidFill>
-                  <a:schemeClr val="tx1">
-                    <a:lumMod val="50000"/>
-                    <a:lumOff val="50000"/>
-                  </a:schemeClr>
-                </a:solidFill>
-                <a:latin typeface="微软雅黑 Light" panose="020B0502040204020203" pitchFamily="34" charset="-122"/>
-                <a:ea typeface="微软雅黑 Light" panose="020B0502040204020203" pitchFamily="34" charset="-122"/>
-              </a:rPr>
-              <a:t>nibh</a:t>
-            </a:r>
-            <a:r>
-              <a:rPr lang="en-GB" altLang="zh-CN" sz="1400" kern="0" dirty="0">
-                <a:solidFill>
-                  <a:schemeClr val="tx1">
-                    <a:lumMod val="50000"/>
-                    <a:lumOff val="50000"/>
-                  </a:schemeClr>
-                </a:solidFill>
-                <a:latin typeface="微软雅黑 Light" panose="020B0502040204020203" pitchFamily="34" charset="-122"/>
-                <a:ea typeface="微软雅黑 Light" panose="020B0502040204020203" pitchFamily="34" charset="-122"/>
-              </a:rPr>
-              <a:t> </a:t>
-            </a:r>
-            <a:r>
-              <a:rPr lang="en-GB" altLang="zh-CN" sz="1400" kern="0" dirty="0" err="1">
-                <a:solidFill>
-                  <a:schemeClr val="tx1">
-                    <a:lumMod val="50000"/>
-                    <a:lumOff val="50000"/>
-                  </a:schemeClr>
-                </a:solidFill>
-                <a:latin typeface="微软雅黑 Light" panose="020B0502040204020203" pitchFamily="34" charset="-122"/>
-                <a:ea typeface="微软雅黑 Light" panose="020B0502040204020203" pitchFamily="34" charset="-122"/>
-              </a:rPr>
-              <a:t>euismod</a:t>
-            </a:r>
-            <a:r>
-              <a:rPr lang="en-GB" altLang="zh-CN" sz="1400" kern="0" dirty="0">
-                <a:solidFill>
-                  <a:schemeClr val="tx1">
-                    <a:lumMod val="50000"/>
-                    <a:lumOff val="50000"/>
-                  </a:schemeClr>
-                </a:solidFill>
-                <a:latin typeface="微软雅黑 Light" panose="020B0502040204020203" pitchFamily="34" charset="-122"/>
-                <a:ea typeface="微软雅黑 Light" panose="020B0502040204020203" pitchFamily="34" charset="-122"/>
-              </a:rPr>
-              <a:t> </a:t>
-            </a:r>
-            <a:r>
-              <a:rPr lang="en-GB" altLang="zh-CN" sz="1400" kern="0" dirty="0" err="1">
-                <a:solidFill>
-                  <a:schemeClr val="tx1">
-                    <a:lumMod val="50000"/>
-                    <a:lumOff val="50000"/>
-                  </a:schemeClr>
-                </a:solidFill>
-                <a:latin typeface="微软雅黑 Light" panose="020B0502040204020203" pitchFamily="34" charset="-122"/>
-                <a:ea typeface="微软雅黑 Light" panose="020B0502040204020203" pitchFamily="34" charset="-122"/>
-              </a:rPr>
-              <a:t>tincidunt</a:t>
-            </a:r>
-            <a:r>
-              <a:rPr lang="en-GB" altLang="zh-CN" sz="1400" kern="0" dirty="0">
-                <a:solidFill>
-                  <a:schemeClr val="tx1">
-                    <a:lumMod val="50000"/>
-                    <a:lumOff val="50000"/>
-                  </a:schemeClr>
-                </a:solidFill>
-                <a:latin typeface="微软雅黑 Light" panose="020B0502040204020203" pitchFamily="34" charset="-122"/>
-                <a:ea typeface="微软雅黑 Light" panose="020B0502040204020203" pitchFamily="34" charset="-122"/>
-              </a:rPr>
-              <a:t> </a:t>
-            </a:r>
-            <a:r>
-              <a:rPr lang="en-GB" altLang="zh-CN" sz="1400" kern="0" dirty="0" err="1">
-                <a:solidFill>
-                  <a:schemeClr val="tx1">
-                    <a:lumMod val="50000"/>
-                    <a:lumOff val="50000"/>
-                  </a:schemeClr>
-                </a:solidFill>
-                <a:latin typeface="微软雅黑 Light" panose="020B0502040204020203" pitchFamily="34" charset="-122"/>
-                <a:ea typeface="微软雅黑 Light" panose="020B0502040204020203" pitchFamily="34" charset="-122"/>
-              </a:rPr>
-              <a:t>ut</a:t>
-            </a:r>
-            <a:r>
-              <a:rPr lang="en-GB" altLang="zh-CN" sz="1400" kern="0" dirty="0">
-                <a:solidFill>
-                  <a:schemeClr val="tx1">
-                    <a:lumMod val="50000"/>
-                    <a:lumOff val="50000"/>
-                  </a:schemeClr>
-                </a:solidFill>
-                <a:latin typeface="微软雅黑 Light" panose="020B0502040204020203" pitchFamily="34" charset="-122"/>
-                <a:ea typeface="微软雅黑 Light" panose="020B0502040204020203" pitchFamily="34" charset="-122"/>
-              </a:rPr>
-              <a:t> </a:t>
-            </a:r>
-            <a:r>
-              <a:rPr lang="en-GB" altLang="zh-CN" sz="1400" kern="0" dirty="0" err="1">
-                <a:solidFill>
-                  <a:schemeClr val="tx1">
-                    <a:lumMod val="50000"/>
-                    <a:lumOff val="50000"/>
-                  </a:schemeClr>
-                </a:solidFill>
-                <a:latin typeface="微软雅黑 Light" panose="020B0502040204020203" pitchFamily="34" charset="-122"/>
-                <a:ea typeface="微软雅黑 Light" panose="020B0502040204020203" pitchFamily="34" charset="-122"/>
-              </a:rPr>
-              <a:t>laoreet</a:t>
-            </a:r>
-            <a:r>
-              <a:rPr lang="en-GB" altLang="zh-CN" sz="1400" kern="0" dirty="0">
-                <a:solidFill>
-                  <a:schemeClr val="tx1">
-                    <a:lumMod val="50000"/>
-                    <a:lumOff val="50000"/>
-                  </a:schemeClr>
-                </a:solidFill>
-                <a:latin typeface="微软雅黑 Light" panose="020B0502040204020203" pitchFamily="34" charset="-122"/>
-                <a:ea typeface="微软雅黑 Light" panose="020B0502040204020203" pitchFamily="34" charset="-122"/>
-              </a:rPr>
-              <a:t> </a:t>
-            </a:r>
-            <a:r>
-              <a:rPr lang="en-GB" altLang="zh-CN" sz="1400" kern="0" dirty="0" err="1">
-                <a:solidFill>
-                  <a:schemeClr val="tx1">
-                    <a:lumMod val="50000"/>
-                    <a:lumOff val="50000"/>
-                  </a:schemeClr>
-                </a:solidFill>
-                <a:latin typeface="微软雅黑 Light" panose="020B0502040204020203" pitchFamily="34" charset="-122"/>
-                <a:ea typeface="微软雅黑 Light" panose="020B0502040204020203" pitchFamily="34" charset="-122"/>
-              </a:rPr>
-              <a:t>dolore</a:t>
-            </a:r>
-            <a:r>
-              <a:rPr lang="en-GB" altLang="zh-CN" sz="1400" kern="0" dirty="0">
-                <a:solidFill>
-                  <a:schemeClr val="tx1">
-                    <a:lumMod val="50000"/>
-                    <a:lumOff val="50000"/>
-                  </a:schemeClr>
-                </a:solidFill>
-                <a:latin typeface="微软雅黑 Light" panose="020B0502040204020203" pitchFamily="34" charset="-122"/>
-                <a:ea typeface="微软雅黑 Light" panose="020B0502040204020203" pitchFamily="34" charset="-122"/>
-              </a:rPr>
-              <a:t> magna </a:t>
-            </a:r>
-            <a:r>
-              <a:rPr lang="en-GB" altLang="zh-CN" sz="1400" kern="0" dirty="0" err="1">
-                <a:solidFill>
-                  <a:schemeClr val="tx1">
-                    <a:lumMod val="50000"/>
-                    <a:lumOff val="50000"/>
-                  </a:schemeClr>
-                </a:solidFill>
-                <a:latin typeface="微软雅黑 Light" panose="020B0502040204020203" pitchFamily="34" charset="-122"/>
-                <a:ea typeface="微软雅黑 Light" panose="020B0502040204020203" pitchFamily="34" charset="-122"/>
-              </a:rPr>
-              <a:t>aliquam</a:t>
-            </a:r>
-            <a:r>
-              <a:rPr lang="en-GB" altLang="zh-CN" sz="1400" kern="0" dirty="0">
-                <a:solidFill>
-                  <a:schemeClr val="tx1">
-                    <a:lumMod val="50000"/>
-                    <a:lumOff val="50000"/>
-                  </a:schemeClr>
-                </a:solidFill>
-                <a:latin typeface="微软雅黑 Light" panose="020B0502040204020203" pitchFamily="34" charset="-122"/>
-                <a:ea typeface="微软雅黑 Light" panose="020B0502040204020203" pitchFamily="34" charset="-122"/>
-              </a:rPr>
-              <a:t> </a:t>
-            </a:r>
-            <a:r>
-              <a:rPr lang="en-GB" altLang="zh-CN" sz="1400" kern="0" dirty="0" err="1">
-                <a:solidFill>
-                  <a:schemeClr val="tx1">
-                    <a:lumMod val="50000"/>
-                    <a:lumOff val="50000"/>
-                  </a:schemeClr>
-                </a:solidFill>
-                <a:latin typeface="微软雅黑 Light" panose="020B0502040204020203" pitchFamily="34" charset="-122"/>
-                <a:ea typeface="微软雅黑 Light" panose="020B0502040204020203" pitchFamily="34" charset="-122"/>
-              </a:rPr>
-              <a:t>erat</a:t>
-            </a:r>
-            <a:r>
-              <a:rPr lang="en-GB" altLang="zh-CN" sz="1400" kern="0" dirty="0">
-                <a:solidFill>
-                  <a:schemeClr val="tx1">
-                    <a:lumMod val="50000"/>
-                    <a:lumOff val="50000"/>
-                  </a:schemeClr>
-                </a:solidFill>
-                <a:latin typeface="微软雅黑 Light" panose="020B0502040204020203" pitchFamily="34" charset="-122"/>
-                <a:ea typeface="微软雅黑 Light" panose="020B0502040204020203" pitchFamily="34" charset="-122"/>
-              </a:rPr>
-              <a:t> </a:t>
-            </a:r>
-            <a:r>
-              <a:rPr lang="en-GB" altLang="zh-CN" sz="1400" kern="0" dirty="0" err="1">
-                <a:solidFill>
-                  <a:schemeClr val="tx1">
-                    <a:lumMod val="50000"/>
-                    <a:lumOff val="50000"/>
-                  </a:schemeClr>
-                </a:solidFill>
-                <a:latin typeface="微软雅黑 Light" panose="020B0502040204020203" pitchFamily="34" charset="-122"/>
-                <a:ea typeface="微软雅黑 Light" panose="020B0502040204020203" pitchFamily="34" charset="-122"/>
-              </a:rPr>
-              <a:t>volutpat</a:t>
-            </a:r>
-            <a:r>
-              <a:rPr lang="en-GB" altLang="zh-CN" sz="1400" kern="0" dirty="0">
-                <a:solidFill>
-                  <a:schemeClr val="tx1">
-                    <a:lumMod val="50000"/>
-                    <a:lumOff val="50000"/>
-                  </a:schemeClr>
-                </a:solidFill>
-                <a:latin typeface="微软雅黑 Light" panose="020B0502040204020203" pitchFamily="34" charset="-122"/>
-                <a:ea typeface="微软雅黑 Light" panose="020B0502040204020203" pitchFamily="34" charset="-122"/>
-              </a:rPr>
-              <a:t>. </a:t>
-            </a:r>
-            <a:r>
-              <a:rPr lang="en-GB" altLang="zh-CN" sz="1400" kern="0" dirty="0" err="1">
-                <a:solidFill>
-                  <a:schemeClr val="tx1">
-                    <a:lumMod val="50000"/>
-                    <a:lumOff val="50000"/>
-                  </a:schemeClr>
-                </a:solidFill>
-                <a:latin typeface="微软雅黑 Light" panose="020B0502040204020203" pitchFamily="34" charset="-122"/>
-                <a:ea typeface="微软雅黑 Light" panose="020B0502040204020203" pitchFamily="34" charset="-122"/>
-              </a:rPr>
-              <a:t>Ut</a:t>
-            </a:r>
-            <a:r>
-              <a:rPr lang="en-GB" altLang="zh-CN" sz="1400" kern="0" dirty="0">
-                <a:solidFill>
-                  <a:schemeClr val="tx1">
-                    <a:lumMod val="50000"/>
-                    <a:lumOff val="50000"/>
-                  </a:schemeClr>
-                </a:solidFill>
-                <a:latin typeface="微软雅黑 Light" panose="020B0502040204020203" pitchFamily="34" charset="-122"/>
-                <a:ea typeface="微软雅黑 Light" panose="020B0502040204020203" pitchFamily="34" charset="-122"/>
-              </a:rPr>
-              <a:t> </a:t>
-            </a:r>
-            <a:r>
-              <a:rPr lang="en-GB" altLang="zh-CN" sz="1400" kern="0" dirty="0" err="1">
-                <a:solidFill>
-                  <a:schemeClr val="tx1">
-                    <a:lumMod val="50000"/>
-                    <a:lumOff val="50000"/>
-                  </a:schemeClr>
-                </a:solidFill>
-                <a:latin typeface="微软雅黑 Light" panose="020B0502040204020203" pitchFamily="34" charset="-122"/>
-                <a:ea typeface="微软雅黑 Light" panose="020B0502040204020203" pitchFamily="34" charset="-122"/>
-              </a:rPr>
-              <a:t>wisi</a:t>
-            </a:r>
-            <a:r>
-              <a:rPr lang="en-GB" altLang="zh-CN" sz="1400" kern="0" dirty="0">
-                <a:solidFill>
-                  <a:schemeClr val="tx1">
-                    <a:lumMod val="50000"/>
-                    <a:lumOff val="50000"/>
-                  </a:schemeClr>
-                </a:solidFill>
-                <a:latin typeface="微软雅黑 Light" panose="020B0502040204020203" pitchFamily="34" charset="-122"/>
-                <a:ea typeface="微软雅黑 Light" panose="020B0502040204020203" pitchFamily="34" charset="-122"/>
-              </a:rPr>
-              <a:t> </a:t>
-            </a:r>
-            <a:r>
-              <a:rPr lang="en-GB" altLang="zh-CN" sz="1400" kern="0" dirty="0" err="1">
-                <a:solidFill>
-                  <a:schemeClr val="tx1">
-                    <a:lumMod val="50000"/>
-                    <a:lumOff val="50000"/>
-                  </a:schemeClr>
-                </a:solidFill>
-                <a:latin typeface="微软雅黑 Light" panose="020B0502040204020203" pitchFamily="34" charset="-122"/>
-                <a:ea typeface="微软雅黑 Light" panose="020B0502040204020203" pitchFamily="34" charset="-122"/>
-              </a:rPr>
-              <a:t>enim</a:t>
-            </a:r>
-            <a:r>
-              <a:rPr lang="en-GB" altLang="zh-CN" sz="1400" kern="0" dirty="0">
-                <a:solidFill>
-                  <a:schemeClr val="tx1">
-                    <a:lumMod val="50000"/>
-                    <a:lumOff val="50000"/>
-                  </a:schemeClr>
-                </a:solidFill>
-                <a:latin typeface="微软雅黑 Light" panose="020B0502040204020203" pitchFamily="34" charset="-122"/>
-                <a:ea typeface="微软雅黑 Light" panose="020B0502040204020203" pitchFamily="34" charset="-122"/>
-              </a:rPr>
-              <a:t> ad minim </a:t>
-            </a:r>
-            <a:r>
-              <a:rPr lang="en-GB" altLang="zh-CN" sz="1400" kern="0" dirty="0" err="1">
-                <a:solidFill>
-                  <a:schemeClr val="tx1">
-                    <a:lumMod val="50000"/>
-                    <a:lumOff val="50000"/>
-                  </a:schemeClr>
-                </a:solidFill>
-                <a:latin typeface="微软雅黑 Light" panose="020B0502040204020203" pitchFamily="34" charset="-122"/>
-                <a:ea typeface="微软雅黑 Light" panose="020B0502040204020203" pitchFamily="34" charset="-122"/>
-              </a:rPr>
-              <a:t>veniam</a:t>
-            </a:r>
-            <a:r>
-              <a:rPr lang="en-GB" altLang="zh-CN" sz="1400" kern="0" dirty="0">
-                <a:solidFill>
-                  <a:schemeClr val="tx1">
-                    <a:lumMod val="50000"/>
-                    <a:lumOff val="50000"/>
-                  </a:schemeClr>
-                </a:solidFill>
-                <a:latin typeface="微软雅黑 Light" panose="020B0502040204020203" pitchFamily="34" charset="-122"/>
-                <a:ea typeface="微软雅黑 Light" panose="020B0502040204020203" pitchFamily="34" charset="-122"/>
-              </a:rPr>
-              <a:t>, </a:t>
-            </a:r>
-            <a:r>
-              <a:rPr lang="en-GB" altLang="zh-CN" sz="1400" kern="0" dirty="0" err="1">
-                <a:solidFill>
-                  <a:schemeClr val="tx1">
-                    <a:lumMod val="50000"/>
-                    <a:lumOff val="50000"/>
-                  </a:schemeClr>
-                </a:solidFill>
-                <a:latin typeface="微软雅黑 Light" panose="020B0502040204020203" pitchFamily="34" charset="-122"/>
-                <a:ea typeface="微软雅黑 Light" panose="020B0502040204020203" pitchFamily="34" charset="-122"/>
-              </a:rPr>
-              <a:t>quis</a:t>
-            </a:r>
-            <a:r>
-              <a:rPr lang="en-GB" altLang="zh-CN" sz="1400" kern="0" dirty="0">
-                <a:solidFill>
-                  <a:schemeClr val="tx1">
-                    <a:lumMod val="50000"/>
-                    <a:lumOff val="50000"/>
-                  </a:schemeClr>
-                </a:solidFill>
-                <a:latin typeface="微软雅黑 Light" panose="020B0502040204020203" pitchFamily="34" charset="-122"/>
-                <a:ea typeface="微软雅黑 Light" panose="020B0502040204020203" pitchFamily="34" charset="-122"/>
-              </a:rPr>
-              <a:t> </a:t>
-            </a:r>
-            <a:r>
-              <a:rPr lang="en-GB" altLang="zh-CN" sz="1400" kern="0" dirty="0" err="1">
-                <a:solidFill>
-                  <a:schemeClr val="tx1">
-                    <a:lumMod val="50000"/>
-                    <a:lumOff val="50000"/>
-                  </a:schemeClr>
-                </a:solidFill>
-                <a:latin typeface="微软雅黑 Light" panose="020B0502040204020203" pitchFamily="34" charset="-122"/>
-                <a:ea typeface="微软雅黑 Light" panose="020B0502040204020203" pitchFamily="34" charset="-122"/>
-              </a:rPr>
-              <a:t>nostrud</a:t>
-            </a:r>
-            <a:r>
-              <a:rPr lang="en-GB" altLang="zh-CN" sz="1400" kern="0" dirty="0">
-                <a:solidFill>
-                  <a:schemeClr val="tx1">
-                    <a:lumMod val="50000"/>
-                    <a:lumOff val="50000"/>
-                  </a:schemeClr>
-                </a:solidFill>
-                <a:latin typeface="微软雅黑 Light" panose="020B0502040204020203" pitchFamily="34" charset="-122"/>
-                <a:ea typeface="微软雅黑 Light" panose="020B0502040204020203" pitchFamily="34" charset="-122"/>
-              </a:rPr>
-              <a:t> </a:t>
-            </a:r>
-            <a:r>
-              <a:rPr lang="en-GB" altLang="zh-CN" sz="1400" kern="0" dirty="0" err="1">
-                <a:solidFill>
-                  <a:schemeClr val="tx1">
-                    <a:lumMod val="50000"/>
-                    <a:lumOff val="50000"/>
-                  </a:schemeClr>
-                </a:solidFill>
-                <a:latin typeface="微软雅黑 Light" panose="020B0502040204020203" pitchFamily="34" charset="-122"/>
-                <a:ea typeface="微软雅黑 Light" panose="020B0502040204020203" pitchFamily="34" charset="-122"/>
-              </a:rPr>
-              <a:t>exerci</a:t>
-            </a:r>
-            <a:r>
-              <a:rPr lang="en-GB" altLang="zh-CN" sz="1400" kern="0" dirty="0">
-                <a:solidFill>
-                  <a:schemeClr val="tx1">
-                    <a:lumMod val="50000"/>
-                    <a:lumOff val="50000"/>
-                  </a:schemeClr>
-                </a:solidFill>
-                <a:latin typeface="微软雅黑 Light" panose="020B0502040204020203" pitchFamily="34" charset="-122"/>
-                <a:ea typeface="微软雅黑 Light" panose="020B0502040204020203" pitchFamily="34" charset="-122"/>
-              </a:rPr>
-              <a:t> </a:t>
-            </a:r>
-            <a:r>
-              <a:rPr lang="en-GB" altLang="zh-CN" sz="1400" kern="0" dirty="0" err="1">
-                <a:solidFill>
-                  <a:schemeClr val="tx1">
-                    <a:lumMod val="50000"/>
-                    <a:lumOff val="50000"/>
-                  </a:schemeClr>
-                </a:solidFill>
-                <a:latin typeface="微软雅黑 Light" panose="020B0502040204020203" pitchFamily="34" charset="-122"/>
-                <a:ea typeface="微软雅黑 Light" panose="020B0502040204020203" pitchFamily="34" charset="-122"/>
-              </a:rPr>
-              <a:t>tation</a:t>
-            </a:r>
-            <a:r>
-              <a:rPr lang="en-GB" altLang="zh-CN" sz="1400" kern="0" dirty="0">
-                <a:solidFill>
-                  <a:schemeClr val="tx1">
-                    <a:lumMod val="50000"/>
-                    <a:lumOff val="50000"/>
-                  </a:schemeClr>
-                </a:solidFill>
-                <a:latin typeface="微软雅黑 Light" panose="020B0502040204020203" pitchFamily="34" charset="-122"/>
-                <a:ea typeface="微软雅黑 Light" panose="020B0502040204020203" pitchFamily="34" charset="-122"/>
-              </a:rPr>
-              <a:t> </a:t>
-            </a:r>
-            <a:r>
-              <a:rPr lang="en-GB" altLang="zh-CN" sz="1400" kern="0" dirty="0" err="1">
-                <a:solidFill>
-                  <a:schemeClr val="tx1">
-                    <a:lumMod val="50000"/>
-                    <a:lumOff val="50000"/>
-                  </a:schemeClr>
-                </a:solidFill>
-                <a:latin typeface="微软雅黑 Light" panose="020B0502040204020203" pitchFamily="34" charset="-122"/>
-                <a:ea typeface="微软雅黑 Light" panose="020B0502040204020203" pitchFamily="34" charset="-122"/>
-              </a:rPr>
-              <a:t>ullamcorper</a:t>
-            </a:r>
-            <a:r>
-              <a:rPr lang="en-GB" altLang="zh-CN" sz="1400" kern="0" dirty="0">
-                <a:solidFill>
-                  <a:schemeClr val="tx1">
-                    <a:lumMod val="50000"/>
-                    <a:lumOff val="50000"/>
-                  </a:schemeClr>
-                </a:solidFill>
-                <a:latin typeface="微软雅黑 Light" panose="020B0502040204020203" pitchFamily="34" charset="-122"/>
-                <a:ea typeface="微软雅黑 Light" panose="020B0502040204020203" pitchFamily="34" charset="-122"/>
-              </a:rPr>
-              <a:t> </a:t>
-            </a:r>
-            <a:r>
-              <a:rPr lang="en-GB" altLang="zh-CN" sz="1400" kern="0" dirty="0" err="1">
-                <a:solidFill>
-                  <a:schemeClr val="tx1">
-                    <a:lumMod val="50000"/>
-                    <a:lumOff val="50000"/>
-                  </a:schemeClr>
-                </a:solidFill>
-                <a:latin typeface="微软雅黑 Light" panose="020B0502040204020203" pitchFamily="34" charset="-122"/>
-                <a:ea typeface="微软雅黑 Light" panose="020B0502040204020203" pitchFamily="34" charset="-122"/>
-              </a:rPr>
-              <a:t>suscipit</a:t>
-            </a:r>
-            <a:r>
-              <a:rPr lang="en-GB" altLang="zh-CN" sz="1400" kern="0" dirty="0">
-                <a:solidFill>
-                  <a:schemeClr val="tx1">
-                    <a:lumMod val="50000"/>
-                    <a:lumOff val="50000"/>
-                  </a:schemeClr>
-                </a:solidFill>
-                <a:latin typeface="微软雅黑 Light" panose="020B0502040204020203" pitchFamily="34" charset="-122"/>
-                <a:ea typeface="微软雅黑 Light" panose="020B0502040204020203" pitchFamily="34" charset="-122"/>
-              </a:rPr>
-              <a:t> </a:t>
-            </a:r>
-            <a:r>
-              <a:rPr lang="en-GB" altLang="zh-CN" sz="1400" kern="0" dirty="0" err="1">
-                <a:solidFill>
-                  <a:schemeClr val="tx1">
-                    <a:lumMod val="50000"/>
-                    <a:lumOff val="50000"/>
-                  </a:schemeClr>
-                </a:solidFill>
-                <a:latin typeface="微软雅黑 Light" panose="020B0502040204020203" pitchFamily="34" charset="-122"/>
-                <a:ea typeface="微软雅黑 Light" panose="020B0502040204020203" pitchFamily="34" charset="-122"/>
-              </a:rPr>
-              <a:t>lobortis</a:t>
-            </a:r>
-            <a:r>
-              <a:rPr lang="en-GB" altLang="zh-CN" sz="1400" kern="0" dirty="0">
-                <a:solidFill>
-                  <a:schemeClr val="tx1">
-                    <a:lumMod val="50000"/>
-                    <a:lumOff val="50000"/>
-                  </a:schemeClr>
-                </a:solidFill>
-                <a:latin typeface="微软雅黑 Light" panose="020B0502040204020203" pitchFamily="34" charset="-122"/>
-                <a:ea typeface="微软雅黑 Light" panose="020B0502040204020203" pitchFamily="34" charset="-122"/>
-              </a:rPr>
-              <a:t> </a:t>
-            </a:r>
-            <a:r>
-              <a:rPr lang="en-GB" altLang="zh-CN" sz="1400" kern="0" dirty="0" err="1">
-                <a:solidFill>
-                  <a:schemeClr val="tx1">
-                    <a:lumMod val="50000"/>
-                    <a:lumOff val="50000"/>
-                  </a:schemeClr>
-                </a:solidFill>
-                <a:latin typeface="微软雅黑 Light" panose="020B0502040204020203" pitchFamily="34" charset="-122"/>
-                <a:ea typeface="微软雅黑 Light" panose="020B0502040204020203" pitchFamily="34" charset="-122"/>
-              </a:rPr>
-              <a:t>nisl</a:t>
-            </a:r>
-            <a:r>
-              <a:rPr lang="en-GB" altLang="zh-CN" sz="1400" kern="0" dirty="0">
-                <a:solidFill>
-                  <a:schemeClr val="tx1">
-                    <a:lumMod val="50000"/>
-                    <a:lumOff val="50000"/>
-                  </a:schemeClr>
-                </a:solidFill>
-                <a:latin typeface="微软雅黑 Light" panose="020B0502040204020203" pitchFamily="34" charset="-122"/>
-                <a:ea typeface="微软雅黑 Light" panose="020B0502040204020203" pitchFamily="34" charset="-122"/>
-              </a:rPr>
-              <a:t> </a:t>
-            </a:r>
-            <a:r>
-              <a:rPr lang="en-GB" altLang="zh-CN" sz="1400" kern="0" dirty="0" err="1">
-                <a:solidFill>
-                  <a:schemeClr val="tx1">
-                    <a:lumMod val="50000"/>
-                    <a:lumOff val="50000"/>
-                  </a:schemeClr>
-                </a:solidFill>
-                <a:latin typeface="微软雅黑 Light" panose="020B0502040204020203" pitchFamily="34" charset="-122"/>
-                <a:ea typeface="微软雅黑 Light" panose="020B0502040204020203" pitchFamily="34" charset="-122"/>
-              </a:rPr>
-              <a:t>ut</a:t>
-            </a:r>
-            <a:r>
-              <a:rPr lang="en-GB" altLang="zh-CN" sz="1400" kern="0" dirty="0">
-                <a:solidFill>
-                  <a:schemeClr val="tx1">
-                    <a:lumMod val="50000"/>
-                    <a:lumOff val="50000"/>
-                  </a:schemeClr>
-                </a:solidFill>
-                <a:latin typeface="微软雅黑 Light" panose="020B0502040204020203" pitchFamily="34" charset="-122"/>
-                <a:ea typeface="微软雅黑 Light" panose="020B0502040204020203" pitchFamily="34" charset="-122"/>
-              </a:rPr>
-              <a:t> </a:t>
-            </a:r>
-            <a:r>
-              <a:rPr lang="en-GB" altLang="zh-CN" sz="1400" kern="0" dirty="0" err="1">
-                <a:solidFill>
-                  <a:schemeClr val="tx1">
-                    <a:lumMod val="50000"/>
-                    <a:lumOff val="50000"/>
-                  </a:schemeClr>
-                </a:solidFill>
-                <a:latin typeface="微软雅黑 Light" panose="020B0502040204020203" pitchFamily="34" charset="-122"/>
-                <a:ea typeface="微软雅黑 Light" panose="020B0502040204020203" pitchFamily="34" charset="-122"/>
-              </a:rPr>
-              <a:t>aliquip</a:t>
-            </a:r>
-            <a:r>
-              <a:rPr lang="en-GB" altLang="zh-CN" sz="1400" kern="0" dirty="0">
-                <a:solidFill>
-                  <a:schemeClr val="tx1">
-                    <a:lumMod val="50000"/>
-                    <a:lumOff val="50000"/>
-                  </a:schemeClr>
-                </a:solidFill>
-                <a:latin typeface="微软雅黑 Light" panose="020B0502040204020203" pitchFamily="34" charset="-122"/>
-                <a:ea typeface="微软雅黑 Light" panose="020B0502040204020203" pitchFamily="34" charset="-122"/>
-              </a:rPr>
-              <a:t> ex </a:t>
-            </a:r>
-            <a:r>
-              <a:rPr lang="en-GB" altLang="zh-CN" sz="1400" kern="0" dirty="0" err="1">
-                <a:solidFill>
-                  <a:schemeClr val="tx1">
-                    <a:lumMod val="50000"/>
-                    <a:lumOff val="50000"/>
-                  </a:schemeClr>
-                </a:solidFill>
-                <a:latin typeface="微软雅黑 Light" panose="020B0502040204020203" pitchFamily="34" charset="-122"/>
-                <a:ea typeface="微软雅黑 Light" panose="020B0502040204020203" pitchFamily="34" charset="-122"/>
-              </a:rPr>
-              <a:t>ea</a:t>
-            </a:r>
-            <a:r>
-              <a:rPr lang="en-GB" altLang="zh-CN" sz="1400" kern="0" dirty="0">
-                <a:solidFill>
-                  <a:schemeClr val="tx1">
-                    <a:lumMod val="50000"/>
-                    <a:lumOff val="50000"/>
-                  </a:schemeClr>
-                </a:solidFill>
-                <a:latin typeface="微软雅黑 Light" panose="020B0502040204020203" pitchFamily="34" charset="-122"/>
-                <a:ea typeface="微软雅黑 Light" panose="020B0502040204020203" pitchFamily="34" charset="-122"/>
-              </a:rPr>
-              <a:t> </a:t>
-            </a:r>
-            <a:r>
-              <a:rPr lang="en-GB" altLang="zh-CN" sz="1400" kern="0" dirty="0" err="1">
-                <a:solidFill>
-                  <a:schemeClr val="tx1">
-                    <a:lumMod val="50000"/>
-                    <a:lumOff val="50000"/>
-                  </a:schemeClr>
-                </a:solidFill>
-                <a:latin typeface="微软雅黑 Light" panose="020B0502040204020203" pitchFamily="34" charset="-122"/>
-                <a:ea typeface="微软雅黑 Light" panose="020B0502040204020203" pitchFamily="34" charset="-122"/>
-              </a:rPr>
-              <a:t>commodo</a:t>
-            </a:r>
-            <a:r>
-              <a:rPr lang="en-GB" altLang="zh-CN" sz="1400" kern="0" dirty="0">
-                <a:solidFill>
-                  <a:schemeClr val="tx1">
-                    <a:lumMod val="50000"/>
-                    <a:lumOff val="50000"/>
-                  </a:schemeClr>
-                </a:solidFill>
-                <a:latin typeface="微软雅黑 Light" panose="020B0502040204020203" pitchFamily="34" charset="-122"/>
-                <a:ea typeface="微软雅黑 Light" panose="020B0502040204020203" pitchFamily="34" charset="-122"/>
-              </a:rPr>
-              <a:t> </a:t>
-            </a:r>
-            <a:r>
-              <a:rPr lang="en-GB" altLang="zh-CN" sz="1400" kern="0" dirty="0" err="1">
-                <a:solidFill>
-                  <a:schemeClr val="tx1">
-                    <a:lumMod val="50000"/>
-                    <a:lumOff val="50000"/>
-                  </a:schemeClr>
-                </a:solidFill>
-                <a:latin typeface="微软雅黑 Light" panose="020B0502040204020203" pitchFamily="34" charset="-122"/>
-                <a:ea typeface="微软雅黑 Light" panose="020B0502040204020203" pitchFamily="34" charset="-122"/>
-              </a:rPr>
-              <a:t>consequat</a:t>
-            </a:r>
-            <a:r>
-              <a:rPr lang="en-GB" altLang="zh-CN" sz="1400" kern="0" dirty="0">
-                <a:solidFill>
-                  <a:schemeClr val="tx1">
-                    <a:lumMod val="50000"/>
-                    <a:lumOff val="50000"/>
-                  </a:schemeClr>
-                </a:solidFill>
-                <a:latin typeface="微软雅黑 Light" panose="020B0502040204020203" pitchFamily="34" charset="-122"/>
-                <a:ea typeface="微软雅黑 Light" panose="020B0502040204020203" pitchFamily="34" charset="-122"/>
-              </a:rPr>
-              <a:t>. </a:t>
-            </a:r>
-            <a:endParaRPr lang="en-GB" altLang="zh-CN" sz="1400" kern="0" dirty="0">
+            <a:endParaRPr lang="zh-CN" altLang="en-GB" sz="1400" kern="0" dirty="0">
               <a:solidFill>
                 <a:schemeClr val="tx1">
                   <a:lumMod val="50000"/>
@@ -11679,1626 +9295,6 @@
       </p:grpSpPr>
       <p:sp>
         <p:nvSpPr>
-          <p:cNvPr id="10" name="文本框 9"/>
-          <p:cNvSpPr txBox="1"/>
-          <p:nvPr/>
-        </p:nvSpPr>
-        <p:spPr>
-          <a:xfrm>
-            <a:off x="4963952" y="3017799"/>
-            <a:ext cx="3676661" cy="1077218"/>
-          </a:xfrm>
-          <a:prstGeom prst="rect">
-            <a:avLst/>
-          </a:prstGeom>
-          <a:noFill/>
-        </p:spPr>
-        <p:txBody>
-          <a:bodyPr wrap="square" rtlCol="0">
-            <a:spAutoFit/>
-          </a:bodyPr>
-          <a:lstStyle/>
-          <a:p>
-            <a:r>
-              <a:rPr lang="en-US" altLang="zh-CN" sz="3200" i="1" dirty="0">
-                <a:latin typeface="微软雅黑 Light" panose="020B0502040204020203" pitchFamily="34" charset="-122"/>
-                <a:ea typeface="微软雅黑 Light" panose="020B0502040204020203" pitchFamily="34" charset="-122"/>
-              </a:rPr>
-              <a:t>Add </a:t>
-            </a:r>
-            <a:r>
-              <a:rPr lang="en-US" altLang="zh-CN" sz="3200" i="1" dirty="0" err="1">
-                <a:latin typeface="微软雅黑 Light" panose="020B0502040204020203" pitchFamily="34" charset="-122"/>
-                <a:ea typeface="微软雅黑 Light" panose="020B0502040204020203" pitchFamily="34" charset="-122"/>
-              </a:rPr>
-              <a:t>sth</a:t>
-            </a:r>
-            <a:r>
-              <a:rPr lang="en-US" altLang="zh-CN" sz="3200" i="1" dirty="0">
-                <a:latin typeface="微软雅黑 Light" panose="020B0502040204020203" pitchFamily="34" charset="-122"/>
-                <a:ea typeface="微软雅黑 Light" panose="020B0502040204020203" pitchFamily="34" charset="-122"/>
-              </a:rPr>
-              <a:t> here and </a:t>
-            </a:r>
-            <a:r>
-              <a:rPr lang="en-US" altLang="zh-CN" sz="3200" b="1" i="1" dirty="0">
-                <a:solidFill>
-                  <a:srgbClr val="FF3F3F"/>
-                </a:solidFill>
-                <a:latin typeface="微软雅黑 Light" panose="020B0502040204020203" pitchFamily="34" charset="-122"/>
-                <a:ea typeface="微软雅黑 Light" panose="020B0502040204020203" pitchFamily="34" charset="-122"/>
-              </a:rPr>
-              <a:t>make it </a:t>
-            </a:r>
-            <a:r>
-              <a:rPr lang="en-US" altLang="zh-CN" sz="3200" i="1" dirty="0">
-                <a:latin typeface="微软雅黑 Light" panose="020B0502040204020203" pitchFamily="34" charset="-122"/>
-                <a:ea typeface="微软雅黑 Light" panose="020B0502040204020203" pitchFamily="34" charset="-122"/>
-              </a:rPr>
-              <a:t>like this</a:t>
-            </a:r>
-            <a:endParaRPr lang="en-US" altLang="zh-CN" sz="3200" i="1" dirty="0">
-              <a:latin typeface="微软雅黑 Light" panose="020B0502040204020203" pitchFamily="34" charset="-122"/>
-              <a:ea typeface="微软雅黑 Light" panose="020B0502040204020203" pitchFamily="34" charset="-122"/>
-            </a:endParaRPr>
-          </a:p>
-        </p:txBody>
-      </p:sp>
-      <p:sp>
-        <p:nvSpPr>
-          <p:cNvPr id="22" name="分点上正文"/>
-          <p:cNvSpPr/>
-          <p:nvPr/>
-        </p:nvSpPr>
-        <p:spPr>
-          <a:xfrm>
-            <a:off x="4963952" y="4680288"/>
-            <a:ext cx="5042423" cy="1708160"/>
-          </a:xfrm>
-          <a:prstGeom prst="rect">
-            <a:avLst/>
-          </a:prstGeom>
-        </p:spPr>
-        <p:txBody>
-          <a:bodyPr wrap="square">
-            <a:spAutoFit/>
-          </a:bodyPr>
-          <a:lstStyle/>
-          <a:p>
-            <a:pPr>
-              <a:lnSpc>
-                <a:spcPct val="150000"/>
-              </a:lnSpc>
-            </a:pPr>
-            <a:r>
-              <a:rPr lang="en-GB" altLang="zh-CN" sz="1400" kern="0" dirty="0">
-                <a:solidFill>
-                  <a:schemeClr val="tx1">
-                    <a:lumMod val="50000"/>
-                    <a:lumOff val="50000"/>
-                  </a:schemeClr>
-                </a:solidFill>
-                <a:latin typeface="微软雅黑 Light" panose="020B0502040204020203" pitchFamily="34" charset="-122"/>
-                <a:ea typeface="微软雅黑 Light" panose="020B0502040204020203" pitchFamily="34" charset="-122"/>
-              </a:rPr>
-              <a:t>Lorem ipsum </a:t>
-            </a:r>
-            <a:r>
-              <a:rPr lang="en-GB" altLang="zh-CN" sz="1400" kern="0" dirty="0" err="1">
-                <a:solidFill>
-                  <a:schemeClr val="tx1">
-                    <a:lumMod val="50000"/>
-                    <a:lumOff val="50000"/>
-                  </a:schemeClr>
-                </a:solidFill>
-                <a:latin typeface="微软雅黑 Light" panose="020B0502040204020203" pitchFamily="34" charset="-122"/>
-                <a:ea typeface="微软雅黑 Light" panose="020B0502040204020203" pitchFamily="34" charset="-122"/>
-              </a:rPr>
-              <a:t>dolor</a:t>
-            </a:r>
-            <a:r>
-              <a:rPr lang="en-GB" altLang="zh-CN" sz="1400" kern="0" dirty="0">
-                <a:solidFill>
-                  <a:schemeClr val="tx1">
-                    <a:lumMod val="50000"/>
-                    <a:lumOff val="50000"/>
-                  </a:schemeClr>
-                </a:solidFill>
-                <a:latin typeface="微软雅黑 Light" panose="020B0502040204020203" pitchFamily="34" charset="-122"/>
-                <a:ea typeface="微软雅黑 Light" panose="020B0502040204020203" pitchFamily="34" charset="-122"/>
-              </a:rPr>
-              <a:t> sit </a:t>
-            </a:r>
-            <a:r>
-              <a:rPr lang="en-GB" altLang="zh-CN" sz="1400" kern="0" dirty="0" err="1">
-                <a:solidFill>
-                  <a:schemeClr val="tx1">
-                    <a:lumMod val="50000"/>
-                    <a:lumOff val="50000"/>
-                  </a:schemeClr>
-                </a:solidFill>
-                <a:latin typeface="微软雅黑 Light" panose="020B0502040204020203" pitchFamily="34" charset="-122"/>
-                <a:ea typeface="微软雅黑 Light" panose="020B0502040204020203" pitchFamily="34" charset="-122"/>
-              </a:rPr>
-              <a:t>amet</a:t>
-            </a:r>
-            <a:r>
-              <a:rPr lang="en-GB" altLang="zh-CN" sz="1400" kern="0" dirty="0">
-                <a:solidFill>
-                  <a:schemeClr val="tx1">
-                    <a:lumMod val="50000"/>
-                    <a:lumOff val="50000"/>
-                  </a:schemeClr>
-                </a:solidFill>
-                <a:latin typeface="微软雅黑 Light" panose="020B0502040204020203" pitchFamily="34" charset="-122"/>
-                <a:ea typeface="微软雅黑 Light" panose="020B0502040204020203" pitchFamily="34" charset="-122"/>
-              </a:rPr>
-              <a:t>, </a:t>
-            </a:r>
-            <a:r>
-              <a:rPr lang="en-GB" altLang="zh-CN" sz="1400" kern="0" dirty="0" err="1">
-                <a:solidFill>
-                  <a:schemeClr val="tx1">
-                    <a:lumMod val="50000"/>
-                    <a:lumOff val="50000"/>
-                  </a:schemeClr>
-                </a:solidFill>
-                <a:latin typeface="微软雅黑 Light" panose="020B0502040204020203" pitchFamily="34" charset="-122"/>
-                <a:ea typeface="微软雅黑 Light" panose="020B0502040204020203" pitchFamily="34" charset="-122"/>
-              </a:rPr>
-              <a:t>consectetuer</a:t>
-            </a:r>
-            <a:r>
-              <a:rPr lang="en-GB" altLang="zh-CN" sz="1400" kern="0" dirty="0">
-                <a:solidFill>
-                  <a:schemeClr val="tx1">
-                    <a:lumMod val="50000"/>
-                    <a:lumOff val="50000"/>
-                  </a:schemeClr>
-                </a:solidFill>
-                <a:latin typeface="微软雅黑 Light" panose="020B0502040204020203" pitchFamily="34" charset="-122"/>
-                <a:ea typeface="微软雅黑 Light" panose="020B0502040204020203" pitchFamily="34" charset="-122"/>
-              </a:rPr>
-              <a:t> </a:t>
-            </a:r>
-            <a:r>
-              <a:rPr lang="en-GB" altLang="zh-CN" sz="1400" kern="0" dirty="0" err="1">
-                <a:solidFill>
-                  <a:schemeClr val="tx1">
-                    <a:lumMod val="50000"/>
-                    <a:lumOff val="50000"/>
-                  </a:schemeClr>
-                </a:solidFill>
-                <a:latin typeface="微软雅黑 Light" panose="020B0502040204020203" pitchFamily="34" charset="-122"/>
-                <a:ea typeface="微软雅黑 Light" panose="020B0502040204020203" pitchFamily="34" charset="-122"/>
-              </a:rPr>
-              <a:t>adipiscing</a:t>
-            </a:r>
-            <a:r>
-              <a:rPr lang="en-GB" altLang="zh-CN" sz="1400" kern="0" dirty="0">
-                <a:solidFill>
-                  <a:schemeClr val="tx1">
-                    <a:lumMod val="50000"/>
-                    <a:lumOff val="50000"/>
-                  </a:schemeClr>
-                </a:solidFill>
-                <a:latin typeface="微软雅黑 Light" panose="020B0502040204020203" pitchFamily="34" charset="-122"/>
-                <a:ea typeface="微软雅黑 Light" panose="020B0502040204020203" pitchFamily="34" charset="-122"/>
-              </a:rPr>
-              <a:t> </a:t>
-            </a:r>
-            <a:r>
-              <a:rPr lang="en-GB" altLang="zh-CN" sz="1400" kern="0" dirty="0" err="1">
-                <a:solidFill>
-                  <a:schemeClr val="tx1">
-                    <a:lumMod val="50000"/>
-                    <a:lumOff val="50000"/>
-                  </a:schemeClr>
-                </a:solidFill>
-                <a:latin typeface="微软雅黑 Light" panose="020B0502040204020203" pitchFamily="34" charset="-122"/>
-                <a:ea typeface="微软雅黑 Light" panose="020B0502040204020203" pitchFamily="34" charset="-122"/>
-              </a:rPr>
-              <a:t>elit</a:t>
-            </a:r>
-            <a:r>
-              <a:rPr lang="en-GB" altLang="zh-CN" sz="1400" kern="0" dirty="0">
-                <a:solidFill>
-                  <a:schemeClr val="tx1">
-                    <a:lumMod val="50000"/>
-                    <a:lumOff val="50000"/>
-                  </a:schemeClr>
-                </a:solidFill>
-                <a:latin typeface="微软雅黑 Light" panose="020B0502040204020203" pitchFamily="34" charset="-122"/>
-                <a:ea typeface="微软雅黑 Light" panose="020B0502040204020203" pitchFamily="34" charset="-122"/>
-              </a:rPr>
-              <a:t>, </a:t>
-            </a:r>
-            <a:r>
-              <a:rPr lang="en-GB" altLang="zh-CN" sz="1400" kern="0" dirty="0" err="1">
-                <a:solidFill>
-                  <a:schemeClr val="tx1">
-                    <a:lumMod val="50000"/>
-                    <a:lumOff val="50000"/>
-                  </a:schemeClr>
-                </a:solidFill>
-                <a:latin typeface="微软雅黑 Light" panose="020B0502040204020203" pitchFamily="34" charset="-122"/>
-                <a:ea typeface="微软雅黑 Light" panose="020B0502040204020203" pitchFamily="34" charset="-122"/>
-              </a:rPr>
-              <a:t>sed</a:t>
-            </a:r>
-            <a:r>
-              <a:rPr lang="en-GB" altLang="zh-CN" sz="1400" kern="0" dirty="0">
-                <a:solidFill>
-                  <a:schemeClr val="tx1">
-                    <a:lumMod val="50000"/>
-                    <a:lumOff val="50000"/>
-                  </a:schemeClr>
-                </a:solidFill>
-                <a:latin typeface="微软雅黑 Light" panose="020B0502040204020203" pitchFamily="34" charset="-122"/>
-                <a:ea typeface="微软雅黑 Light" panose="020B0502040204020203" pitchFamily="34" charset="-122"/>
-              </a:rPr>
-              <a:t> </a:t>
-            </a:r>
-            <a:r>
-              <a:rPr lang="en-GB" altLang="zh-CN" sz="1400" kern="0" dirty="0" err="1">
-                <a:solidFill>
-                  <a:schemeClr val="tx1">
-                    <a:lumMod val="50000"/>
-                    <a:lumOff val="50000"/>
-                  </a:schemeClr>
-                </a:solidFill>
-                <a:latin typeface="微软雅黑 Light" panose="020B0502040204020203" pitchFamily="34" charset="-122"/>
-                <a:ea typeface="微软雅黑 Light" panose="020B0502040204020203" pitchFamily="34" charset="-122"/>
-              </a:rPr>
-              <a:t>diam</a:t>
-            </a:r>
-            <a:r>
-              <a:rPr lang="en-GB" altLang="zh-CN" sz="1400" kern="0" dirty="0">
-                <a:solidFill>
-                  <a:schemeClr val="tx1">
-                    <a:lumMod val="50000"/>
-                    <a:lumOff val="50000"/>
-                  </a:schemeClr>
-                </a:solidFill>
-                <a:latin typeface="微软雅黑 Light" panose="020B0502040204020203" pitchFamily="34" charset="-122"/>
-                <a:ea typeface="微软雅黑 Light" panose="020B0502040204020203" pitchFamily="34" charset="-122"/>
-              </a:rPr>
-              <a:t> </a:t>
-            </a:r>
-            <a:r>
-              <a:rPr lang="en-GB" altLang="zh-CN" sz="1400" kern="0" dirty="0" err="1">
-                <a:solidFill>
-                  <a:schemeClr val="tx1">
-                    <a:lumMod val="50000"/>
-                    <a:lumOff val="50000"/>
-                  </a:schemeClr>
-                </a:solidFill>
-                <a:latin typeface="微软雅黑 Light" panose="020B0502040204020203" pitchFamily="34" charset="-122"/>
-                <a:ea typeface="微软雅黑 Light" panose="020B0502040204020203" pitchFamily="34" charset="-122"/>
-              </a:rPr>
-              <a:t>nonummy</a:t>
-            </a:r>
-            <a:r>
-              <a:rPr lang="en-GB" altLang="zh-CN" sz="1400" kern="0" dirty="0">
-                <a:solidFill>
-                  <a:schemeClr val="tx1">
-                    <a:lumMod val="50000"/>
-                    <a:lumOff val="50000"/>
-                  </a:schemeClr>
-                </a:solidFill>
-                <a:latin typeface="微软雅黑 Light" panose="020B0502040204020203" pitchFamily="34" charset="-122"/>
-                <a:ea typeface="微软雅黑 Light" panose="020B0502040204020203" pitchFamily="34" charset="-122"/>
-              </a:rPr>
-              <a:t> </a:t>
-            </a:r>
-            <a:r>
-              <a:rPr lang="en-GB" altLang="zh-CN" sz="1400" kern="0" dirty="0" err="1">
-                <a:solidFill>
-                  <a:schemeClr val="tx1">
-                    <a:lumMod val="50000"/>
-                    <a:lumOff val="50000"/>
-                  </a:schemeClr>
-                </a:solidFill>
-                <a:latin typeface="微软雅黑 Light" panose="020B0502040204020203" pitchFamily="34" charset="-122"/>
-                <a:ea typeface="微软雅黑 Light" panose="020B0502040204020203" pitchFamily="34" charset="-122"/>
-              </a:rPr>
-              <a:t>nibh</a:t>
-            </a:r>
-            <a:r>
-              <a:rPr lang="en-GB" altLang="zh-CN" sz="1400" kern="0" dirty="0">
-                <a:solidFill>
-                  <a:schemeClr val="tx1">
-                    <a:lumMod val="50000"/>
-                    <a:lumOff val="50000"/>
-                  </a:schemeClr>
-                </a:solidFill>
-                <a:latin typeface="微软雅黑 Light" panose="020B0502040204020203" pitchFamily="34" charset="-122"/>
-                <a:ea typeface="微软雅黑 Light" panose="020B0502040204020203" pitchFamily="34" charset="-122"/>
-              </a:rPr>
-              <a:t> </a:t>
-            </a:r>
-            <a:r>
-              <a:rPr lang="en-GB" altLang="zh-CN" sz="1400" kern="0" dirty="0" err="1">
-                <a:solidFill>
-                  <a:schemeClr val="tx1">
-                    <a:lumMod val="50000"/>
-                    <a:lumOff val="50000"/>
-                  </a:schemeClr>
-                </a:solidFill>
-                <a:latin typeface="微软雅黑 Light" panose="020B0502040204020203" pitchFamily="34" charset="-122"/>
-                <a:ea typeface="微软雅黑 Light" panose="020B0502040204020203" pitchFamily="34" charset="-122"/>
-              </a:rPr>
-              <a:t>euismod</a:t>
-            </a:r>
-            <a:r>
-              <a:rPr lang="en-GB" altLang="zh-CN" sz="1400" kern="0" dirty="0">
-                <a:solidFill>
-                  <a:schemeClr val="tx1">
-                    <a:lumMod val="50000"/>
-                    <a:lumOff val="50000"/>
-                  </a:schemeClr>
-                </a:solidFill>
-                <a:latin typeface="微软雅黑 Light" panose="020B0502040204020203" pitchFamily="34" charset="-122"/>
-                <a:ea typeface="微软雅黑 Light" panose="020B0502040204020203" pitchFamily="34" charset="-122"/>
-              </a:rPr>
-              <a:t> </a:t>
-            </a:r>
-            <a:r>
-              <a:rPr lang="en-GB" altLang="zh-CN" sz="1400" kern="0" dirty="0" err="1">
-                <a:solidFill>
-                  <a:schemeClr val="tx1">
-                    <a:lumMod val="50000"/>
-                    <a:lumOff val="50000"/>
-                  </a:schemeClr>
-                </a:solidFill>
-                <a:latin typeface="微软雅黑 Light" panose="020B0502040204020203" pitchFamily="34" charset="-122"/>
-                <a:ea typeface="微软雅黑 Light" panose="020B0502040204020203" pitchFamily="34" charset="-122"/>
-              </a:rPr>
-              <a:t>tincidunt</a:t>
-            </a:r>
-            <a:r>
-              <a:rPr lang="en-GB" altLang="zh-CN" sz="1400" kern="0" dirty="0">
-                <a:solidFill>
-                  <a:schemeClr val="tx1">
-                    <a:lumMod val="50000"/>
-                    <a:lumOff val="50000"/>
-                  </a:schemeClr>
-                </a:solidFill>
-                <a:latin typeface="微软雅黑 Light" panose="020B0502040204020203" pitchFamily="34" charset="-122"/>
-                <a:ea typeface="微软雅黑 Light" panose="020B0502040204020203" pitchFamily="34" charset="-122"/>
-              </a:rPr>
-              <a:t> </a:t>
-            </a:r>
-            <a:r>
-              <a:rPr lang="en-GB" altLang="zh-CN" sz="1400" kern="0" dirty="0" err="1">
-                <a:solidFill>
-                  <a:schemeClr val="tx1">
-                    <a:lumMod val="50000"/>
-                    <a:lumOff val="50000"/>
-                  </a:schemeClr>
-                </a:solidFill>
-                <a:latin typeface="微软雅黑 Light" panose="020B0502040204020203" pitchFamily="34" charset="-122"/>
-                <a:ea typeface="微软雅黑 Light" panose="020B0502040204020203" pitchFamily="34" charset="-122"/>
-              </a:rPr>
-              <a:t>ut</a:t>
-            </a:r>
-            <a:r>
-              <a:rPr lang="en-GB" altLang="zh-CN" sz="1400" kern="0" dirty="0">
-                <a:solidFill>
-                  <a:schemeClr val="tx1">
-                    <a:lumMod val="50000"/>
-                    <a:lumOff val="50000"/>
-                  </a:schemeClr>
-                </a:solidFill>
-                <a:latin typeface="微软雅黑 Light" panose="020B0502040204020203" pitchFamily="34" charset="-122"/>
-                <a:ea typeface="微软雅黑 Light" panose="020B0502040204020203" pitchFamily="34" charset="-122"/>
-              </a:rPr>
-              <a:t> </a:t>
-            </a:r>
-            <a:r>
-              <a:rPr lang="en-GB" altLang="zh-CN" sz="1400" kern="0" dirty="0" err="1">
-                <a:solidFill>
-                  <a:schemeClr val="tx1">
-                    <a:lumMod val="50000"/>
-                    <a:lumOff val="50000"/>
-                  </a:schemeClr>
-                </a:solidFill>
-                <a:latin typeface="微软雅黑 Light" panose="020B0502040204020203" pitchFamily="34" charset="-122"/>
-                <a:ea typeface="微软雅黑 Light" panose="020B0502040204020203" pitchFamily="34" charset="-122"/>
-              </a:rPr>
-              <a:t>laoreet</a:t>
-            </a:r>
-            <a:r>
-              <a:rPr lang="en-GB" altLang="zh-CN" sz="1400" kern="0" dirty="0">
-                <a:solidFill>
-                  <a:schemeClr val="tx1">
-                    <a:lumMod val="50000"/>
-                    <a:lumOff val="50000"/>
-                  </a:schemeClr>
-                </a:solidFill>
-                <a:latin typeface="微软雅黑 Light" panose="020B0502040204020203" pitchFamily="34" charset="-122"/>
-                <a:ea typeface="微软雅黑 Light" panose="020B0502040204020203" pitchFamily="34" charset="-122"/>
-              </a:rPr>
-              <a:t> </a:t>
-            </a:r>
-            <a:r>
-              <a:rPr lang="en-GB" altLang="zh-CN" sz="1400" kern="0" dirty="0" err="1">
-                <a:solidFill>
-                  <a:schemeClr val="tx1">
-                    <a:lumMod val="50000"/>
-                    <a:lumOff val="50000"/>
-                  </a:schemeClr>
-                </a:solidFill>
-                <a:latin typeface="微软雅黑 Light" panose="020B0502040204020203" pitchFamily="34" charset="-122"/>
-                <a:ea typeface="微软雅黑 Light" panose="020B0502040204020203" pitchFamily="34" charset="-122"/>
-              </a:rPr>
-              <a:t>dolore</a:t>
-            </a:r>
-            <a:r>
-              <a:rPr lang="en-GB" altLang="zh-CN" sz="1400" kern="0" dirty="0">
-                <a:solidFill>
-                  <a:schemeClr val="tx1">
-                    <a:lumMod val="50000"/>
-                    <a:lumOff val="50000"/>
-                  </a:schemeClr>
-                </a:solidFill>
-                <a:latin typeface="微软雅黑 Light" panose="020B0502040204020203" pitchFamily="34" charset="-122"/>
-                <a:ea typeface="微软雅黑 Light" panose="020B0502040204020203" pitchFamily="34" charset="-122"/>
-              </a:rPr>
-              <a:t> magna </a:t>
-            </a:r>
-            <a:r>
-              <a:rPr lang="en-GB" altLang="zh-CN" sz="1400" kern="0" dirty="0" err="1">
-                <a:solidFill>
-                  <a:schemeClr val="tx1">
-                    <a:lumMod val="50000"/>
-                    <a:lumOff val="50000"/>
-                  </a:schemeClr>
-                </a:solidFill>
-                <a:latin typeface="微软雅黑 Light" panose="020B0502040204020203" pitchFamily="34" charset="-122"/>
-                <a:ea typeface="微软雅黑 Light" panose="020B0502040204020203" pitchFamily="34" charset="-122"/>
-              </a:rPr>
-              <a:t>aliquam</a:t>
-            </a:r>
-            <a:r>
-              <a:rPr lang="en-GB" altLang="zh-CN" sz="1400" kern="0" dirty="0">
-                <a:solidFill>
-                  <a:schemeClr val="tx1">
-                    <a:lumMod val="50000"/>
-                    <a:lumOff val="50000"/>
-                  </a:schemeClr>
-                </a:solidFill>
-                <a:latin typeface="微软雅黑 Light" panose="020B0502040204020203" pitchFamily="34" charset="-122"/>
-                <a:ea typeface="微软雅黑 Light" panose="020B0502040204020203" pitchFamily="34" charset="-122"/>
-              </a:rPr>
-              <a:t> </a:t>
-            </a:r>
-            <a:r>
-              <a:rPr lang="en-GB" altLang="zh-CN" sz="1400" kern="0" dirty="0" err="1">
-                <a:solidFill>
-                  <a:schemeClr val="tx1">
-                    <a:lumMod val="50000"/>
-                    <a:lumOff val="50000"/>
-                  </a:schemeClr>
-                </a:solidFill>
-                <a:latin typeface="微软雅黑 Light" panose="020B0502040204020203" pitchFamily="34" charset="-122"/>
-                <a:ea typeface="微软雅黑 Light" panose="020B0502040204020203" pitchFamily="34" charset="-122"/>
-              </a:rPr>
-              <a:t>erat</a:t>
-            </a:r>
-            <a:r>
-              <a:rPr lang="en-GB" altLang="zh-CN" sz="1400" kern="0" dirty="0">
-                <a:solidFill>
-                  <a:schemeClr val="tx1">
-                    <a:lumMod val="50000"/>
-                    <a:lumOff val="50000"/>
-                  </a:schemeClr>
-                </a:solidFill>
-                <a:latin typeface="微软雅黑 Light" panose="020B0502040204020203" pitchFamily="34" charset="-122"/>
-                <a:ea typeface="微软雅黑 Light" panose="020B0502040204020203" pitchFamily="34" charset="-122"/>
-              </a:rPr>
-              <a:t> </a:t>
-            </a:r>
-            <a:r>
-              <a:rPr lang="en-GB" altLang="zh-CN" sz="1400" kern="0" dirty="0" err="1">
-                <a:solidFill>
-                  <a:schemeClr val="tx1">
-                    <a:lumMod val="50000"/>
-                    <a:lumOff val="50000"/>
-                  </a:schemeClr>
-                </a:solidFill>
-                <a:latin typeface="微软雅黑 Light" panose="020B0502040204020203" pitchFamily="34" charset="-122"/>
-                <a:ea typeface="微软雅黑 Light" panose="020B0502040204020203" pitchFamily="34" charset="-122"/>
-              </a:rPr>
-              <a:t>volutpat</a:t>
-            </a:r>
-            <a:r>
-              <a:rPr lang="en-GB" altLang="zh-CN" sz="1400" kern="0" dirty="0">
-                <a:solidFill>
-                  <a:schemeClr val="tx1">
-                    <a:lumMod val="50000"/>
-                    <a:lumOff val="50000"/>
-                  </a:schemeClr>
-                </a:solidFill>
-                <a:latin typeface="微软雅黑 Light" panose="020B0502040204020203" pitchFamily="34" charset="-122"/>
-                <a:ea typeface="微软雅黑 Light" panose="020B0502040204020203" pitchFamily="34" charset="-122"/>
-              </a:rPr>
-              <a:t>. </a:t>
-            </a:r>
-            <a:r>
-              <a:rPr lang="en-GB" altLang="zh-CN" sz="1400" kern="0" dirty="0" err="1">
-                <a:solidFill>
-                  <a:schemeClr val="tx1">
-                    <a:lumMod val="50000"/>
-                    <a:lumOff val="50000"/>
-                  </a:schemeClr>
-                </a:solidFill>
-                <a:latin typeface="微软雅黑 Light" panose="020B0502040204020203" pitchFamily="34" charset="-122"/>
-                <a:ea typeface="微软雅黑 Light" panose="020B0502040204020203" pitchFamily="34" charset="-122"/>
-              </a:rPr>
-              <a:t>Ut</a:t>
-            </a:r>
-            <a:r>
-              <a:rPr lang="en-GB" altLang="zh-CN" sz="1400" kern="0" dirty="0">
-                <a:solidFill>
-                  <a:schemeClr val="tx1">
-                    <a:lumMod val="50000"/>
-                    <a:lumOff val="50000"/>
-                  </a:schemeClr>
-                </a:solidFill>
-                <a:latin typeface="微软雅黑 Light" panose="020B0502040204020203" pitchFamily="34" charset="-122"/>
-                <a:ea typeface="微软雅黑 Light" panose="020B0502040204020203" pitchFamily="34" charset="-122"/>
-              </a:rPr>
-              <a:t> </a:t>
-            </a:r>
-            <a:r>
-              <a:rPr lang="en-GB" altLang="zh-CN" sz="1400" kern="0" dirty="0" err="1">
-                <a:solidFill>
-                  <a:schemeClr val="tx1">
-                    <a:lumMod val="50000"/>
-                    <a:lumOff val="50000"/>
-                  </a:schemeClr>
-                </a:solidFill>
-                <a:latin typeface="微软雅黑 Light" panose="020B0502040204020203" pitchFamily="34" charset="-122"/>
-                <a:ea typeface="微软雅黑 Light" panose="020B0502040204020203" pitchFamily="34" charset="-122"/>
-              </a:rPr>
-              <a:t>wisi</a:t>
-            </a:r>
-            <a:r>
-              <a:rPr lang="en-GB" altLang="zh-CN" sz="1400" kern="0" dirty="0">
-                <a:solidFill>
-                  <a:schemeClr val="tx1">
-                    <a:lumMod val="50000"/>
-                    <a:lumOff val="50000"/>
-                  </a:schemeClr>
-                </a:solidFill>
-                <a:latin typeface="微软雅黑 Light" panose="020B0502040204020203" pitchFamily="34" charset="-122"/>
-                <a:ea typeface="微软雅黑 Light" panose="020B0502040204020203" pitchFamily="34" charset="-122"/>
-              </a:rPr>
-              <a:t> </a:t>
-            </a:r>
-            <a:r>
-              <a:rPr lang="en-GB" altLang="zh-CN" sz="1400" kern="0" dirty="0" err="1">
-                <a:solidFill>
-                  <a:schemeClr val="tx1">
-                    <a:lumMod val="50000"/>
-                    <a:lumOff val="50000"/>
-                  </a:schemeClr>
-                </a:solidFill>
-                <a:latin typeface="微软雅黑 Light" panose="020B0502040204020203" pitchFamily="34" charset="-122"/>
-                <a:ea typeface="微软雅黑 Light" panose="020B0502040204020203" pitchFamily="34" charset="-122"/>
-              </a:rPr>
-              <a:t>enim</a:t>
-            </a:r>
-            <a:r>
-              <a:rPr lang="en-GB" altLang="zh-CN" sz="1400" kern="0" dirty="0">
-                <a:solidFill>
-                  <a:schemeClr val="tx1">
-                    <a:lumMod val="50000"/>
-                    <a:lumOff val="50000"/>
-                  </a:schemeClr>
-                </a:solidFill>
-                <a:latin typeface="微软雅黑 Light" panose="020B0502040204020203" pitchFamily="34" charset="-122"/>
-                <a:ea typeface="微软雅黑 Light" panose="020B0502040204020203" pitchFamily="34" charset="-122"/>
-              </a:rPr>
-              <a:t> ad minim </a:t>
-            </a:r>
-            <a:r>
-              <a:rPr lang="en-GB" altLang="zh-CN" sz="1400" kern="0" dirty="0" err="1">
-                <a:solidFill>
-                  <a:schemeClr val="tx1">
-                    <a:lumMod val="50000"/>
-                    <a:lumOff val="50000"/>
-                  </a:schemeClr>
-                </a:solidFill>
-                <a:latin typeface="微软雅黑 Light" panose="020B0502040204020203" pitchFamily="34" charset="-122"/>
-                <a:ea typeface="微软雅黑 Light" panose="020B0502040204020203" pitchFamily="34" charset="-122"/>
-              </a:rPr>
-              <a:t>veniam</a:t>
-            </a:r>
-            <a:r>
-              <a:rPr lang="en-GB" altLang="zh-CN" sz="1400" kern="0" dirty="0">
-                <a:solidFill>
-                  <a:schemeClr val="tx1">
-                    <a:lumMod val="50000"/>
-                    <a:lumOff val="50000"/>
-                  </a:schemeClr>
-                </a:solidFill>
-                <a:latin typeface="微软雅黑 Light" panose="020B0502040204020203" pitchFamily="34" charset="-122"/>
-                <a:ea typeface="微软雅黑 Light" panose="020B0502040204020203" pitchFamily="34" charset="-122"/>
-              </a:rPr>
-              <a:t>, </a:t>
-            </a:r>
-            <a:r>
-              <a:rPr lang="en-GB" altLang="zh-CN" sz="1400" kern="0" dirty="0" err="1">
-                <a:solidFill>
-                  <a:schemeClr val="tx1">
-                    <a:lumMod val="50000"/>
-                    <a:lumOff val="50000"/>
-                  </a:schemeClr>
-                </a:solidFill>
-                <a:latin typeface="微软雅黑 Light" panose="020B0502040204020203" pitchFamily="34" charset="-122"/>
-                <a:ea typeface="微软雅黑 Light" panose="020B0502040204020203" pitchFamily="34" charset="-122"/>
-              </a:rPr>
-              <a:t>quis</a:t>
-            </a:r>
-            <a:r>
-              <a:rPr lang="en-GB" altLang="zh-CN" sz="1400" kern="0" dirty="0">
-                <a:solidFill>
-                  <a:schemeClr val="tx1">
-                    <a:lumMod val="50000"/>
-                    <a:lumOff val="50000"/>
-                  </a:schemeClr>
-                </a:solidFill>
-                <a:latin typeface="微软雅黑 Light" panose="020B0502040204020203" pitchFamily="34" charset="-122"/>
-                <a:ea typeface="微软雅黑 Light" panose="020B0502040204020203" pitchFamily="34" charset="-122"/>
-              </a:rPr>
-              <a:t> </a:t>
-            </a:r>
-            <a:r>
-              <a:rPr lang="en-GB" altLang="zh-CN" sz="1400" kern="0" dirty="0" err="1">
-                <a:solidFill>
-                  <a:schemeClr val="tx1">
-                    <a:lumMod val="50000"/>
-                    <a:lumOff val="50000"/>
-                  </a:schemeClr>
-                </a:solidFill>
-                <a:latin typeface="微软雅黑 Light" panose="020B0502040204020203" pitchFamily="34" charset="-122"/>
-                <a:ea typeface="微软雅黑 Light" panose="020B0502040204020203" pitchFamily="34" charset="-122"/>
-              </a:rPr>
-              <a:t>nostrud</a:t>
-            </a:r>
-            <a:r>
-              <a:rPr lang="en-GB" altLang="zh-CN" sz="1400" kern="0" dirty="0">
-                <a:solidFill>
-                  <a:schemeClr val="tx1">
-                    <a:lumMod val="50000"/>
-                    <a:lumOff val="50000"/>
-                  </a:schemeClr>
-                </a:solidFill>
-                <a:latin typeface="微软雅黑 Light" panose="020B0502040204020203" pitchFamily="34" charset="-122"/>
-                <a:ea typeface="微软雅黑 Light" panose="020B0502040204020203" pitchFamily="34" charset="-122"/>
-              </a:rPr>
-              <a:t> </a:t>
-            </a:r>
-            <a:r>
-              <a:rPr lang="en-GB" altLang="zh-CN" sz="1400" kern="0" dirty="0" err="1">
-                <a:solidFill>
-                  <a:schemeClr val="tx1">
-                    <a:lumMod val="50000"/>
-                    <a:lumOff val="50000"/>
-                  </a:schemeClr>
-                </a:solidFill>
-                <a:latin typeface="微软雅黑 Light" panose="020B0502040204020203" pitchFamily="34" charset="-122"/>
-                <a:ea typeface="微软雅黑 Light" panose="020B0502040204020203" pitchFamily="34" charset="-122"/>
-              </a:rPr>
-              <a:t>exerci</a:t>
-            </a:r>
-            <a:r>
-              <a:rPr lang="en-GB" altLang="zh-CN" sz="1400" kern="0" dirty="0">
-                <a:solidFill>
-                  <a:schemeClr val="tx1">
-                    <a:lumMod val="50000"/>
-                    <a:lumOff val="50000"/>
-                  </a:schemeClr>
-                </a:solidFill>
-                <a:latin typeface="微软雅黑 Light" panose="020B0502040204020203" pitchFamily="34" charset="-122"/>
-                <a:ea typeface="微软雅黑 Light" panose="020B0502040204020203" pitchFamily="34" charset="-122"/>
-              </a:rPr>
-              <a:t> </a:t>
-            </a:r>
-            <a:r>
-              <a:rPr lang="en-GB" altLang="zh-CN" sz="1400" kern="0" dirty="0" err="1">
-                <a:solidFill>
-                  <a:schemeClr val="tx1">
-                    <a:lumMod val="50000"/>
-                    <a:lumOff val="50000"/>
-                  </a:schemeClr>
-                </a:solidFill>
-                <a:latin typeface="微软雅黑 Light" panose="020B0502040204020203" pitchFamily="34" charset="-122"/>
-                <a:ea typeface="微软雅黑 Light" panose="020B0502040204020203" pitchFamily="34" charset="-122"/>
-              </a:rPr>
-              <a:t>tation</a:t>
-            </a:r>
-            <a:r>
-              <a:rPr lang="en-GB" altLang="zh-CN" sz="1400" kern="0" dirty="0">
-                <a:solidFill>
-                  <a:schemeClr val="tx1">
-                    <a:lumMod val="50000"/>
-                    <a:lumOff val="50000"/>
-                  </a:schemeClr>
-                </a:solidFill>
-                <a:latin typeface="微软雅黑 Light" panose="020B0502040204020203" pitchFamily="34" charset="-122"/>
-                <a:ea typeface="微软雅黑 Light" panose="020B0502040204020203" pitchFamily="34" charset="-122"/>
-              </a:rPr>
-              <a:t> </a:t>
-            </a:r>
-            <a:r>
-              <a:rPr lang="en-GB" altLang="zh-CN" sz="1400" kern="0" dirty="0" err="1">
-                <a:solidFill>
-                  <a:schemeClr val="tx1">
-                    <a:lumMod val="50000"/>
-                    <a:lumOff val="50000"/>
-                  </a:schemeClr>
-                </a:solidFill>
-                <a:latin typeface="微软雅黑 Light" panose="020B0502040204020203" pitchFamily="34" charset="-122"/>
-                <a:ea typeface="微软雅黑 Light" panose="020B0502040204020203" pitchFamily="34" charset="-122"/>
-              </a:rPr>
-              <a:t>ullamcorper</a:t>
-            </a:r>
-            <a:r>
-              <a:rPr lang="en-GB" altLang="zh-CN" sz="1400" kern="0" dirty="0">
-                <a:solidFill>
-                  <a:schemeClr val="tx1">
-                    <a:lumMod val="50000"/>
-                    <a:lumOff val="50000"/>
-                  </a:schemeClr>
-                </a:solidFill>
-                <a:latin typeface="微软雅黑 Light" panose="020B0502040204020203" pitchFamily="34" charset="-122"/>
-                <a:ea typeface="微软雅黑 Light" panose="020B0502040204020203" pitchFamily="34" charset="-122"/>
-              </a:rPr>
-              <a:t> </a:t>
-            </a:r>
-            <a:r>
-              <a:rPr lang="en-GB" altLang="zh-CN" sz="1400" kern="0" dirty="0" err="1">
-                <a:solidFill>
-                  <a:schemeClr val="tx1">
-                    <a:lumMod val="50000"/>
-                    <a:lumOff val="50000"/>
-                  </a:schemeClr>
-                </a:solidFill>
-                <a:latin typeface="微软雅黑 Light" panose="020B0502040204020203" pitchFamily="34" charset="-122"/>
-                <a:ea typeface="微软雅黑 Light" panose="020B0502040204020203" pitchFamily="34" charset="-122"/>
-              </a:rPr>
-              <a:t>suscipit</a:t>
-            </a:r>
-            <a:r>
-              <a:rPr lang="en-GB" altLang="zh-CN" sz="1400" kern="0" dirty="0">
-                <a:solidFill>
-                  <a:schemeClr val="tx1">
-                    <a:lumMod val="50000"/>
-                    <a:lumOff val="50000"/>
-                  </a:schemeClr>
-                </a:solidFill>
-                <a:latin typeface="微软雅黑 Light" panose="020B0502040204020203" pitchFamily="34" charset="-122"/>
-                <a:ea typeface="微软雅黑 Light" panose="020B0502040204020203" pitchFamily="34" charset="-122"/>
-              </a:rPr>
-              <a:t> </a:t>
-            </a:r>
-            <a:r>
-              <a:rPr lang="en-GB" altLang="zh-CN" sz="1400" kern="0" dirty="0" err="1">
-                <a:solidFill>
-                  <a:schemeClr val="tx1">
-                    <a:lumMod val="50000"/>
-                    <a:lumOff val="50000"/>
-                  </a:schemeClr>
-                </a:solidFill>
-                <a:latin typeface="微软雅黑 Light" panose="020B0502040204020203" pitchFamily="34" charset="-122"/>
-                <a:ea typeface="微软雅黑 Light" panose="020B0502040204020203" pitchFamily="34" charset="-122"/>
-              </a:rPr>
-              <a:t>lobortis</a:t>
-            </a:r>
-            <a:r>
-              <a:rPr lang="en-GB" altLang="zh-CN" sz="1400" kern="0" dirty="0">
-                <a:solidFill>
-                  <a:schemeClr val="tx1">
-                    <a:lumMod val="50000"/>
-                    <a:lumOff val="50000"/>
-                  </a:schemeClr>
-                </a:solidFill>
-                <a:latin typeface="微软雅黑 Light" panose="020B0502040204020203" pitchFamily="34" charset="-122"/>
-                <a:ea typeface="微软雅黑 Light" panose="020B0502040204020203" pitchFamily="34" charset="-122"/>
-              </a:rPr>
-              <a:t> </a:t>
-            </a:r>
-            <a:r>
-              <a:rPr lang="en-GB" altLang="zh-CN" sz="1400" kern="0" dirty="0" err="1">
-                <a:solidFill>
-                  <a:schemeClr val="tx1">
-                    <a:lumMod val="50000"/>
-                    <a:lumOff val="50000"/>
-                  </a:schemeClr>
-                </a:solidFill>
-                <a:latin typeface="微软雅黑 Light" panose="020B0502040204020203" pitchFamily="34" charset="-122"/>
-                <a:ea typeface="微软雅黑 Light" panose="020B0502040204020203" pitchFamily="34" charset="-122"/>
-              </a:rPr>
-              <a:t>nisl</a:t>
-            </a:r>
-            <a:r>
-              <a:rPr lang="en-GB" altLang="zh-CN" sz="1400" kern="0" dirty="0">
-                <a:solidFill>
-                  <a:schemeClr val="tx1">
-                    <a:lumMod val="50000"/>
-                    <a:lumOff val="50000"/>
-                  </a:schemeClr>
-                </a:solidFill>
-                <a:latin typeface="微软雅黑 Light" panose="020B0502040204020203" pitchFamily="34" charset="-122"/>
-                <a:ea typeface="微软雅黑 Light" panose="020B0502040204020203" pitchFamily="34" charset="-122"/>
-              </a:rPr>
-              <a:t> </a:t>
-            </a:r>
-            <a:r>
-              <a:rPr lang="en-GB" altLang="zh-CN" sz="1400" kern="0" dirty="0" err="1">
-                <a:solidFill>
-                  <a:schemeClr val="tx1">
-                    <a:lumMod val="50000"/>
-                    <a:lumOff val="50000"/>
-                  </a:schemeClr>
-                </a:solidFill>
-                <a:latin typeface="微软雅黑 Light" panose="020B0502040204020203" pitchFamily="34" charset="-122"/>
-                <a:ea typeface="微软雅黑 Light" panose="020B0502040204020203" pitchFamily="34" charset="-122"/>
-              </a:rPr>
-              <a:t>ut</a:t>
-            </a:r>
-            <a:r>
-              <a:rPr lang="en-GB" altLang="zh-CN" sz="1400" kern="0" dirty="0">
-                <a:solidFill>
-                  <a:schemeClr val="tx1">
-                    <a:lumMod val="50000"/>
-                    <a:lumOff val="50000"/>
-                  </a:schemeClr>
-                </a:solidFill>
-                <a:latin typeface="微软雅黑 Light" panose="020B0502040204020203" pitchFamily="34" charset="-122"/>
-                <a:ea typeface="微软雅黑 Light" panose="020B0502040204020203" pitchFamily="34" charset="-122"/>
-              </a:rPr>
-              <a:t> </a:t>
-            </a:r>
-            <a:r>
-              <a:rPr lang="en-GB" altLang="zh-CN" sz="1400" kern="0" dirty="0" err="1">
-                <a:solidFill>
-                  <a:schemeClr val="tx1">
-                    <a:lumMod val="50000"/>
-                    <a:lumOff val="50000"/>
-                  </a:schemeClr>
-                </a:solidFill>
-                <a:latin typeface="微软雅黑 Light" panose="020B0502040204020203" pitchFamily="34" charset="-122"/>
-                <a:ea typeface="微软雅黑 Light" panose="020B0502040204020203" pitchFamily="34" charset="-122"/>
-              </a:rPr>
-              <a:t>aliquip</a:t>
-            </a:r>
-            <a:r>
-              <a:rPr lang="en-GB" altLang="zh-CN" sz="1400" kern="0" dirty="0">
-                <a:solidFill>
-                  <a:schemeClr val="tx1">
-                    <a:lumMod val="50000"/>
-                    <a:lumOff val="50000"/>
-                  </a:schemeClr>
-                </a:solidFill>
-                <a:latin typeface="微软雅黑 Light" panose="020B0502040204020203" pitchFamily="34" charset="-122"/>
-                <a:ea typeface="微软雅黑 Light" panose="020B0502040204020203" pitchFamily="34" charset="-122"/>
-              </a:rPr>
-              <a:t> ex </a:t>
-            </a:r>
-            <a:r>
-              <a:rPr lang="en-GB" altLang="zh-CN" sz="1400" kern="0" dirty="0" err="1">
-                <a:solidFill>
-                  <a:schemeClr val="tx1">
-                    <a:lumMod val="50000"/>
-                    <a:lumOff val="50000"/>
-                  </a:schemeClr>
-                </a:solidFill>
-                <a:latin typeface="微软雅黑 Light" panose="020B0502040204020203" pitchFamily="34" charset="-122"/>
-                <a:ea typeface="微软雅黑 Light" panose="020B0502040204020203" pitchFamily="34" charset="-122"/>
-              </a:rPr>
-              <a:t>ea</a:t>
-            </a:r>
-            <a:r>
-              <a:rPr lang="en-GB" altLang="zh-CN" sz="1400" kern="0" dirty="0">
-                <a:solidFill>
-                  <a:schemeClr val="tx1">
-                    <a:lumMod val="50000"/>
-                    <a:lumOff val="50000"/>
-                  </a:schemeClr>
-                </a:solidFill>
-                <a:latin typeface="微软雅黑 Light" panose="020B0502040204020203" pitchFamily="34" charset="-122"/>
-                <a:ea typeface="微软雅黑 Light" panose="020B0502040204020203" pitchFamily="34" charset="-122"/>
-              </a:rPr>
-              <a:t> </a:t>
-            </a:r>
-            <a:r>
-              <a:rPr lang="en-GB" altLang="zh-CN" sz="1400" kern="0" dirty="0" err="1">
-                <a:solidFill>
-                  <a:schemeClr val="tx1">
-                    <a:lumMod val="50000"/>
-                    <a:lumOff val="50000"/>
-                  </a:schemeClr>
-                </a:solidFill>
-                <a:latin typeface="微软雅黑 Light" panose="020B0502040204020203" pitchFamily="34" charset="-122"/>
-                <a:ea typeface="微软雅黑 Light" panose="020B0502040204020203" pitchFamily="34" charset="-122"/>
-              </a:rPr>
-              <a:t>commodo</a:t>
-            </a:r>
-            <a:r>
-              <a:rPr lang="en-GB" altLang="zh-CN" sz="1400" kern="0" dirty="0">
-                <a:solidFill>
-                  <a:schemeClr val="tx1">
-                    <a:lumMod val="50000"/>
-                    <a:lumOff val="50000"/>
-                  </a:schemeClr>
-                </a:solidFill>
-                <a:latin typeface="微软雅黑 Light" panose="020B0502040204020203" pitchFamily="34" charset="-122"/>
-                <a:ea typeface="微软雅黑 Light" panose="020B0502040204020203" pitchFamily="34" charset="-122"/>
-              </a:rPr>
-              <a:t> </a:t>
-            </a:r>
-            <a:r>
-              <a:rPr lang="en-GB" altLang="zh-CN" sz="1400" kern="0" dirty="0" err="1">
-                <a:solidFill>
-                  <a:schemeClr val="tx1">
-                    <a:lumMod val="50000"/>
-                    <a:lumOff val="50000"/>
-                  </a:schemeClr>
-                </a:solidFill>
-                <a:latin typeface="微软雅黑 Light" panose="020B0502040204020203" pitchFamily="34" charset="-122"/>
-                <a:ea typeface="微软雅黑 Light" panose="020B0502040204020203" pitchFamily="34" charset="-122"/>
-              </a:rPr>
-              <a:t>consequat</a:t>
-            </a:r>
-            <a:r>
-              <a:rPr lang="en-GB" altLang="zh-CN" sz="1400" kern="0" dirty="0">
-                <a:solidFill>
-                  <a:schemeClr val="tx1">
-                    <a:lumMod val="50000"/>
-                    <a:lumOff val="50000"/>
-                  </a:schemeClr>
-                </a:solidFill>
-                <a:latin typeface="微软雅黑 Light" panose="020B0502040204020203" pitchFamily="34" charset="-122"/>
-                <a:ea typeface="微软雅黑 Light" panose="020B0502040204020203" pitchFamily="34" charset="-122"/>
-              </a:rPr>
-              <a:t>. </a:t>
-            </a:r>
-            <a:endParaRPr lang="en-GB" altLang="zh-CN" sz="1400" kern="0" dirty="0">
-              <a:solidFill>
-                <a:schemeClr val="tx1">
-                  <a:lumMod val="50000"/>
-                  <a:lumOff val="50000"/>
-                </a:schemeClr>
-              </a:solidFill>
-              <a:latin typeface="微软雅黑 Light" panose="020B0502040204020203" pitchFamily="34" charset="-122"/>
-              <a:ea typeface="微软雅黑 Light" panose="020B0502040204020203" pitchFamily="34" charset="-122"/>
-            </a:endParaRPr>
-          </a:p>
-        </p:txBody>
-      </p:sp>
-      <p:sp>
-        <p:nvSpPr>
-          <p:cNvPr id="39" name="矩形 38"/>
-          <p:cNvSpPr/>
-          <p:nvPr/>
-        </p:nvSpPr>
-        <p:spPr>
-          <a:xfrm>
-            <a:off x="4963952" y="1222989"/>
-            <a:ext cx="5042423" cy="2061210"/>
-          </a:xfrm>
-          <a:prstGeom prst="rect">
-            <a:avLst/>
-          </a:prstGeom>
-        </p:spPr>
-        <p:txBody>
-          <a:bodyPr wrap="square">
-            <a:spAutoFit/>
-          </a:bodyPr>
-          <a:lstStyle/>
-          <a:p>
-            <a:r>
-              <a:rPr lang="zh-CN" altLang="en-US" sz="3200" b="1" kern="0" dirty="0">
-                <a:latin typeface="微软雅黑 Light" panose="020B0502040204020203" pitchFamily="34" charset="-122"/>
-                <a:ea typeface="微软雅黑 Light" panose="020B0502040204020203" pitchFamily="34" charset="-122"/>
-                <a:cs typeface="Arial Unicode MS" pitchFamily="34" charset="-122"/>
-              </a:rPr>
-              <a:t>定时提醒</a:t>
-            </a:r>
-            <a:endParaRPr lang="en-US" altLang="zh-CN" sz="3200" kern="0" dirty="0">
-              <a:latin typeface="微软雅黑 Light" panose="020B0502040204020203" pitchFamily="34" charset="-122"/>
-              <a:ea typeface="微软雅黑 Light" panose="020B0502040204020203" pitchFamily="34" charset="-122"/>
-              <a:cs typeface="Arial Unicode MS" pitchFamily="34" charset="-122"/>
-            </a:endParaRPr>
-          </a:p>
-          <a:p>
-            <a:r>
-              <a:rPr lang="en-US" altLang="zh-CN" sz="3200" kern="0" dirty="0">
-                <a:latin typeface="微软雅黑 Light" panose="020B0502040204020203" pitchFamily="34" charset="-122"/>
-                <a:ea typeface="微软雅黑 Light" panose="020B0502040204020203" pitchFamily="34" charset="-122"/>
-                <a:cs typeface="Arial Unicode MS" pitchFamily="34" charset="-122"/>
-              </a:rPr>
-              <a:t>Say</a:t>
-            </a:r>
-            <a:r>
-              <a:rPr lang="en-US" altLang="zh-CN" sz="3200" kern="0" dirty="0">
-                <a:solidFill>
-                  <a:srgbClr val="FF3F3F"/>
-                </a:solidFill>
-                <a:latin typeface="微软雅黑 Light" panose="020B0502040204020203" pitchFamily="34" charset="-122"/>
-                <a:ea typeface="微软雅黑 Light" panose="020B0502040204020203" pitchFamily="34" charset="-122"/>
-                <a:cs typeface="Arial Unicode MS" pitchFamily="34" charset="-122"/>
-              </a:rPr>
-              <a:t> Something</a:t>
-            </a:r>
-            <a:endParaRPr lang="en-US" altLang="zh-CN" sz="3200" kern="0" dirty="0">
-              <a:solidFill>
-                <a:srgbClr val="FF3F3F"/>
-              </a:solidFill>
-              <a:latin typeface="微软雅黑 Light" panose="020B0502040204020203" pitchFamily="34" charset="-122"/>
-              <a:ea typeface="微软雅黑 Light" panose="020B0502040204020203" pitchFamily="34" charset="-122"/>
-              <a:cs typeface="Arial Unicode MS" pitchFamily="34" charset="-122"/>
-            </a:endParaRPr>
-          </a:p>
-          <a:p>
-            <a:r>
-              <a:rPr lang="en-US" altLang="zh-CN" sz="3200" kern="0" dirty="0">
-                <a:latin typeface="微软雅黑 Light" panose="020B0502040204020203" pitchFamily="34" charset="-122"/>
-                <a:ea typeface="微软雅黑 Light" panose="020B0502040204020203" pitchFamily="34" charset="-122"/>
-                <a:cs typeface="Arial Unicode MS" pitchFamily="34" charset="-122"/>
-              </a:rPr>
-              <a:t>here to</a:t>
-            </a:r>
-            <a:endParaRPr lang="en-US" altLang="zh-CN" sz="3200" kern="0" dirty="0">
-              <a:latin typeface="微软雅黑 Light" panose="020B0502040204020203" pitchFamily="34" charset="-122"/>
-              <a:ea typeface="微软雅黑 Light" panose="020B0502040204020203" pitchFamily="34" charset="-122"/>
-              <a:cs typeface="Arial Unicode MS" pitchFamily="34" charset="-122"/>
-            </a:endParaRPr>
-          </a:p>
-          <a:p>
-            <a:r>
-              <a:rPr lang="en-US" altLang="zh-CN" sz="3200" kern="0" dirty="0">
-                <a:latin typeface="微软雅黑 Light" panose="020B0502040204020203" pitchFamily="34" charset="-122"/>
-                <a:ea typeface="微软雅黑 Light" panose="020B0502040204020203" pitchFamily="34" charset="-122"/>
-                <a:cs typeface="Arial Unicode MS" pitchFamily="34" charset="-122"/>
-              </a:rPr>
-              <a:t>describe your idea</a:t>
-            </a:r>
-            <a:r>
-              <a:rPr lang="zh-CN" altLang="en-US" sz="3200" kern="0" dirty="0">
-                <a:latin typeface="微软雅黑 Light" panose="020B0502040204020203" pitchFamily="34" charset="-122"/>
-                <a:ea typeface="微软雅黑 Light" panose="020B0502040204020203" pitchFamily="34" charset="-122"/>
-                <a:cs typeface="Arial Unicode MS" pitchFamily="34" charset="-122"/>
-              </a:rPr>
-              <a:t>。</a:t>
-            </a:r>
-            <a:endParaRPr lang="zh-CN" altLang="en-US" sz="3200" dirty="0">
-              <a:latin typeface="微软雅黑 Light" panose="020B0502040204020203" pitchFamily="34" charset="-122"/>
-              <a:ea typeface="微软雅黑 Light" panose="020B0502040204020203" pitchFamily="34" charset="-122"/>
-            </a:endParaRPr>
-          </a:p>
-        </p:txBody>
-      </p:sp>
-      <p:sp>
-        <p:nvSpPr>
-          <p:cNvPr id="46" name="任意多边形: 形状 45"/>
-          <p:cNvSpPr/>
-          <p:nvPr/>
-        </p:nvSpPr>
-        <p:spPr>
-          <a:xfrm>
-            <a:off x="4963952" y="490120"/>
-            <a:ext cx="457594" cy="507719"/>
-          </a:xfrm>
-          <a:custGeom>
-            <a:avLst/>
-            <a:gdLst/>
-            <a:ahLst/>
-            <a:cxnLst/>
-            <a:rect l="l" t="t" r="r" b="b"/>
-            <a:pathLst>
-              <a:path w="714327" h="792575">
-                <a:moveTo>
-                  <a:pt x="661321" y="0"/>
-                </a:moveTo>
-                <a:lnTo>
-                  <a:pt x="714327" y="85820"/>
-                </a:lnTo>
-                <a:cubicBezTo>
-                  <a:pt x="584756" y="149764"/>
-                  <a:pt x="519970" y="296164"/>
-                  <a:pt x="519970" y="525018"/>
-                </a:cubicBezTo>
-                <a:lnTo>
-                  <a:pt x="666369" y="525018"/>
-                </a:lnTo>
-                <a:lnTo>
-                  <a:pt x="666369" y="792575"/>
-                </a:lnTo>
-                <a:lnTo>
-                  <a:pt x="403860" y="792575"/>
-                </a:lnTo>
-                <a:lnTo>
-                  <a:pt x="403860" y="545211"/>
-                </a:lnTo>
-                <a:cubicBezTo>
-                  <a:pt x="403860" y="425735"/>
-                  <a:pt x="426156" y="315515"/>
-                  <a:pt x="470749" y="214550"/>
-                </a:cubicBezTo>
-                <a:cubicBezTo>
-                  <a:pt x="515342" y="113585"/>
-                  <a:pt x="578866" y="42068"/>
-                  <a:pt x="661321" y="0"/>
-                </a:cubicBezTo>
-                <a:close/>
-                <a:moveTo>
-                  <a:pt x="257461" y="0"/>
-                </a:moveTo>
-                <a:lnTo>
-                  <a:pt x="310467" y="85820"/>
-                </a:lnTo>
-                <a:cubicBezTo>
-                  <a:pt x="180896" y="149764"/>
-                  <a:pt x="116110" y="296164"/>
-                  <a:pt x="116110" y="525018"/>
-                </a:cubicBezTo>
-                <a:lnTo>
-                  <a:pt x="262509" y="525018"/>
-                </a:lnTo>
-                <a:lnTo>
-                  <a:pt x="262509" y="792575"/>
-                </a:lnTo>
-                <a:lnTo>
-                  <a:pt x="0" y="792575"/>
-                </a:lnTo>
-                <a:lnTo>
-                  <a:pt x="0" y="545211"/>
-                </a:lnTo>
-                <a:cubicBezTo>
-                  <a:pt x="0" y="425735"/>
-                  <a:pt x="22296" y="315515"/>
-                  <a:pt x="66889" y="214550"/>
-                </a:cubicBezTo>
-                <a:cubicBezTo>
-                  <a:pt x="111482" y="113585"/>
-                  <a:pt x="175006" y="42068"/>
-                  <a:pt x="257461" y="0"/>
-                </a:cubicBezTo>
-                <a:close/>
-              </a:path>
-            </a:pathLst>
-          </a:custGeom>
-          <a:solidFill>
-            <a:schemeClr val="tx1"/>
-          </a:solidFill>
-          <a:ln>
-            <a:noFill/>
-          </a:ln>
-        </p:spPr>
-        <p:style>
-          <a:lnRef idx="2">
-            <a:schemeClr val="accent1">
-              <a:shade val="50000"/>
-            </a:schemeClr>
-          </a:lnRef>
-          <a:fillRef idx="1">
-            <a:schemeClr val="accent1"/>
-          </a:fillRef>
-          <a:effectRef idx="0">
-            <a:schemeClr val="accent1"/>
-          </a:effectRef>
-          <a:fontRef idx="minor">
-            <a:schemeClr val="lt1"/>
-          </a:fontRef>
-        </p:style>
-        <p:txBody>
-          <a:bodyPr rtlCol="0" anchor="ctr"/>
-          <a:lstStyle/>
-          <a:p>
-            <a:pPr algn="ctr"/>
-            <a:endParaRPr lang="zh-CN" altLang="en-US"/>
-          </a:p>
-        </p:txBody>
-      </p:sp>
-      <p:pic>
-        <p:nvPicPr>
-          <p:cNvPr id="48" name="图片 1"/>
-          <p:cNvPicPr>
-            <a:picLocks noChangeAspect="1"/>
-          </p:cNvPicPr>
-          <p:nvPr/>
-        </p:nvPicPr>
-        <p:blipFill rotWithShape="1">
-          <a:blip r:embed="rId1" cstate="email">
-            <a:grayscl/>
-            <a:extLst>
-              <a:ext uri="{BEBA8EAE-BF5A-486C-A8C5-ECC9F3942E4B}">
-                <a14:imgProps xmlns:a14="http://schemas.microsoft.com/office/drawing/2010/main">
-                  <a14:imgLayer r:embed="rId2">
-                    <a14:imgEffect>
-                      <a14:saturation sat="33000"/>
-                    </a14:imgEffect>
-                  </a14:imgLayer>
-                </a14:imgProps>
-              </a:ext>
-              <a:ext uri="{28A0092B-C50C-407E-A947-70E740481C1C}">
-                <a14:useLocalDpi xmlns:a14="http://schemas.microsoft.com/office/drawing/2010/main" val="0"/>
-              </a:ext>
-            </a:extLst>
-          </a:blip>
-          <a:srcRect/>
-          <a:stretch>
-            <a:fillRect/>
-          </a:stretch>
-        </p:blipFill>
-        <p:spPr bwMode="auto">
-          <a:xfrm>
-            <a:off x="1349743" y="0"/>
-            <a:ext cx="2754111" cy="5172161"/>
-          </a:xfrm>
-          <a:prstGeom prst="rect">
-            <a:avLst/>
-          </a:prstGeom>
-          <a:noFill/>
-          <a:ln>
-            <a:noFill/>
-          </a:ln>
-          <a:extLst>
-            <a:ext uri="{909E8E84-426E-40DD-AFC4-6F175D3DCCD1}">
-              <a14:hiddenFill xmlns:a14="http://schemas.microsoft.com/office/drawing/2010/main">
-                <a:solidFill>
-                  <a:srgbClr val="FFFFFF"/>
-                </a:solidFill>
-              </a14:hiddenFill>
-            </a:ext>
-            <a:ext uri="{91240B29-F687-4F45-9708-019B960494DF}">
-              <a14:hiddenLine xmlns:a14="http://schemas.microsoft.com/office/drawing/2010/main" w="9525">
-                <a:solidFill>
-                  <a:srgbClr val="000000"/>
-                </a:solidFill>
-                <a:miter lim="800000"/>
-                <a:headEnd/>
-                <a:tailEnd/>
-              </a14:hiddenLine>
-            </a:ext>
-          </a:extLst>
-        </p:spPr>
-      </p:pic>
-      <p:sp>
-        <p:nvSpPr>
-          <p:cNvPr id="49" name="任意多边形: 形状 48"/>
-          <p:cNvSpPr/>
-          <p:nvPr/>
-        </p:nvSpPr>
-        <p:spPr>
-          <a:xfrm rot="10800000">
-            <a:off x="10637676" y="5664778"/>
-            <a:ext cx="457594" cy="507719"/>
-          </a:xfrm>
-          <a:custGeom>
-            <a:avLst/>
-            <a:gdLst/>
-            <a:ahLst/>
-            <a:cxnLst/>
-            <a:rect l="l" t="t" r="r" b="b"/>
-            <a:pathLst>
-              <a:path w="714327" h="792575">
-                <a:moveTo>
-                  <a:pt x="661321" y="0"/>
-                </a:moveTo>
-                <a:lnTo>
-                  <a:pt x="714327" y="85820"/>
-                </a:lnTo>
-                <a:cubicBezTo>
-                  <a:pt x="584756" y="149764"/>
-                  <a:pt x="519970" y="296164"/>
-                  <a:pt x="519970" y="525018"/>
-                </a:cubicBezTo>
-                <a:lnTo>
-                  <a:pt x="666369" y="525018"/>
-                </a:lnTo>
-                <a:lnTo>
-                  <a:pt x="666369" y="792575"/>
-                </a:lnTo>
-                <a:lnTo>
-                  <a:pt x="403860" y="792575"/>
-                </a:lnTo>
-                <a:lnTo>
-                  <a:pt x="403860" y="545211"/>
-                </a:lnTo>
-                <a:cubicBezTo>
-                  <a:pt x="403860" y="425735"/>
-                  <a:pt x="426156" y="315515"/>
-                  <a:pt x="470749" y="214550"/>
-                </a:cubicBezTo>
-                <a:cubicBezTo>
-                  <a:pt x="515342" y="113585"/>
-                  <a:pt x="578866" y="42068"/>
-                  <a:pt x="661321" y="0"/>
-                </a:cubicBezTo>
-                <a:close/>
-                <a:moveTo>
-                  <a:pt x="257461" y="0"/>
-                </a:moveTo>
-                <a:lnTo>
-                  <a:pt x="310467" y="85820"/>
-                </a:lnTo>
-                <a:cubicBezTo>
-                  <a:pt x="180896" y="149764"/>
-                  <a:pt x="116110" y="296164"/>
-                  <a:pt x="116110" y="525018"/>
-                </a:cubicBezTo>
-                <a:lnTo>
-                  <a:pt x="262509" y="525018"/>
-                </a:lnTo>
-                <a:lnTo>
-                  <a:pt x="262509" y="792575"/>
-                </a:lnTo>
-                <a:lnTo>
-                  <a:pt x="0" y="792575"/>
-                </a:lnTo>
-                <a:lnTo>
-                  <a:pt x="0" y="545211"/>
-                </a:lnTo>
-                <a:cubicBezTo>
-                  <a:pt x="0" y="425735"/>
-                  <a:pt x="22296" y="315515"/>
-                  <a:pt x="66889" y="214550"/>
-                </a:cubicBezTo>
-                <a:cubicBezTo>
-                  <a:pt x="111482" y="113585"/>
-                  <a:pt x="175006" y="42068"/>
-                  <a:pt x="257461" y="0"/>
-                </a:cubicBezTo>
-                <a:close/>
-              </a:path>
-            </a:pathLst>
-          </a:custGeom>
-          <a:solidFill>
-            <a:schemeClr val="tx1"/>
-          </a:solidFill>
-          <a:ln>
-            <a:noFill/>
-          </a:ln>
-        </p:spPr>
-        <p:style>
-          <a:lnRef idx="2">
-            <a:schemeClr val="accent1">
-              <a:shade val="50000"/>
-            </a:schemeClr>
-          </a:lnRef>
-          <a:fillRef idx="1">
-            <a:schemeClr val="accent1"/>
-          </a:fillRef>
-          <a:effectRef idx="0">
-            <a:schemeClr val="accent1"/>
-          </a:effectRef>
-          <a:fontRef idx="minor">
-            <a:schemeClr val="lt1"/>
-          </a:fontRef>
-        </p:style>
-        <p:txBody>
-          <a:bodyPr rtlCol="0" anchor="ctr"/>
-          <a:lstStyle/>
-          <a:p>
-            <a:pPr algn="ctr"/>
-            <a:endParaRPr lang="zh-CN" altLang="en-US"/>
-          </a:p>
-        </p:txBody>
-      </p:sp>
-      <p:grpSp>
-        <p:nvGrpSpPr>
-          <p:cNvPr id="50" name="组合 49"/>
-          <p:cNvGrpSpPr/>
-          <p:nvPr/>
-        </p:nvGrpSpPr>
-        <p:grpSpPr>
-          <a:xfrm>
-            <a:off x="3161140" y="5447281"/>
-            <a:ext cx="942714" cy="942714"/>
-            <a:chOff x="-2177143" y="2481943"/>
-            <a:chExt cx="2409372" cy="2409372"/>
-          </a:xfrm>
-        </p:grpSpPr>
-        <p:grpSp>
-          <p:nvGrpSpPr>
-            <p:cNvPr id="51" name="组合 50"/>
-            <p:cNvGrpSpPr/>
-            <p:nvPr/>
-          </p:nvGrpSpPr>
-          <p:grpSpPr>
-            <a:xfrm>
-              <a:off x="-1797957" y="3108779"/>
-              <a:ext cx="1651000" cy="1155700"/>
-              <a:chOff x="2755900" y="4096931"/>
-              <a:chExt cx="1651000" cy="1155700"/>
-            </a:xfrm>
-            <a:solidFill>
-              <a:schemeClr val="bg1">
-                <a:lumMod val="95000"/>
-              </a:schemeClr>
-            </a:solidFill>
-          </p:grpSpPr>
-          <p:sp>
-            <p:nvSpPr>
-              <p:cNvPr id="53" name="矩形 52"/>
-              <p:cNvSpPr/>
-              <p:nvPr/>
-            </p:nvSpPr>
-            <p:spPr>
-              <a:xfrm>
-                <a:off x="2755900" y="4491679"/>
-                <a:ext cx="1150046" cy="366204"/>
-              </a:xfrm>
-              <a:prstGeom prst="rect">
-                <a:avLst/>
-              </a:prstGeom>
-              <a:solidFill>
-                <a:schemeClr val="tx1"/>
-              </a:solidFill>
-              <a:ln w="3175">
-                <a:solidFill>
-                  <a:schemeClr val="tx1"/>
-                </a:solidFill>
-              </a:ln>
-            </p:spPr>
-            <p:style>
-              <a:lnRef idx="2">
-                <a:schemeClr val="accent1">
-                  <a:shade val="50000"/>
-                </a:schemeClr>
-              </a:lnRef>
-              <a:fillRef idx="1">
-                <a:schemeClr val="accent1"/>
-              </a:fillRef>
-              <a:effectRef idx="0">
-                <a:schemeClr val="accent1"/>
-              </a:effectRef>
-              <a:fontRef idx="minor">
-                <a:schemeClr val="lt1"/>
-              </a:fontRef>
-            </p:style>
-            <p:txBody>
-              <a:bodyPr rtlCol="0" anchor="ctr"/>
-              <a:lstStyle/>
-              <a:p>
-                <a:pPr algn="ctr"/>
-                <a:endParaRPr lang="zh-CN" altLang="en-US"/>
-              </a:p>
-            </p:txBody>
-          </p:sp>
-          <p:sp>
-            <p:nvSpPr>
-              <p:cNvPr id="54" name="箭头: V 形 53"/>
-              <p:cNvSpPr/>
-              <p:nvPr/>
-            </p:nvSpPr>
-            <p:spPr>
-              <a:xfrm>
-                <a:off x="3251200" y="4096931"/>
-                <a:ext cx="1155700" cy="1155700"/>
-              </a:xfrm>
-              <a:prstGeom prst="chevron">
-                <a:avLst/>
-              </a:prstGeom>
-              <a:solidFill>
-                <a:schemeClr val="tx1"/>
-              </a:solidFill>
-              <a:ln w="3175">
-                <a:solidFill>
-                  <a:schemeClr val="tx1"/>
-                </a:solidFill>
-              </a:ln>
-            </p:spPr>
-            <p:style>
-              <a:lnRef idx="2">
-                <a:schemeClr val="accent1">
-                  <a:shade val="50000"/>
-                </a:schemeClr>
-              </a:lnRef>
-              <a:fillRef idx="1">
-                <a:schemeClr val="accent1"/>
-              </a:fillRef>
-              <a:effectRef idx="0">
-                <a:schemeClr val="accent1"/>
-              </a:effectRef>
-              <a:fontRef idx="minor">
-                <a:schemeClr val="lt1"/>
-              </a:fontRef>
-            </p:style>
-            <p:txBody>
-              <a:bodyPr rtlCol="0" anchor="ctr"/>
-              <a:lstStyle/>
-              <a:p>
-                <a:pPr algn="ctr"/>
-                <a:endParaRPr lang="zh-CN" altLang="en-US">
-                  <a:solidFill>
-                    <a:schemeClr val="tx1"/>
-                  </a:solidFill>
-                </a:endParaRPr>
-              </a:p>
-            </p:txBody>
-          </p:sp>
-        </p:grpSp>
-        <p:sp>
-          <p:nvSpPr>
-            <p:cNvPr id="52" name="椭圆 51"/>
-            <p:cNvSpPr/>
-            <p:nvPr/>
-          </p:nvSpPr>
-          <p:spPr>
-            <a:xfrm>
-              <a:off x="-2177143" y="2481943"/>
-              <a:ext cx="2409372" cy="2409372"/>
-            </a:xfrm>
-            <a:prstGeom prst="ellipse">
-              <a:avLst/>
-            </a:prstGeom>
-            <a:noFill/>
-            <a:ln w="152400">
-              <a:solidFill>
-                <a:schemeClr val="tx1"/>
-              </a:solidFill>
-            </a:ln>
-          </p:spPr>
-          <p:style>
-            <a:lnRef idx="2">
-              <a:schemeClr val="accent1">
-                <a:shade val="50000"/>
-              </a:schemeClr>
-            </a:lnRef>
-            <a:fillRef idx="1">
-              <a:schemeClr val="accent1"/>
-            </a:fillRef>
-            <a:effectRef idx="0">
-              <a:schemeClr val="accent1"/>
-            </a:effectRef>
-            <a:fontRef idx="minor">
-              <a:schemeClr val="lt1"/>
-            </a:fontRef>
-          </p:style>
-          <p:txBody>
-            <a:bodyPr rtlCol="0" anchor="ctr"/>
-            <a:lstStyle/>
-            <a:p>
-              <a:pPr algn="ctr"/>
-              <a:endParaRPr lang="zh-CN" altLang="en-US"/>
-            </a:p>
-          </p:txBody>
-        </p:sp>
-      </p:grpSp>
-    </p:spTree>
-  </p:cSld>
-  <p:clrMapOvr>
-    <a:masterClrMapping/>
-  </p:clrMapOvr>
-</p:sld>
-</file>
-
-<file path=ppt/slides/slide9.xml><?xml version="1.0" encoding="utf-8"?>
-<p:sld xmlns:a="http://schemas.openxmlformats.org/drawingml/2006/main" xmlns:r="http://schemas.openxmlformats.org/officeDocument/2006/relationships" xmlns:p="http://schemas.openxmlformats.org/presentationml/2006/main">
-  <p:cSld>
-    <p:spTree>
-      <p:nvGrpSpPr>
-        <p:cNvPr id="1" name=""/>
-        <p:cNvGrpSpPr/>
-        <p:nvPr/>
-      </p:nvGrpSpPr>
-      <p:grpSpPr>
-        <a:xfrm>
-          <a:off x="0" y="0"/>
-          <a:ext cx="0" cy="0"/>
-          <a:chOff x="0" y="0"/>
-          <a:chExt cx="0" cy="0"/>
-        </a:xfrm>
-      </p:grpSpPr>
-      <p:sp>
-        <p:nvSpPr>
           <p:cNvPr id="2" name="文本框 1"/>
           <p:cNvSpPr txBox="1"/>
           <p:nvPr/>
@@ -13826,6 +9822,637 @@
           <a:p>
             <a:pPr algn="ctr"/>
             <a:endParaRPr lang="zh-CN" altLang="en-US"/>
+          </a:p>
+        </p:txBody>
+      </p:sp>
+    </p:spTree>
+  </p:cSld>
+  <p:clrMapOvr>
+    <a:masterClrMapping/>
+  </p:clrMapOvr>
+</p:sld>
+</file>
+
+<file path=ppt/slides/slide9.xml><?xml version="1.0" encoding="utf-8"?>
+<p:sld xmlns:a="http://schemas.openxmlformats.org/drawingml/2006/main" xmlns:r="http://schemas.openxmlformats.org/officeDocument/2006/relationships" xmlns:p="http://schemas.openxmlformats.org/presentationml/2006/main">
+  <p:cSld>
+    <p:spTree>
+      <p:nvGrpSpPr>
+        <p:cNvPr id="1" name=""/>
+        <p:cNvGrpSpPr/>
+        <p:nvPr/>
+      </p:nvGrpSpPr>
+      <p:grpSpPr>
+        <a:xfrm>
+          <a:off x="0" y="0"/>
+          <a:ext cx="0" cy="0"/>
+          <a:chOff x="0" y="0"/>
+          <a:chExt cx="0" cy="0"/>
+        </a:xfrm>
+      </p:grpSpPr>
+      <p:grpSp>
+        <p:nvGrpSpPr>
+          <p:cNvPr id="14" name="组合 13"/>
+          <p:cNvGrpSpPr/>
+          <p:nvPr/>
+        </p:nvGrpSpPr>
+        <p:grpSpPr>
+          <a:xfrm>
+            <a:off x="4746058" y="924785"/>
+            <a:ext cx="3051175" cy="1471677"/>
+            <a:chOff x="1919748" y="2727894"/>
+            <a:chExt cx="3051175" cy="1471677"/>
+          </a:xfrm>
+        </p:grpSpPr>
+        <p:grpSp>
+          <p:nvGrpSpPr>
+            <p:cNvPr id="15" name="组合 14"/>
+            <p:cNvGrpSpPr/>
+            <p:nvPr/>
+          </p:nvGrpSpPr>
+          <p:grpSpPr>
+            <a:xfrm rot="16200000">
+              <a:off x="2709497" y="1938145"/>
+              <a:ext cx="1471677" cy="3051175"/>
+              <a:chOff x="3727785" y="1618357"/>
+              <a:chExt cx="1471677" cy="3051175"/>
+            </a:xfrm>
+          </p:grpSpPr>
+          <p:sp>
+            <p:nvSpPr>
+              <p:cNvPr id="17" name="矩形 16"/>
+              <p:cNvSpPr/>
+              <p:nvPr/>
+            </p:nvSpPr>
+            <p:spPr>
+              <a:xfrm>
+                <a:off x="3727785" y="1618357"/>
+                <a:ext cx="1106170" cy="3051175"/>
+              </a:xfrm>
+              <a:prstGeom prst="rect">
+                <a:avLst/>
+              </a:prstGeom>
+            </p:spPr>
+            <p:txBody>
+              <a:bodyPr vert="eaVert" wrap="square" anchor="ctr">
+                <a:spAutoFit/>
+              </a:bodyPr>
+              <a:lstStyle/>
+              <a:p>
+                <a:pPr algn="dist">
+                  <a:lnSpc>
+                    <a:spcPct val="150000"/>
+                  </a:lnSpc>
+                </a:pPr>
+                <a:r>
+                  <a:rPr lang="en-US" altLang="zh-CN" sz="4000" b="1" kern="100" dirty="0">
+                    <a:solidFill>
+                      <a:srgbClr val="FF3F3F"/>
+                    </a:solidFill>
+                    <a:latin typeface="微软雅黑" panose="020B0503020204020204" pitchFamily="34" charset="-122"/>
+                    <a:ea typeface="微软雅黑" panose="020B0503020204020204" pitchFamily="34" charset="-122"/>
+                    <a:cs typeface="Times New Roman" panose="02020603050405020304" pitchFamily="18" charset="0"/>
+                  </a:rPr>
+                  <a:t>We say……</a:t>
+                </a:r>
+                <a:endParaRPr lang="zh-CN" altLang="en-US" sz="4000" b="1" kern="100" dirty="0">
+                  <a:solidFill>
+                    <a:srgbClr val="FF3F3F"/>
+                  </a:solidFill>
+                  <a:latin typeface="微软雅黑" panose="020B0503020204020204" pitchFamily="34" charset="-122"/>
+                  <a:ea typeface="微软雅黑" panose="020B0503020204020204" pitchFamily="34" charset="-122"/>
+                  <a:cs typeface="Times New Roman" panose="02020603050405020304" pitchFamily="18" charset="0"/>
+                </a:endParaRPr>
+              </a:p>
+            </p:txBody>
+          </p:sp>
+          <p:sp>
+            <p:nvSpPr>
+              <p:cNvPr id="19" name="矩形 18"/>
+              <p:cNvSpPr/>
+              <p:nvPr/>
+            </p:nvSpPr>
+            <p:spPr>
+              <a:xfrm>
+                <a:off x="4460798" y="1618357"/>
+                <a:ext cx="738664" cy="2697939"/>
+              </a:xfrm>
+              <a:prstGeom prst="rect">
+                <a:avLst/>
+              </a:prstGeom>
+            </p:spPr>
+            <p:txBody>
+              <a:bodyPr vert="eaVert" wrap="square">
+                <a:spAutoFit/>
+              </a:bodyPr>
+              <a:lstStyle/>
+              <a:p>
+                <a:r>
+                  <a:rPr lang="en-US" altLang="zh-CN" sz="3600" kern="100" dirty="0">
+                    <a:latin typeface="微软雅黑 Light" panose="020B0502040204020203" pitchFamily="34" charset="-122"/>
+                    <a:ea typeface="微软雅黑 Light" panose="020B0502040204020203" pitchFamily="34" charset="-122"/>
+                    <a:cs typeface="Times New Roman" panose="02020603050405020304" pitchFamily="18" charset="0"/>
+                  </a:rPr>
+                  <a:t>introduction</a:t>
+                </a:r>
+                <a:endParaRPr lang="zh-CN" altLang="en-US" sz="3600" dirty="0">
+                  <a:latin typeface="微软雅黑 Light" panose="020B0502040204020203" pitchFamily="34" charset="-122"/>
+                  <a:ea typeface="微软雅黑 Light" panose="020B0502040204020203" pitchFamily="34" charset="-122"/>
+                </a:endParaRPr>
+              </a:p>
+            </p:txBody>
+          </p:sp>
+        </p:grpSp>
+        <p:cxnSp>
+          <p:nvCxnSpPr>
+            <p:cNvPr id="16" name="直接连接符 15"/>
+            <p:cNvCxnSpPr/>
+            <p:nvPr/>
+          </p:nvCxnSpPr>
+          <p:spPr>
+            <a:xfrm>
+              <a:off x="2028825" y="4079875"/>
+              <a:ext cx="2432627" cy="0"/>
+            </a:xfrm>
+            <a:prstGeom prst="line">
+              <a:avLst/>
+            </a:prstGeom>
+            <a:ln>
+              <a:solidFill>
+                <a:schemeClr val="tx1"/>
+              </a:solidFill>
+            </a:ln>
+          </p:spPr>
+          <p:style>
+            <a:lnRef idx="1">
+              <a:schemeClr val="accent1"/>
+            </a:lnRef>
+            <a:fillRef idx="0">
+              <a:schemeClr val="accent1"/>
+            </a:fillRef>
+            <a:effectRef idx="0">
+              <a:schemeClr val="accent1"/>
+            </a:effectRef>
+            <a:fontRef idx="minor">
+              <a:schemeClr val="tx1"/>
+            </a:fontRef>
+          </p:style>
+        </p:cxnSp>
+      </p:grpSp>
+      <p:grpSp>
+        <p:nvGrpSpPr>
+          <p:cNvPr id="21" name="组合 20"/>
+          <p:cNvGrpSpPr/>
+          <p:nvPr/>
+        </p:nvGrpSpPr>
+        <p:grpSpPr>
+          <a:xfrm>
+            <a:off x="0" y="1118950"/>
+            <a:ext cx="1054100" cy="744733"/>
+            <a:chOff x="11137900" y="860547"/>
+            <a:chExt cx="1054100" cy="744733"/>
+          </a:xfrm>
+          <a:solidFill>
+            <a:schemeClr val="tx1"/>
+          </a:solidFill>
+        </p:grpSpPr>
+        <p:sp>
+          <p:nvSpPr>
+            <p:cNvPr id="22" name="矩形 21"/>
+            <p:cNvSpPr/>
+            <p:nvPr/>
+          </p:nvSpPr>
+          <p:spPr>
+            <a:xfrm>
+              <a:off x="11137900" y="860547"/>
+              <a:ext cx="1054100" cy="106604"/>
+            </a:xfrm>
+            <a:prstGeom prst="rect">
+              <a:avLst/>
+            </a:prstGeom>
+            <a:grpFill/>
+            <a:ln>
+              <a:noFill/>
+            </a:ln>
+          </p:spPr>
+          <p:style>
+            <a:lnRef idx="2">
+              <a:schemeClr val="accent1">
+                <a:shade val="50000"/>
+              </a:schemeClr>
+            </a:lnRef>
+            <a:fillRef idx="1">
+              <a:schemeClr val="accent1"/>
+            </a:fillRef>
+            <a:effectRef idx="0">
+              <a:schemeClr val="accent1"/>
+            </a:effectRef>
+            <a:fontRef idx="minor">
+              <a:schemeClr val="lt1"/>
+            </a:fontRef>
+          </p:style>
+          <p:txBody>
+            <a:bodyPr rtlCol="0" anchor="ctr"/>
+            <a:lstStyle/>
+            <a:p>
+              <a:pPr algn="ctr"/>
+              <a:endParaRPr lang="zh-CN" altLang="en-US">
+                <a:latin typeface="微软雅黑 Light" panose="020B0502040204020203" pitchFamily="34" charset="-122"/>
+                <a:ea typeface="微软雅黑 Light" panose="020B0502040204020203" pitchFamily="34" charset="-122"/>
+              </a:endParaRPr>
+            </a:p>
+          </p:txBody>
+        </p:sp>
+        <p:sp>
+          <p:nvSpPr>
+            <p:cNvPr id="23" name="矩形 22"/>
+            <p:cNvSpPr/>
+            <p:nvPr/>
+          </p:nvSpPr>
+          <p:spPr>
+            <a:xfrm>
+              <a:off x="11137900" y="1073256"/>
+              <a:ext cx="1054100" cy="106604"/>
+            </a:xfrm>
+            <a:prstGeom prst="rect">
+              <a:avLst/>
+            </a:prstGeom>
+            <a:grpFill/>
+            <a:ln>
+              <a:noFill/>
+            </a:ln>
+          </p:spPr>
+          <p:style>
+            <a:lnRef idx="2">
+              <a:schemeClr val="accent1">
+                <a:shade val="50000"/>
+              </a:schemeClr>
+            </a:lnRef>
+            <a:fillRef idx="1">
+              <a:schemeClr val="accent1"/>
+            </a:fillRef>
+            <a:effectRef idx="0">
+              <a:schemeClr val="accent1"/>
+            </a:effectRef>
+            <a:fontRef idx="minor">
+              <a:schemeClr val="lt1"/>
+            </a:fontRef>
+          </p:style>
+          <p:txBody>
+            <a:bodyPr rtlCol="0" anchor="ctr"/>
+            <a:lstStyle/>
+            <a:p>
+              <a:pPr algn="ctr"/>
+              <a:endParaRPr lang="zh-CN" altLang="en-US">
+                <a:latin typeface="微软雅黑 Light" panose="020B0502040204020203" pitchFamily="34" charset="-122"/>
+                <a:ea typeface="微软雅黑 Light" panose="020B0502040204020203" pitchFamily="34" charset="-122"/>
+              </a:endParaRPr>
+            </a:p>
+          </p:txBody>
+        </p:sp>
+        <p:sp>
+          <p:nvSpPr>
+            <p:cNvPr id="24" name="矩形 23"/>
+            <p:cNvSpPr/>
+            <p:nvPr/>
+          </p:nvSpPr>
+          <p:spPr>
+            <a:xfrm>
+              <a:off x="11137900" y="1285966"/>
+              <a:ext cx="1054100" cy="106604"/>
+            </a:xfrm>
+            <a:prstGeom prst="rect">
+              <a:avLst/>
+            </a:prstGeom>
+            <a:grpFill/>
+            <a:ln>
+              <a:noFill/>
+            </a:ln>
+          </p:spPr>
+          <p:style>
+            <a:lnRef idx="2">
+              <a:schemeClr val="accent1">
+                <a:shade val="50000"/>
+              </a:schemeClr>
+            </a:lnRef>
+            <a:fillRef idx="1">
+              <a:schemeClr val="accent1"/>
+            </a:fillRef>
+            <a:effectRef idx="0">
+              <a:schemeClr val="accent1"/>
+            </a:effectRef>
+            <a:fontRef idx="minor">
+              <a:schemeClr val="lt1"/>
+            </a:fontRef>
+          </p:style>
+          <p:txBody>
+            <a:bodyPr rtlCol="0" anchor="ctr"/>
+            <a:lstStyle/>
+            <a:p>
+              <a:pPr algn="ctr"/>
+              <a:endParaRPr lang="zh-CN" altLang="en-US">
+                <a:latin typeface="微软雅黑 Light" panose="020B0502040204020203" pitchFamily="34" charset="-122"/>
+                <a:ea typeface="微软雅黑 Light" panose="020B0502040204020203" pitchFamily="34" charset="-122"/>
+              </a:endParaRPr>
+            </a:p>
+          </p:txBody>
+        </p:sp>
+        <p:sp>
+          <p:nvSpPr>
+            <p:cNvPr id="25" name="矩形 24"/>
+            <p:cNvSpPr/>
+            <p:nvPr/>
+          </p:nvSpPr>
+          <p:spPr>
+            <a:xfrm>
+              <a:off x="11137900" y="1498676"/>
+              <a:ext cx="1054100" cy="106604"/>
+            </a:xfrm>
+            <a:prstGeom prst="rect">
+              <a:avLst/>
+            </a:prstGeom>
+            <a:grpFill/>
+            <a:ln>
+              <a:noFill/>
+            </a:ln>
+          </p:spPr>
+          <p:style>
+            <a:lnRef idx="2">
+              <a:schemeClr val="accent1">
+                <a:shade val="50000"/>
+              </a:schemeClr>
+            </a:lnRef>
+            <a:fillRef idx="1">
+              <a:schemeClr val="accent1"/>
+            </a:fillRef>
+            <a:effectRef idx="0">
+              <a:schemeClr val="accent1"/>
+            </a:effectRef>
+            <a:fontRef idx="minor">
+              <a:schemeClr val="lt1"/>
+            </a:fontRef>
+          </p:style>
+          <p:txBody>
+            <a:bodyPr rtlCol="0" anchor="ctr"/>
+            <a:lstStyle/>
+            <a:p>
+              <a:pPr algn="ctr"/>
+              <a:endParaRPr lang="zh-CN" altLang="en-US">
+                <a:latin typeface="微软雅黑 Light" panose="020B0502040204020203" pitchFamily="34" charset="-122"/>
+                <a:ea typeface="微软雅黑 Light" panose="020B0502040204020203" pitchFamily="34" charset="-122"/>
+              </a:endParaRPr>
+            </a:p>
+          </p:txBody>
+        </p:sp>
+      </p:grpSp>
+      <p:sp>
+        <p:nvSpPr>
+          <p:cNvPr id="26" name="正文"/>
+          <p:cNvSpPr/>
+          <p:nvPr/>
+        </p:nvSpPr>
+        <p:spPr>
+          <a:xfrm>
+            <a:off x="4855277" y="2717079"/>
+            <a:ext cx="6067058" cy="2306955"/>
+          </a:xfrm>
+          <a:prstGeom prst="rect">
+            <a:avLst/>
+          </a:prstGeom>
+        </p:spPr>
+        <p:txBody>
+          <a:bodyPr wrap="square">
+            <a:spAutoFit/>
+          </a:bodyPr>
+          <a:lstStyle/>
+          <a:p>
+            <a:pPr>
+              <a:lnSpc>
+                <a:spcPct val="150000"/>
+              </a:lnSpc>
+            </a:pPr>
+            <a:r>
+              <a:rPr lang="zh-CN" altLang="en-GB" sz="1600" kern="0" dirty="0">
+                <a:solidFill>
+                  <a:schemeClr val="tx1">
+                    <a:lumMod val="50000"/>
+                    <a:lumOff val="50000"/>
+                  </a:schemeClr>
+                </a:solidFill>
+                <a:latin typeface="微软雅黑 Light" panose="020B0502040204020203" pitchFamily="34" charset="-122"/>
+                <a:ea typeface="微软雅黑 Light" panose="020B0502040204020203" pitchFamily="34" charset="-122"/>
+              </a:rPr>
+              <a:t>兔佬太强了太强了太强了</a:t>
+            </a:r>
+            <a:endParaRPr lang="zh-CN" altLang="en-GB" sz="1600" kern="0" dirty="0">
+              <a:solidFill>
+                <a:schemeClr val="tx1">
+                  <a:lumMod val="50000"/>
+                  <a:lumOff val="50000"/>
+                </a:schemeClr>
+              </a:solidFill>
+              <a:latin typeface="微软雅黑 Light" panose="020B0502040204020203" pitchFamily="34" charset="-122"/>
+              <a:ea typeface="微软雅黑 Light" panose="020B0502040204020203" pitchFamily="34" charset="-122"/>
+            </a:endParaRPr>
+          </a:p>
+          <a:p>
+            <a:pPr>
+              <a:lnSpc>
+                <a:spcPct val="150000"/>
+              </a:lnSpc>
+            </a:pPr>
+            <a:r>
+              <a:rPr lang="zh-CN" altLang="en-GB" sz="1600" kern="0" dirty="0">
+                <a:solidFill>
+                  <a:schemeClr val="tx1">
+                    <a:lumMod val="50000"/>
+                    <a:lumOff val="50000"/>
+                  </a:schemeClr>
+                </a:solidFill>
+                <a:latin typeface="微软雅黑 Light" panose="020B0502040204020203" pitchFamily="34" charset="-122"/>
+                <a:ea typeface="微软雅黑 Light" panose="020B0502040204020203" pitchFamily="34" charset="-122"/>
+              </a:rPr>
+              <a:t>随意发挥</a:t>
+            </a:r>
+            <a:r>
+              <a:rPr lang="en-US" altLang="zh-CN" sz="1600" kern="0" dirty="0">
+                <a:solidFill>
+                  <a:schemeClr val="tx1">
+                    <a:lumMod val="50000"/>
+                    <a:lumOff val="50000"/>
+                  </a:schemeClr>
+                </a:solidFill>
+                <a:latin typeface="微软雅黑 Light" panose="020B0502040204020203" pitchFamily="34" charset="-122"/>
+                <a:ea typeface="微软雅黑 Light" panose="020B0502040204020203" pitchFamily="34" charset="-122"/>
+              </a:rPr>
+              <a:t>……</a:t>
+            </a:r>
+            <a:endParaRPr lang="zh-CN" altLang="en-GB" sz="1600" kern="0" dirty="0">
+              <a:solidFill>
+                <a:schemeClr val="tx1">
+                  <a:lumMod val="50000"/>
+                  <a:lumOff val="50000"/>
+                </a:schemeClr>
+              </a:solidFill>
+              <a:latin typeface="微软雅黑 Light" panose="020B0502040204020203" pitchFamily="34" charset="-122"/>
+              <a:ea typeface="微软雅黑 Light" panose="020B0502040204020203" pitchFamily="34" charset="-122"/>
+            </a:endParaRPr>
+          </a:p>
+          <a:p>
+            <a:pPr>
+              <a:lnSpc>
+                <a:spcPct val="150000"/>
+              </a:lnSpc>
+            </a:pPr>
+            <a:r>
+              <a:rPr lang="zh-CN" altLang="en-GB" sz="1600" kern="0" dirty="0">
+                <a:solidFill>
+                  <a:schemeClr val="tx1">
+                    <a:lumMod val="50000"/>
+                    <a:lumOff val="50000"/>
+                  </a:schemeClr>
+                </a:solidFill>
+                <a:latin typeface="微软雅黑 Light" panose="020B0502040204020203" pitchFamily="34" charset="-122"/>
+                <a:ea typeface="微软雅黑 Light" panose="020B0502040204020203" pitchFamily="34" charset="-122"/>
+              </a:rPr>
+              <a:t>作为整个团队的</a:t>
+            </a:r>
+            <a:r>
+              <a:rPr lang="en-US" altLang="zh-CN" sz="1600" kern="0" dirty="0">
+                <a:solidFill>
+                  <a:schemeClr val="tx1">
+                    <a:lumMod val="50000"/>
+                    <a:lumOff val="50000"/>
+                  </a:schemeClr>
+                </a:solidFill>
+                <a:latin typeface="微软雅黑 Light" panose="020B0502040204020203" pitchFamily="34" charset="-122"/>
+                <a:ea typeface="微软雅黑 Light" panose="020B0502040204020203" pitchFamily="34" charset="-122"/>
+              </a:rPr>
+              <a:t>CTO</a:t>
+            </a:r>
+            <a:endParaRPr lang="en-US" altLang="zh-CN" sz="1600" kern="0" dirty="0">
+              <a:solidFill>
+                <a:schemeClr val="tx1">
+                  <a:lumMod val="50000"/>
+                  <a:lumOff val="50000"/>
+                </a:schemeClr>
+              </a:solidFill>
+              <a:latin typeface="微软雅黑 Light" panose="020B0502040204020203" pitchFamily="34" charset="-122"/>
+              <a:ea typeface="微软雅黑 Light" panose="020B0502040204020203" pitchFamily="34" charset="-122"/>
+            </a:endParaRPr>
+          </a:p>
+          <a:p>
+            <a:pPr>
+              <a:lnSpc>
+                <a:spcPct val="150000"/>
+              </a:lnSpc>
+            </a:pPr>
+            <a:r>
+              <a:rPr lang="zh-CN" altLang="en-US" sz="1600" kern="0" dirty="0">
+                <a:solidFill>
+                  <a:schemeClr val="tx1">
+                    <a:lumMod val="50000"/>
+                    <a:lumOff val="50000"/>
+                  </a:schemeClr>
+                </a:solidFill>
+                <a:latin typeface="微软雅黑 Light" panose="020B0502040204020203" pitchFamily="34" charset="-122"/>
+                <a:ea typeface="微软雅黑 Light" panose="020B0502040204020203" pitchFamily="34" charset="-122"/>
+              </a:rPr>
+              <a:t>兔子表示：</a:t>
+            </a:r>
+            <a:endParaRPr lang="zh-CN" altLang="en-US" sz="1600" kern="0" dirty="0">
+              <a:solidFill>
+                <a:schemeClr val="tx1">
+                  <a:lumMod val="50000"/>
+                  <a:lumOff val="50000"/>
+                </a:schemeClr>
+              </a:solidFill>
+              <a:latin typeface="微软雅黑 Light" panose="020B0502040204020203" pitchFamily="34" charset="-122"/>
+              <a:ea typeface="微软雅黑 Light" panose="020B0502040204020203" pitchFamily="34" charset="-122"/>
+            </a:endParaRPr>
+          </a:p>
+          <a:p>
+            <a:pPr>
+              <a:lnSpc>
+                <a:spcPct val="150000"/>
+              </a:lnSpc>
+            </a:pPr>
+            <a:r>
+              <a:rPr lang="zh-CN" altLang="en-US" sz="1600" kern="0" dirty="0">
+                <a:solidFill>
+                  <a:schemeClr val="tx1">
+                    <a:lumMod val="50000"/>
+                    <a:lumOff val="50000"/>
+                  </a:schemeClr>
+                </a:solidFill>
+                <a:latin typeface="微软雅黑 Light" panose="020B0502040204020203" pitchFamily="34" charset="-122"/>
+                <a:ea typeface="微软雅黑 Light" panose="020B0502040204020203" pitchFamily="34" charset="-122"/>
+              </a:rPr>
+              <a:t>       这个项目呢，有点过于简单，写着有点无聊，摸鱼间隙抽空写了写，勉勉强强还可吧</a:t>
+            </a:r>
+            <a:endParaRPr lang="zh-CN" altLang="en-US" sz="1600" kern="0" dirty="0">
+              <a:solidFill>
+                <a:schemeClr val="tx1">
+                  <a:lumMod val="50000"/>
+                  <a:lumOff val="50000"/>
+                </a:schemeClr>
+              </a:solidFill>
+              <a:latin typeface="微软雅黑 Light" panose="020B0502040204020203" pitchFamily="34" charset="-122"/>
+              <a:ea typeface="微软雅黑 Light" panose="020B0502040204020203" pitchFamily="34" charset="-122"/>
+            </a:endParaRPr>
+          </a:p>
+        </p:txBody>
+      </p:sp>
+      <p:pic>
+        <p:nvPicPr>
+          <p:cNvPr id="2" name="图片 1"/>
+          <p:cNvPicPr>
+            <a:picLocks noChangeAspect="1"/>
+          </p:cNvPicPr>
+          <p:nvPr/>
+        </p:nvPicPr>
+        <p:blipFill>
+          <a:blip r:embed="rId1"/>
+          <a:stretch>
+            <a:fillRect/>
+          </a:stretch>
+        </p:blipFill>
+        <p:spPr>
+          <a:xfrm>
+            <a:off x="1259205" y="752475"/>
+            <a:ext cx="3048000" cy="3048000"/>
+          </a:xfrm>
+          <a:prstGeom prst="rect">
+            <a:avLst/>
+          </a:prstGeom>
+        </p:spPr>
+      </p:pic>
+      <p:sp>
+        <p:nvSpPr>
+          <p:cNvPr id="3" name="文本框 2"/>
+          <p:cNvSpPr txBox="1"/>
+          <p:nvPr/>
+        </p:nvSpPr>
+        <p:spPr>
+          <a:xfrm>
+            <a:off x="1446530" y="4210685"/>
+            <a:ext cx="3830955" cy="768350"/>
+          </a:xfrm>
+          <a:prstGeom prst="rect">
+            <a:avLst/>
+          </a:prstGeom>
+          <a:noFill/>
+        </p:spPr>
+        <p:txBody>
+          <a:bodyPr wrap="square" rtlCol="0">
+            <a:spAutoFit/>
+          </a:bodyPr>
+          <a:p>
+            <a:r>
+              <a:rPr lang="en-US" altLang="zh-CN" sz="4400"/>
+              <a:t>Rabbit</a:t>
+            </a:r>
+            <a:endParaRPr lang="en-US" altLang="zh-CN" sz="4400"/>
           </a:p>
         </p:txBody>
       </p:sp>
